--- a/5.Kubernetes/1.Les techniques de déploiements avec Kubernetes.pptx
+++ b/5.Kubernetes/1.Les techniques de déploiements avec Kubernetes.pptx
@@ -248,7 +248,7 @@
           <a:p>
             <a:fld id="{658FBA48-6482-4940-A8BD-98D2278B94FD}" type="datetimeFigureOut">
               <a:rPr lang="fr-FR" smtClean="0"/>
-              <a:t>19/11/2024</a:t>
+              <a:t>16/04/2025</a:t>
             </a:fld>
             <a:endParaRPr lang="fr-FR"/>
           </a:p>
@@ -644,6 +644,350 @@
           <a:bodyPr/>
           <a:lstStyle/>
           <a:p>
+            <a:r>
+              <a:rPr lang="fr-FR" b="1" dirty="0" smtClean="0"/>
+              <a:t>Exemple de </a:t>
+            </a:r>
+            <a:r>
+              <a:rPr lang="fr-FR" b="1" dirty="0" err="1" smtClean="0"/>
+              <a:t>replicaset</a:t>
+            </a:r>
+            <a:r>
+              <a:rPr lang="fr-FR" b="1" dirty="0" smtClean="0"/>
+              <a:t>:</a:t>
+            </a:r>
+          </a:p>
+          <a:p>
+            <a:endParaRPr lang="fr-FR" b="1" dirty="0" smtClean="0"/>
+          </a:p>
+          <a:p>
+            <a:r>
+              <a:rPr lang="fr-FR" sz="1200" dirty="0" err="1" smtClean="0"/>
+              <a:t>apiVersion</a:t>
+            </a:r>
+            <a:r>
+              <a:rPr lang="fr-FR" sz="1200" dirty="0" smtClean="0"/>
+              <a:t>: </a:t>
+            </a:r>
+            <a:r>
+              <a:rPr lang="fr-FR" sz="1200" dirty="0" err="1" smtClean="0"/>
+              <a:t>apps</a:t>
+            </a:r>
+            <a:r>
+              <a:rPr lang="fr-FR" sz="1200" dirty="0" smtClean="0"/>
+              <a:t>/v1</a:t>
+            </a:r>
+          </a:p>
+          <a:p>
+            <a:r>
+              <a:rPr lang="fr-FR" sz="1200" dirty="0" err="1" smtClean="0"/>
+              <a:t>kind</a:t>
+            </a:r>
+            <a:r>
+              <a:rPr lang="fr-FR" sz="1200" dirty="0" smtClean="0"/>
+              <a:t>: </a:t>
+            </a:r>
+            <a:r>
+              <a:rPr lang="fr-FR" sz="1200" dirty="0" err="1" smtClean="0"/>
+              <a:t>ReplicaSet</a:t>
+            </a:r>
+            <a:endParaRPr lang="fr-FR" sz="1200" dirty="0" smtClean="0"/>
+          </a:p>
+          <a:p>
+            <a:r>
+              <a:rPr lang="fr-FR" sz="1200" dirty="0" err="1" smtClean="0"/>
+              <a:t>metadata</a:t>
+            </a:r>
+            <a:r>
+              <a:rPr lang="fr-FR" sz="1200" dirty="0" smtClean="0"/>
+              <a:t>:</a:t>
+            </a:r>
+          </a:p>
+          <a:p>
+            <a:r>
+              <a:rPr lang="fr-FR" sz="1200" dirty="0" smtClean="0"/>
+              <a:t>  </a:t>
+            </a:r>
+            <a:r>
+              <a:rPr lang="fr-FR" sz="1200" dirty="0" err="1" smtClean="0"/>
+              <a:t>name</a:t>
+            </a:r>
+            <a:r>
+              <a:rPr lang="fr-FR" sz="1200" dirty="0" smtClean="0"/>
+              <a:t>: </a:t>
+            </a:r>
+            <a:r>
+              <a:rPr lang="fr-FR" sz="1200" dirty="0" err="1" smtClean="0"/>
+              <a:t>frontend</a:t>
+            </a:r>
+            <a:endParaRPr lang="fr-FR" sz="1200" dirty="0" smtClean="0"/>
+          </a:p>
+          <a:p>
+            <a:r>
+              <a:rPr lang="fr-FR" sz="1200" dirty="0" smtClean="0"/>
+              <a:t>  labels:</a:t>
+            </a:r>
+          </a:p>
+          <a:p>
+            <a:r>
+              <a:rPr lang="fr-FR" sz="1200" dirty="0" smtClean="0"/>
+              <a:t>    </a:t>
+            </a:r>
+            <a:r>
+              <a:rPr lang="fr-FR" sz="1200" dirty="0" err="1" smtClean="0"/>
+              <a:t>app</a:t>
+            </a:r>
+            <a:r>
+              <a:rPr lang="fr-FR" sz="1200" dirty="0" smtClean="0"/>
+              <a:t>: </a:t>
+            </a:r>
+            <a:r>
+              <a:rPr lang="fr-FR" sz="1200" dirty="0" err="1" smtClean="0"/>
+              <a:t>guestbook</a:t>
+            </a:r>
+            <a:endParaRPr lang="fr-FR" sz="1200" dirty="0" smtClean="0"/>
+          </a:p>
+          <a:p>
+            <a:r>
+              <a:rPr lang="fr-FR" sz="1200" dirty="0" smtClean="0"/>
+              <a:t>    </a:t>
+            </a:r>
+            <a:r>
+              <a:rPr lang="fr-FR" sz="1200" dirty="0" err="1" smtClean="0"/>
+              <a:t>tier</a:t>
+            </a:r>
+            <a:r>
+              <a:rPr lang="fr-FR" sz="1200" dirty="0" smtClean="0"/>
+              <a:t>: </a:t>
+            </a:r>
+            <a:r>
+              <a:rPr lang="fr-FR" sz="1200" dirty="0" err="1" smtClean="0"/>
+              <a:t>frontend</a:t>
+            </a:r>
+            <a:endParaRPr lang="fr-FR" sz="1200" dirty="0" smtClean="0"/>
+          </a:p>
+          <a:p>
+            <a:r>
+              <a:rPr lang="fr-FR" sz="1200" dirty="0" err="1" smtClean="0"/>
+              <a:t>spec</a:t>
+            </a:r>
+            <a:r>
+              <a:rPr lang="fr-FR" sz="1200" dirty="0" smtClean="0"/>
+              <a:t>:</a:t>
+            </a:r>
+          </a:p>
+          <a:p>
+            <a:r>
+              <a:rPr lang="fr-FR" sz="1200" dirty="0" smtClean="0"/>
+              <a:t>  # </a:t>
+            </a:r>
+            <a:r>
+              <a:rPr lang="fr-FR" sz="1200" dirty="0" err="1" smtClean="0"/>
+              <a:t>modify</a:t>
+            </a:r>
+            <a:r>
+              <a:rPr lang="fr-FR" sz="1200" dirty="0" smtClean="0"/>
+              <a:t> </a:t>
+            </a:r>
+            <a:r>
+              <a:rPr lang="fr-FR" sz="1200" dirty="0" err="1" smtClean="0"/>
+              <a:t>replicas</a:t>
+            </a:r>
+            <a:r>
+              <a:rPr lang="fr-FR" sz="1200" dirty="0" smtClean="0"/>
+              <a:t> </a:t>
+            </a:r>
+            <a:r>
+              <a:rPr lang="fr-FR" sz="1200" dirty="0" err="1" smtClean="0"/>
+              <a:t>according</a:t>
+            </a:r>
+            <a:r>
+              <a:rPr lang="fr-FR" sz="1200" dirty="0" smtClean="0"/>
+              <a:t> to </a:t>
+            </a:r>
+            <a:r>
+              <a:rPr lang="fr-FR" sz="1200" dirty="0" err="1" smtClean="0"/>
+              <a:t>your</a:t>
+            </a:r>
+            <a:r>
+              <a:rPr lang="fr-FR" sz="1200" dirty="0" smtClean="0"/>
+              <a:t> case</a:t>
+            </a:r>
+          </a:p>
+          <a:p>
+            <a:r>
+              <a:rPr lang="fr-FR" sz="1200" dirty="0" smtClean="0"/>
+              <a:t>  </a:t>
+            </a:r>
+            <a:r>
+              <a:rPr lang="fr-FR" sz="1200" dirty="0" err="1" smtClean="0"/>
+              <a:t>replicas</a:t>
+            </a:r>
+            <a:r>
+              <a:rPr lang="fr-FR" sz="1200" dirty="0" smtClean="0"/>
+              <a:t>: 3</a:t>
+            </a:r>
+          </a:p>
+          <a:p>
+            <a:r>
+              <a:rPr lang="fr-FR" sz="1200" dirty="0" smtClean="0"/>
+              <a:t>  </a:t>
+            </a:r>
+            <a:r>
+              <a:rPr lang="fr-FR" sz="1200" dirty="0" err="1" smtClean="0"/>
+              <a:t>selector</a:t>
+            </a:r>
+            <a:r>
+              <a:rPr lang="fr-FR" sz="1200" dirty="0" smtClean="0"/>
+              <a:t>:</a:t>
+            </a:r>
+          </a:p>
+          <a:p>
+            <a:r>
+              <a:rPr lang="fr-FR" sz="1200" dirty="0" smtClean="0"/>
+              <a:t>    </a:t>
+            </a:r>
+            <a:r>
+              <a:rPr lang="fr-FR" sz="1200" dirty="0" err="1" smtClean="0"/>
+              <a:t>matchLabels</a:t>
+            </a:r>
+            <a:r>
+              <a:rPr lang="fr-FR" sz="1200" dirty="0" smtClean="0"/>
+              <a:t>:</a:t>
+            </a:r>
+          </a:p>
+          <a:p>
+            <a:r>
+              <a:rPr lang="fr-FR" sz="1200" dirty="0" smtClean="0"/>
+              <a:t>      </a:t>
+            </a:r>
+            <a:r>
+              <a:rPr lang="fr-FR" sz="1200" dirty="0" err="1" smtClean="0"/>
+              <a:t>tier</a:t>
+            </a:r>
+            <a:r>
+              <a:rPr lang="fr-FR" sz="1200" dirty="0" smtClean="0"/>
+              <a:t>: </a:t>
+            </a:r>
+            <a:r>
+              <a:rPr lang="fr-FR" sz="1200" dirty="0" err="1" smtClean="0"/>
+              <a:t>frontend</a:t>
+            </a:r>
+            <a:endParaRPr lang="fr-FR" sz="1200" dirty="0" smtClean="0"/>
+          </a:p>
+          <a:p>
+            <a:r>
+              <a:rPr lang="fr-FR" sz="1200" dirty="0" smtClean="0"/>
+              <a:t>  </a:t>
+            </a:r>
+            <a:r>
+              <a:rPr lang="fr-FR" sz="1200" dirty="0" err="1" smtClean="0"/>
+              <a:t>template</a:t>
+            </a:r>
+            <a:r>
+              <a:rPr lang="fr-FR" sz="1200" dirty="0" smtClean="0"/>
+              <a:t>:</a:t>
+            </a:r>
+          </a:p>
+          <a:p>
+            <a:r>
+              <a:rPr lang="fr-FR" sz="1200" dirty="0" smtClean="0"/>
+              <a:t>    </a:t>
+            </a:r>
+            <a:r>
+              <a:rPr lang="fr-FR" sz="1200" dirty="0" err="1" smtClean="0"/>
+              <a:t>metadata</a:t>
+            </a:r>
+            <a:r>
+              <a:rPr lang="fr-FR" sz="1200" dirty="0" smtClean="0"/>
+              <a:t>:</a:t>
+            </a:r>
+          </a:p>
+          <a:p>
+            <a:r>
+              <a:rPr lang="fr-FR" sz="1200" dirty="0" smtClean="0"/>
+              <a:t>      labels:</a:t>
+            </a:r>
+          </a:p>
+          <a:p>
+            <a:r>
+              <a:rPr lang="fr-FR" sz="1200" dirty="0" smtClean="0"/>
+              <a:t>        </a:t>
+            </a:r>
+            <a:r>
+              <a:rPr lang="fr-FR" sz="1200" dirty="0" err="1" smtClean="0"/>
+              <a:t>tier</a:t>
+            </a:r>
+            <a:r>
+              <a:rPr lang="fr-FR" sz="1200" dirty="0" smtClean="0"/>
+              <a:t>: </a:t>
+            </a:r>
+            <a:r>
+              <a:rPr lang="fr-FR" sz="1200" dirty="0" err="1" smtClean="0"/>
+              <a:t>frontend</a:t>
+            </a:r>
+            <a:endParaRPr lang="fr-FR" sz="1200" dirty="0" smtClean="0"/>
+          </a:p>
+          <a:p>
+            <a:r>
+              <a:rPr lang="fr-FR" sz="1200" dirty="0" smtClean="0"/>
+              <a:t>    </a:t>
+            </a:r>
+            <a:r>
+              <a:rPr lang="fr-FR" sz="1200" dirty="0" err="1" smtClean="0"/>
+              <a:t>spec</a:t>
+            </a:r>
+            <a:r>
+              <a:rPr lang="fr-FR" sz="1200" dirty="0" smtClean="0"/>
+              <a:t>:</a:t>
+            </a:r>
+          </a:p>
+          <a:p>
+            <a:r>
+              <a:rPr lang="fr-FR" sz="1200" dirty="0" smtClean="0"/>
+              <a:t>      containers:</a:t>
+            </a:r>
+          </a:p>
+          <a:p>
+            <a:r>
+              <a:rPr lang="fr-FR" sz="1200" dirty="0" smtClean="0"/>
+              <a:t>      - </a:t>
+            </a:r>
+            <a:r>
+              <a:rPr lang="fr-FR" sz="1200" dirty="0" err="1" smtClean="0"/>
+              <a:t>name</a:t>
+            </a:r>
+            <a:r>
+              <a:rPr lang="fr-FR" sz="1200" dirty="0" smtClean="0"/>
+              <a:t>: </a:t>
+            </a:r>
+            <a:r>
+              <a:rPr lang="fr-FR" sz="1200" dirty="0" err="1" smtClean="0"/>
+              <a:t>php</a:t>
+            </a:r>
+            <a:r>
+              <a:rPr lang="fr-FR" sz="1200" dirty="0" smtClean="0"/>
+              <a:t>-redis</a:t>
+            </a:r>
+          </a:p>
+          <a:p>
+            <a:r>
+              <a:rPr lang="fr-FR" sz="1200" dirty="0" smtClean="0"/>
+              <a:t>        image: gcr.io/</a:t>
+            </a:r>
+            <a:r>
+              <a:rPr lang="fr-FR" sz="1200" dirty="0" err="1" smtClean="0"/>
+              <a:t>google_samples</a:t>
+            </a:r>
+            <a:r>
+              <a:rPr lang="fr-FR" sz="1200" dirty="0" smtClean="0"/>
+              <a:t>/gb-frontend:v3</a:t>
+            </a:r>
+          </a:p>
+          <a:p>
+            <a:endParaRPr lang="fr-FR" b="1" dirty="0" smtClean="0"/>
+          </a:p>
+          <a:p>
             <a:endParaRPr lang="en-US" dirty="0"/>
           </a:p>
         </p:txBody>
@@ -812,6 +1156,766 @@
           <a:bodyPr/>
           <a:lstStyle/>
           <a:p>
+            <a:r>
+              <a:rPr lang="fr-FR" b="1" dirty="0" smtClean="0"/>
+              <a:t>Exemple de </a:t>
+            </a:r>
+            <a:r>
+              <a:rPr lang="fr-FR" b="1" dirty="0" err="1" smtClean="0"/>
+              <a:t>statefulset</a:t>
+            </a:r>
+            <a:r>
+              <a:rPr lang="fr-FR" b="1" dirty="0" smtClean="0"/>
+              <a:t>:</a:t>
+            </a:r>
+            <a:r>
+              <a:rPr lang="fr-FR" b="1" baseline="0" dirty="0" smtClean="0"/>
+              <a:t> </a:t>
+            </a:r>
+          </a:p>
+          <a:p>
+            <a:endParaRPr lang="fr-FR" baseline="0" dirty="0" smtClean="0"/>
+          </a:p>
+          <a:p>
+            <a:r>
+              <a:rPr lang="fr-FR" sz="1200" dirty="0" smtClean="0"/>
+              <a:t>---</a:t>
+            </a:r>
+          </a:p>
+          <a:p>
+            <a:r>
+              <a:rPr lang="fr-FR" sz="1200" dirty="0" err="1" smtClean="0"/>
+              <a:t>apiVersion</a:t>
+            </a:r>
+            <a:r>
+              <a:rPr lang="fr-FR" sz="1200" dirty="0" smtClean="0"/>
+              <a:t>: </a:t>
+            </a:r>
+            <a:r>
+              <a:rPr lang="fr-FR" sz="1200" dirty="0" err="1" smtClean="0"/>
+              <a:t>apps</a:t>
+            </a:r>
+            <a:r>
+              <a:rPr lang="fr-FR" sz="1200" dirty="0" smtClean="0"/>
+              <a:t>/v1</a:t>
+            </a:r>
+          </a:p>
+          <a:p>
+            <a:r>
+              <a:rPr lang="fr-FR" sz="1200" dirty="0" err="1" smtClean="0"/>
+              <a:t>kind</a:t>
+            </a:r>
+            <a:r>
+              <a:rPr lang="fr-FR" sz="1200" dirty="0" smtClean="0"/>
+              <a:t>: </a:t>
+            </a:r>
+            <a:r>
+              <a:rPr lang="fr-FR" sz="1200" dirty="0" err="1" smtClean="0"/>
+              <a:t>StatefulSet</a:t>
+            </a:r>
+            <a:endParaRPr lang="fr-FR" sz="1200" dirty="0" smtClean="0"/>
+          </a:p>
+          <a:p>
+            <a:r>
+              <a:rPr lang="fr-FR" sz="1200" dirty="0" err="1" smtClean="0"/>
+              <a:t>metadata</a:t>
+            </a:r>
+            <a:r>
+              <a:rPr lang="fr-FR" sz="1200" dirty="0" smtClean="0"/>
+              <a:t>:</a:t>
+            </a:r>
+          </a:p>
+          <a:p>
+            <a:r>
+              <a:rPr lang="fr-FR" sz="1200" dirty="0" smtClean="0"/>
+              <a:t>  </a:t>
+            </a:r>
+            <a:r>
+              <a:rPr lang="fr-FR" sz="1200" dirty="0" err="1" smtClean="0"/>
+              <a:t>name</a:t>
+            </a:r>
+            <a:r>
+              <a:rPr lang="fr-FR" sz="1200" dirty="0" smtClean="0"/>
+              <a:t>: web</a:t>
+            </a:r>
+          </a:p>
+          <a:p>
+            <a:r>
+              <a:rPr lang="fr-FR" sz="1200" dirty="0" err="1" smtClean="0"/>
+              <a:t>spec</a:t>
+            </a:r>
+            <a:r>
+              <a:rPr lang="fr-FR" sz="1200" dirty="0" smtClean="0"/>
+              <a:t>:</a:t>
+            </a:r>
+          </a:p>
+          <a:p>
+            <a:r>
+              <a:rPr lang="fr-FR" sz="1200" dirty="0" smtClean="0"/>
+              <a:t>  </a:t>
+            </a:r>
+            <a:r>
+              <a:rPr lang="fr-FR" sz="1200" dirty="0" err="1" smtClean="0"/>
+              <a:t>selector</a:t>
+            </a:r>
+            <a:r>
+              <a:rPr lang="fr-FR" sz="1200" dirty="0" smtClean="0"/>
+              <a:t>:</a:t>
+            </a:r>
+          </a:p>
+          <a:p>
+            <a:r>
+              <a:rPr lang="fr-FR" sz="1200" dirty="0" smtClean="0"/>
+              <a:t>    </a:t>
+            </a:r>
+            <a:r>
+              <a:rPr lang="fr-FR" sz="1200" dirty="0" err="1" smtClean="0"/>
+              <a:t>matchLabels</a:t>
+            </a:r>
+            <a:r>
+              <a:rPr lang="fr-FR" sz="1200" dirty="0" smtClean="0"/>
+              <a:t>:</a:t>
+            </a:r>
+          </a:p>
+          <a:p>
+            <a:r>
+              <a:rPr lang="fr-FR" sz="1200" dirty="0" smtClean="0"/>
+              <a:t>      </a:t>
+            </a:r>
+            <a:r>
+              <a:rPr lang="fr-FR" sz="1200" dirty="0" err="1" smtClean="0"/>
+              <a:t>app</a:t>
+            </a:r>
+            <a:r>
+              <a:rPr lang="fr-FR" sz="1200" dirty="0" smtClean="0"/>
+              <a:t>: </a:t>
+            </a:r>
+            <a:r>
+              <a:rPr lang="fr-FR" sz="1200" dirty="0" err="1" smtClean="0"/>
+              <a:t>nginx</a:t>
+            </a:r>
+            <a:r>
+              <a:rPr lang="fr-FR" sz="1200" dirty="0" smtClean="0"/>
+              <a:t> # has to match .</a:t>
+            </a:r>
+            <a:r>
+              <a:rPr lang="fr-FR" sz="1200" dirty="0" err="1" smtClean="0"/>
+              <a:t>spec.template.metadata.labels</a:t>
+            </a:r>
+            <a:endParaRPr lang="fr-FR" sz="1200" dirty="0" smtClean="0"/>
+          </a:p>
+          <a:p>
+            <a:r>
+              <a:rPr lang="fr-FR" sz="1200" dirty="0" smtClean="0"/>
+              <a:t>  </a:t>
+            </a:r>
+            <a:r>
+              <a:rPr lang="fr-FR" sz="1200" dirty="0" err="1" smtClean="0"/>
+              <a:t>serviceName</a:t>
+            </a:r>
+            <a:r>
+              <a:rPr lang="fr-FR" sz="1200" dirty="0" smtClean="0"/>
+              <a:t>: "</a:t>
+            </a:r>
+            <a:r>
+              <a:rPr lang="fr-FR" sz="1200" dirty="0" err="1" smtClean="0"/>
+              <a:t>nginx</a:t>
+            </a:r>
+            <a:r>
+              <a:rPr lang="fr-FR" sz="1200" dirty="0" smtClean="0"/>
+              <a:t>"</a:t>
+            </a:r>
+          </a:p>
+          <a:p>
+            <a:r>
+              <a:rPr lang="fr-FR" sz="1200" dirty="0" smtClean="0"/>
+              <a:t>  </a:t>
+            </a:r>
+            <a:r>
+              <a:rPr lang="fr-FR" sz="1200" dirty="0" err="1" smtClean="0"/>
+              <a:t>replicas</a:t>
+            </a:r>
+            <a:r>
+              <a:rPr lang="fr-FR" sz="1200" dirty="0" smtClean="0"/>
+              <a:t>: 3 # by default </a:t>
+            </a:r>
+            <a:r>
+              <a:rPr lang="fr-FR" sz="1200" dirty="0" err="1" smtClean="0"/>
+              <a:t>is</a:t>
+            </a:r>
+            <a:r>
+              <a:rPr lang="fr-FR" sz="1200" dirty="0" smtClean="0"/>
+              <a:t> 1</a:t>
+            </a:r>
+          </a:p>
+          <a:p>
+            <a:r>
+              <a:rPr lang="fr-FR" sz="1200" dirty="0" smtClean="0"/>
+              <a:t>  </a:t>
+            </a:r>
+            <a:r>
+              <a:rPr lang="fr-FR" sz="1200" dirty="0" err="1" smtClean="0"/>
+              <a:t>minReadySeconds</a:t>
+            </a:r>
+            <a:r>
+              <a:rPr lang="fr-FR" sz="1200" dirty="0" smtClean="0"/>
+              <a:t>: 10 # by default </a:t>
+            </a:r>
+            <a:r>
+              <a:rPr lang="fr-FR" sz="1200" dirty="0" err="1" smtClean="0"/>
+              <a:t>is</a:t>
+            </a:r>
+            <a:r>
+              <a:rPr lang="fr-FR" sz="1200" dirty="0" smtClean="0"/>
+              <a:t> 0</a:t>
+            </a:r>
+          </a:p>
+          <a:p>
+            <a:r>
+              <a:rPr lang="fr-FR" sz="1200" dirty="0" smtClean="0"/>
+              <a:t>  </a:t>
+            </a:r>
+            <a:r>
+              <a:rPr lang="fr-FR" sz="1200" dirty="0" err="1" smtClean="0"/>
+              <a:t>template</a:t>
+            </a:r>
+            <a:r>
+              <a:rPr lang="fr-FR" sz="1200" dirty="0" smtClean="0"/>
+              <a:t>:</a:t>
+            </a:r>
+          </a:p>
+          <a:p>
+            <a:r>
+              <a:rPr lang="fr-FR" sz="1200" dirty="0" smtClean="0"/>
+              <a:t>    </a:t>
+            </a:r>
+            <a:r>
+              <a:rPr lang="fr-FR" sz="1200" dirty="0" err="1" smtClean="0"/>
+              <a:t>metadata</a:t>
+            </a:r>
+            <a:r>
+              <a:rPr lang="fr-FR" sz="1200" dirty="0" smtClean="0"/>
+              <a:t>:</a:t>
+            </a:r>
+          </a:p>
+          <a:p>
+            <a:r>
+              <a:rPr lang="fr-FR" sz="1200" dirty="0" smtClean="0"/>
+              <a:t>      labels:</a:t>
+            </a:r>
+          </a:p>
+          <a:p>
+            <a:r>
+              <a:rPr lang="fr-FR" sz="1200" dirty="0" smtClean="0"/>
+              <a:t>        </a:t>
+            </a:r>
+            <a:r>
+              <a:rPr lang="fr-FR" sz="1200" dirty="0" err="1" smtClean="0"/>
+              <a:t>app</a:t>
+            </a:r>
+            <a:r>
+              <a:rPr lang="fr-FR" sz="1200" dirty="0" smtClean="0"/>
+              <a:t>: </a:t>
+            </a:r>
+            <a:r>
+              <a:rPr lang="fr-FR" sz="1200" dirty="0" err="1" smtClean="0"/>
+              <a:t>nginx</a:t>
+            </a:r>
+            <a:r>
+              <a:rPr lang="fr-FR" sz="1200" dirty="0" smtClean="0"/>
+              <a:t> # has to match .</a:t>
+            </a:r>
+            <a:r>
+              <a:rPr lang="fr-FR" sz="1200" dirty="0" err="1" smtClean="0"/>
+              <a:t>spec.selector.matchLabels</a:t>
+            </a:r>
+            <a:endParaRPr lang="fr-FR" sz="1200" dirty="0" smtClean="0"/>
+          </a:p>
+          <a:p>
+            <a:r>
+              <a:rPr lang="fr-FR" sz="1200" dirty="0" smtClean="0"/>
+              <a:t>    </a:t>
+            </a:r>
+            <a:r>
+              <a:rPr lang="fr-FR" sz="1200" dirty="0" err="1" smtClean="0"/>
+              <a:t>spec</a:t>
+            </a:r>
+            <a:r>
+              <a:rPr lang="fr-FR" sz="1200" dirty="0" smtClean="0"/>
+              <a:t>:</a:t>
+            </a:r>
+          </a:p>
+          <a:p>
+            <a:r>
+              <a:rPr lang="fr-FR" sz="1200" dirty="0" smtClean="0"/>
+              <a:t>      </a:t>
+            </a:r>
+            <a:r>
+              <a:rPr lang="fr-FR" sz="1200" dirty="0" err="1" smtClean="0"/>
+              <a:t>terminationGracePeriodSeconds</a:t>
+            </a:r>
+            <a:r>
+              <a:rPr lang="fr-FR" sz="1200" dirty="0" smtClean="0"/>
+              <a:t>: 10</a:t>
+            </a:r>
+          </a:p>
+          <a:p>
+            <a:r>
+              <a:rPr lang="fr-FR" sz="1200" dirty="0" smtClean="0"/>
+              <a:t>      containers:</a:t>
+            </a:r>
+          </a:p>
+          <a:p>
+            <a:r>
+              <a:rPr lang="fr-FR" sz="1200" dirty="0" smtClean="0"/>
+              <a:t>      - </a:t>
+            </a:r>
+            <a:r>
+              <a:rPr lang="fr-FR" sz="1200" dirty="0" err="1" smtClean="0"/>
+              <a:t>name</a:t>
+            </a:r>
+            <a:r>
+              <a:rPr lang="fr-FR" sz="1200" dirty="0" smtClean="0"/>
+              <a:t>: </a:t>
+            </a:r>
+            <a:r>
+              <a:rPr lang="fr-FR" sz="1200" dirty="0" err="1" smtClean="0"/>
+              <a:t>nginx</a:t>
+            </a:r>
+            <a:endParaRPr lang="fr-FR" sz="1200" dirty="0" smtClean="0"/>
+          </a:p>
+          <a:p>
+            <a:r>
+              <a:rPr lang="fr-FR" sz="1200" dirty="0" smtClean="0"/>
+              <a:t>        image: registry.k8s.io/nginx-slim:0.8</a:t>
+            </a:r>
+          </a:p>
+          <a:p>
+            <a:r>
+              <a:rPr lang="fr-FR" sz="1200" dirty="0" smtClean="0"/>
+              <a:t>        ports:</a:t>
+            </a:r>
+          </a:p>
+          <a:p>
+            <a:r>
+              <a:rPr lang="fr-FR" sz="1200" dirty="0" smtClean="0"/>
+              <a:t>        - </a:t>
+            </a:r>
+            <a:r>
+              <a:rPr lang="fr-FR" sz="1200" dirty="0" err="1" smtClean="0"/>
+              <a:t>containerPort</a:t>
+            </a:r>
+            <a:r>
+              <a:rPr lang="fr-FR" sz="1200" dirty="0" smtClean="0"/>
+              <a:t>: 80</a:t>
+            </a:r>
+          </a:p>
+          <a:p>
+            <a:r>
+              <a:rPr lang="fr-FR" sz="1200" dirty="0" smtClean="0"/>
+              <a:t>          </a:t>
+            </a:r>
+            <a:r>
+              <a:rPr lang="fr-FR" sz="1200" dirty="0" err="1" smtClean="0"/>
+              <a:t>name</a:t>
+            </a:r>
+            <a:r>
+              <a:rPr lang="fr-FR" sz="1200" dirty="0" smtClean="0"/>
+              <a:t>: web</a:t>
+            </a:r>
+          </a:p>
+          <a:p>
+            <a:r>
+              <a:rPr lang="fr-FR" sz="1200" dirty="0" smtClean="0"/>
+              <a:t>        </a:t>
+            </a:r>
+            <a:r>
+              <a:rPr lang="fr-FR" sz="1200" dirty="0" err="1" smtClean="0"/>
+              <a:t>volumeMounts</a:t>
+            </a:r>
+            <a:r>
+              <a:rPr lang="fr-FR" sz="1200" dirty="0" smtClean="0"/>
+              <a:t>:</a:t>
+            </a:r>
+          </a:p>
+          <a:p>
+            <a:r>
+              <a:rPr lang="fr-FR" sz="1200" dirty="0" smtClean="0"/>
+              <a:t>        - </a:t>
+            </a:r>
+            <a:r>
+              <a:rPr lang="fr-FR" sz="1200" dirty="0" err="1" smtClean="0"/>
+              <a:t>name</a:t>
+            </a:r>
+            <a:r>
+              <a:rPr lang="fr-FR" sz="1200" dirty="0" smtClean="0"/>
+              <a:t>: www</a:t>
+            </a:r>
+          </a:p>
+          <a:p>
+            <a:r>
+              <a:rPr lang="fr-FR" sz="1200" dirty="0" smtClean="0"/>
+              <a:t>          </a:t>
+            </a:r>
+            <a:r>
+              <a:rPr lang="fr-FR" sz="1200" dirty="0" err="1" smtClean="0"/>
+              <a:t>mountPath</a:t>
+            </a:r>
+            <a:r>
+              <a:rPr lang="fr-FR" sz="1200" dirty="0" smtClean="0"/>
+              <a:t>: /</a:t>
+            </a:r>
+            <a:r>
+              <a:rPr lang="fr-FR" sz="1200" dirty="0" err="1" smtClean="0"/>
+              <a:t>usr</a:t>
+            </a:r>
+            <a:r>
+              <a:rPr lang="fr-FR" sz="1200" dirty="0" smtClean="0"/>
+              <a:t>/</a:t>
+            </a:r>
+            <a:r>
+              <a:rPr lang="fr-FR" sz="1200" dirty="0" err="1" smtClean="0"/>
+              <a:t>share</a:t>
+            </a:r>
+            <a:r>
+              <a:rPr lang="fr-FR" sz="1200" dirty="0" smtClean="0"/>
+              <a:t>/</a:t>
+            </a:r>
+            <a:r>
+              <a:rPr lang="fr-FR" sz="1200" dirty="0" err="1" smtClean="0"/>
+              <a:t>nginx</a:t>
+            </a:r>
+            <a:r>
+              <a:rPr lang="fr-FR" sz="1200" dirty="0" smtClean="0"/>
+              <a:t>/html</a:t>
+            </a:r>
+          </a:p>
+          <a:p>
+            <a:r>
+              <a:rPr lang="fr-FR" sz="1200" dirty="0" smtClean="0"/>
+              <a:t>  </a:t>
+            </a:r>
+            <a:r>
+              <a:rPr lang="fr-FR" sz="1200" dirty="0" err="1" smtClean="0"/>
+              <a:t>volumeClaimTemplates</a:t>
+            </a:r>
+            <a:r>
+              <a:rPr lang="fr-FR" sz="1200" dirty="0" smtClean="0"/>
+              <a:t>:</a:t>
+            </a:r>
+          </a:p>
+          <a:p>
+            <a:r>
+              <a:rPr lang="fr-FR" sz="1200" dirty="0" smtClean="0"/>
+              <a:t>  - </a:t>
+            </a:r>
+            <a:r>
+              <a:rPr lang="fr-FR" sz="1200" dirty="0" err="1" smtClean="0"/>
+              <a:t>metadata</a:t>
+            </a:r>
+            <a:r>
+              <a:rPr lang="fr-FR" sz="1200" dirty="0" smtClean="0"/>
+              <a:t>:</a:t>
+            </a:r>
+          </a:p>
+          <a:p>
+            <a:r>
+              <a:rPr lang="fr-FR" sz="1200" dirty="0" smtClean="0"/>
+              <a:t>      </a:t>
+            </a:r>
+            <a:r>
+              <a:rPr lang="fr-FR" sz="1200" dirty="0" err="1" smtClean="0"/>
+              <a:t>name</a:t>
+            </a:r>
+            <a:r>
+              <a:rPr lang="fr-FR" sz="1200" dirty="0" smtClean="0"/>
+              <a:t>: www</a:t>
+            </a:r>
+          </a:p>
+          <a:p>
+            <a:r>
+              <a:rPr lang="fr-FR" sz="1200" dirty="0" smtClean="0"/>
+              <a:t>    </a:t>
+            </a:r>
+            <a:r>
+              <a:rPr lang="fr-FR" sz="1200" dirty="0" err="1" smtClean="0"/>
+              <a:t>spec</a:t>
+            </a:r>
+            <a:r>
+              <a:rPr lang="fr-FR" sz="1200" dirty="0" smtClean="0"/>
+              <a:t>:</a:t>
+            </a:r>
+          </a:p>
+          <a:p>
+            <a:r>
+              <a:rPr lang="fr-FR" sz="1200" dirty="0" smtClean="0"/>
+              <a:t>      </a:t>
+            </a:r>
+            <a:r>
+              <a:rPr lang="fr-FR" sz="1200" dirty="0" err="1" smtClean="0"/>
+              <a:t>accessModes</a:t>
+            </a:r>
+            <a:r>
+              <a:rPr lang="fr-FR" sz="1200" dirty="0" smtClean="0"/>
+              <a:t>: [ "</a:t>
+            </a:r>
+            <a:r>
+              <a:rPr lang="fr-FR" sz="1200" dirty="0" err="1" smtClean="0"/>
+              <a:t>ReadWriteOnce</a:t>
+            </a:r>
+            <a:r>
+              <a:rPr lang="fr-FR" sz="1200" dirty="0" smtClean="0"/>
+              <a:t>" ]</a:t>
+            </a:r>
+          </a:p>
+          <a:p>
+            <a:r>
+              <a:rPr lang="fr-FR" sz="1200" dirty="0" smtClean="0"/>
+              <a:t>      </a:t>
+            </a:r>
+            <a:r>
+              <a:rPr lang="fr-FR" sz="1200" dirty="0" err="1" smtClean="0"/>
+              <a:t>storageClassName</a:t>
+            </a:r>
+            <a:r>
+              <a:rPr lang="fr-FR" sz="1200" dirty="0" smtClean="0"/>
+              <a:t>: "</a:t>
+            </a:r>
+            <a:r>
+              <a:rPr lang="fr-FR" sz="1200" dirty="0" err="1" smtClean="0"/>
+              <a:t>my</a:t>
+            </a:r>
+            <a:r>
+              <a:rPr lang="fr-FR" sz="1200" dirty="0" smtClean="0"/>
+              <a:t>-</a:t>
+            </a:r>
+            <a:r>
+              <a:rPr lang="fr-FR" sz="1200" dirty="0" err="1" smtClean="0"/>
+              <a:t>storage</a:t>
+            </a:r>
+            <a:r>
+              <a:rPr lang="fr-FR" sz="1200" dirty="0" smtClean="0"/>
+              <a:t>-class"</a:t>
+            </a:r>
+          </a:p>
+          <a:p>
+            <a:r>
+              <a:rPr lang="fr-FR" sz="1200" dirty="0" smtClean="0"/>
+              <a:t>      </a:t>
+            </a:r>
+            <a:r>
+              <a:rPr lang="fr-FR" sz="1200" dirty="0" err="1" smtClean="0"/>
+              <a:t>resources</a:t>
+            </a:r>
+            <a:r>
+              <a:rPr lang="fr-FR" sz="1200" dirty="0" smtClean="0"/>
+              <a:t>:</a:t>
+            </a:r>
+          </a:p>
+          <a:p>
+            <a:r>
+              <a:rPr lang="fr-FR" sz="1200" dirty="0" smtClean="0"/>
+              <a:t>        </a:t>
+            </a:r>
+            <a:r>
+              <a:rPr lang="fr-FR" sz="1200" dirty="0" err="1" smtClean="0"/>
+              <a:t>requests</a:t>
+            </a:r>
+            <a:r>
+              <a:rPr lang="fr-FR" sz="1200" dirty="0" smtClean="0"/>
+              <a:t>:</a:t>
+            </a:r>
+          </a:p>
+          <a:p>
+            <a:r>
+              <a:rPr lang="fr-FR" sz="1200" dirty="0" smtClean="0"/>
+              <a:t>          </a:t>
+            </a:r>
+            <a:r>
+              <a:rPr lang="fr-FR" sz="1200" dirty="0" err="1" smtClean="0"/>
+              <a:t>storage</a:t>
+            </a:r>
+            <a:r>
+              <a:rPr lang="fr-FR" sz="1200" dirty="0" smtClean="0"/>
+              <a:t>: 1Gi</a:t>
+            </a:r>
+          </a:p>
+          <a:p>
+            <a:endParaRPr lang="fr-FR" b="1" baseline="0" dirty="0" smtClean="0"/>
+          </a:p>
+          <a:p>
+            <a:r>
+              <a:rPr lang="fr-FR" b="1" baseline="0" dirty="0" smtClean="0"/>
+              <a:t>Exposition via le service: </a:t>
+            </a:r>
+          </a:p>
+          <a:p>
+            <a:endParaRPr lang="fr-FR" b="1" baseline="0" dirty="0" smtClean="0"/>
+          </a:p>
+          <a:p>
+            <a:r>
+              <a:rPr lang="fr-FR" sz="1200" dirty="0" err="1" smtClean="0"/>
+              <a:t>apiVersion</a:t>
+            </a:r>
+            <a:r>
+              <a:rPr lang="fr-FR" sz="1200" dirty="0" smtClean="0"/>
+              <a:t>: v1</a:t>
+            </a:r>
+          </a:p>
+          <a:p>
+            <a:r>
+              <a:rPr lang="fr-FR" sz="1200" dirty="0" err="1" smtClean="0"/>
+              <a:t>kind</a:t>
+            </a:r>
+            <a:r>
+              <a:rPr lang="fr-FR" sz="1200" dirty="0" smtClean="0"/>
+              <a:t>: Service</a:t>
+            </a:r>
+          </a:p>
+          <a:p>
+            <a:r>
+              <a:rPr lang="fr-FR" sz="1200" dirty="0" err="1" smtClean="0"/>
+              <a:t>metadata</a:t>
+            </a:r>
+            <a:r>
+              <a:rPr lang="fr-FR" sz="1200" dirty="0" smtClean="0"/>
+              <a:t>:</a:t>
+            </a:r>
+          </a:p>
+          <a:p>
+            <a:r>
+              <a:rPr lang="fr-FR" sz="1200" dirty="0" smtClean="0"/>
+              <a:t>  </a:t>
+            </a:r>
+            <a:r>
+              <a:rPr lang="fr-FR" sz="1200" dirty="0" err="1" smtClean="0"/>
+              <a:t>name</a:t>
+            </a:r>
+            <a:r>
+              <a:rPr lang="fr-FR" sz="1200" dirty="0" smtClean="0"/>
+              <a:t>: </a:t>
+            </a:r>
+            <a:r>
+              <a:rPr lang="fr-FR" sz="1200" dirty="0" err="1" smtClean="0"/>
+              <a:t>nginx</a:t>
+            </a:r>
+            <a:endParaRPr lang="fr-FR" sz="1200" dirty="0" smtClean="0"/>
+          </a:p>
+          <a:p>
+            <a:r>
+              <a:rPr lang="fr-FR" sz="1200" dirty="0" smtClean="0"/>
+              <a:t>  labels:</a:t>
+            </a:r>
+          </a:p>
+          <a:p>
+            <a:r>
+              <a:rPr lang="fr-FR" sz="1200" dirty="0" smtClean="0"/>
+              <a:t>    </a:t>
+            </a:r>
+            <a:r>
+              <a:rPr lang="fr-FR" sz="1200" dirty="0" err="1" smtClean="0"/>
+              <a:t>app</a:t>
+            </a:r>
+            <a:r>
+              <a:rPr lang="fr-FR" sz="1200" dirty="0" smtClean="0"/>
+              <a:t>: </a:t>
+            </a:r>
+            <a:r>
+              <a:rPr lang="fr-FR" sz="1200" dirty="0" err="1" smtClean="0"/>
+              <a:t>nginx</a:t>
+            </a:r>
+            <a:endParaRPr lang="fr-FR" sz="1200" dirty="0" smtClean="0"/>
+          </a:p>
+          <a:p>
+            <a:r>
+              <a:rPr lang="fr-FR" sz="1200" dirty="0" err="1" smtClean="0"/>
+              <a:t>spec</a:t>
+            </a:r>
+            <a:r>
+              <a:rPr lang="fr-FR" sz="1200" dirty="0" smtClean="0"/>
+              <a:t>:</a:t>
+            </a:r>
+          </a:p>
+          <a:p>
+            <a:r>
+              <a:rPr lang="fr-FR" sz="1200" dirty="0" smtClean="0"/>
+              <a:t>  ports:</a:t>
+            </a:r>
+          </a:p>
+          <a:p>
+            <a:r>
+              <a:rPr lang="fr-FR" sz="1200" dirty="0" smtClean="0"/>
+              <a:t>  - port: 80</a:t>
+            </a:r>
+          </a:p>
+          <a:p>
+            <a:r>
+              <a:rPr lang="fr-FR" sz="1200" dirty="0" smtClean="0"/>
+              <a:t>    </a:t>
+            </a:r>
+            <a:r>
+              <a:rPr lang="fr-FR" sz="1200" dirty="0" err="1" smtClean="0"/>
+              <a:t>name</a:t>
+            </a:r>
+            <a:r>
+              <a:rPr lang="fr-FR" sz="1200" dirty="0" smtClean="0"/>
+              <a:t>: web</a:t>
+            </a:r>
+          </a:p>
+          <a:p>
+            <a:r>
+              <a:rPr lang="fr-FR" sz="1200" dirty="0" smtClean="0"/>
+              <a:t>  </a:t>
+            </a:r>
+            <a:r>
+              <a:rPr lang="fr-FR" sz="1200" dirty="0" err="1" smtClean="0"/>
+              <a:t>clusterIP</a:t>
+            </a:r>
+            <a:r>
+              <a:rPr lang="fr-FR" sz="1200" dirty="0" smtClean="0"/>
+              <a:t>: None</a:t>
+            </a:r>
+          </a:p>
+          <a:p>
+            <a:r>
+              <a:rPr lang="fr-FR" sz="1200" dirty="0" smtClean="0"/>
+              <a:t>  </a:t>
+            </a:r>
+            <a:r>
+              <a:rPr lang="fr-FR" sz="1200" dirty="0" err="1" smtClean="0"/>
+              <a:t>selector</a:t>
+            </a:r>
+            <a:r>
+              <a:rPr lang="fr-FR" sz="1200" dirty="0" smtClean="0"/>
+              <a:t>:</a:t>
+            </a:r>
+          </a:p>
+          <a:p>
+            <a:r>
+              <a:rPr lang="fr-FR" sz="1200" dirty="0" smtClean="0"/>
+              <a:t>    </a:t>
+            </a:r>
+            <a:r>
+              <a:rPr lang="fr-FR" sz="1200" dirty="0" err="1" smtClean="0"/>
+              <a:t>app</a:t>
+            </a:r>
+            <a:r>
+              <a:rPr lang="fr-FR" sz="1200" dirty="0" smtClean="0"/>
+              <a:t>: </a:t>
+            </a:r>
+            <a:r>
+              <a:rPr lang="fr-FR" sz="1200" dirty="0" err="1" smtClean="0"/>
+              <a:t>nginx</a:t>
+            </a:r>
+            <a:endParaRPr lang="fr-FR" sz="1200" dirty="0" smtClean="0"/>
+          </a:p>
+          <a:p>
+            <a:endParaRPr lang="fr-FR" b="1" baseline="0" dirty="0" smtClean="0"/>
+          </a:p>
+          <a:p>
+            <a:endParaRPr lang="fr-FR" baseline="0" dirty="0" smtClean="0"/>
+          </a:p>
+          <a:p>
             <a:endParaRPr lang="en-US" dirty="0"/>
           </a:p>
         </p:txBody>
@@ -896,6 +2000,172 @@
           <a:bodyPr/>
           <a:lstStyle/>
           <a:p>
+            <a:r>
+              <a:rPr lang="fr-FR" b="1" baseline="0" dirty="0" smtClean="0"/>
+              <a:t>Exposition via le service: </a:t>
+            </a:r>
+          </a:p>
+          <a:p>
+            <a:endParaRPr lang="fr-FR" b="1" baseline="0" dirty="0" smtClean="0"/>
+          </a:p>
+          <a:p>
+            <a:r>
+              <a:rPr lang="fr-FR" sz="1200" dirty="0" err="1" smtClean="0"/>
+              <a:t>apiVersion</a:t>
+            </a:r>
+            <a:r>
+              <a:rPr lang="fr-FR" sz="1200" dirty="0" smtClean="0"/>
+              <a:t>: v1</a:t>
+            </a:r>
+          </a:p>
+          <a:p>
+            <a:r>
+              <a:rPr lang="fr-FR" sz="1200" dirty="0" err="1" smtClean="0"/>
+              <a:t>kind</a:t>
+            </a:r>
+            <a:r>
+              <a:rPr lang="fr-FR" sz="1200" dirty="0" smtClean="0"/>
+              <a:t>: Service</a:t>
+            </a:r>
+          </a:p>
+          <a:p>
+            <a:r>
+              <a:rPr lang="fr-FR" sz="1200" dirty="0" err="1" smtClean="0"/>
+              <a:t>metadata</a:t>
+            </a:r>
+            <a:r>
+              <a:rPr lang="fr-FR" sz="1200" dirty="0" smtClean="0"/>
+              <a:t>:</a:t>
+            </a:r>
+          </a:p>
+          <a:p>
+            <a:r>
+              <a:rPr lang="fr-FR" sz="1200" dirty="0" smtClean="0"/>
+              <a:t>  </a:t>
+            </a:r>
+            <a:r>
+              <a:rPr lang="fr-FR" sz="1200" dirty="0" err="1" smtClean="0"/>
+              <a:t>name</a:t>
+            </a:r>
+            <a:r>
+              <a:rPr lang="fr-FR" sz="1200" dirty="0" smtClean="0"/>
+              <a:t>: </a:t>
+            </a:r>
+            <a:r>
+              <a:rPr lang="fr-FR" sz="1200" dirty="0" err="1" smtClean="0"/>
+              <a:t>nginx</a:t>
+            </a:r>
+            <a:endParaRPr lang="fr-FR" sz="1200" dirty="0" smtClean="0"/>
+          </a:p>
+          <a:p>
+            <a:r>
+              <a:rPr lang="fr-FR" sz="1200" dirty="0" smtClean="0"/>
+              <a:t>  labels:</a:t>
+            </a:r>
+          </a:p>
+          <a:p>
+            <a:r>
+              <a:rPr lang="fr-FR" sz="1200" dirty="0" smtClean="0"/>
+              <a:t>    </a:t>
+            </a:r>
+            <a:r>
+              <a:rPr lang="fr-FR" sz="1200" dirty="0" err="1" smtClean="0"/>
+              <a:t>app</a:t>
+            </a:r>
+            <a:r>
+              <a:rPr lang="fr-FR" sz="1200" dirty="0" smtClean="0"/>
+              <a:t>: </a:t>
+            </a:r>
+            <a:r>
+              <a:rPr lang="fr-FR" sz="1200" dirty="0" err="1" smtClean="0"/>
+              <a:t>nginx</a:t>
+            </a:r>
+            <a:endParaRPr lang="fr-FR" sz="1200" dirty="0" smtClean="0"/>
+          </a:p>
+          <a:p>
+            <a:r>
+              <a:rPr lang="fr-FR" sz="1200" dirty="0" err="1" smtClean="0"/>
+              <a:t>spec</a:t>
+            </a:r>
+            <a:r>
+              <a:rPr lang="fr-FR" sz="1200" dirty="0" smtClean="0"/>
+              <a:t>:</a:t>
+            </a:r>
+          </a:p>
+          <a:p>
+            <a:r>
+              <a:rPr lang="fr-FR" sz="1200" dirty="0" smtClean="0"/>
+              <a:t>  ports:</a:t>
+            </a:r>
+          </a:p>
+          <a:p>
+            <a:r>
+              <a:rPr lang="fr-FR" sz="1200" dirty="0" smtClean="0"/>
+              <a:t>  - port: 80</a:t>
+            </a:r>
+          </a:p>
+          <a:p>
+            <a:r>
+              <a:rPr lang="fr-FR" sz="1200" dirty="0" smtClean="0"/>
+              <a:t>    </a:t>
+            </a:r>
+            <a:r>
+              <a:rPr lang="fr-FR" sz="1200" dirty="0" err="1" smtClean="0"/>
+              <a:t>name</a:t>
+            </a:r>
+            <a:r>
+              <a:rPr lang="fr-FR" sz="1200" dirty="0" smtClean="0"/>
+              <a:t>: web</a:t>
+            </a:r>
+          </a:p>
+          <a:p>
+            <a:r>
+              <a:rPr lang="fr-FR" sz="1200" dirty="0" smtClean="0"/>
+              <a:t>  </a:t>
+            </a:r>
+            <a:r>
+              <a:rPr lang="fr-FR" sz="1200" dirty="0" err="1" smtClean="0"/>
+              <a:t>clusterIP</a:t>
+            </a:r>
+            <a:r>
+              <a:rPr lang="fr-FR" sz="1200" dirty="0" smtClean="0"/>
+              <a:t>: None</a:t>
+            </a:r>
+          </a:p>
+          <a:p>
+            <a:r>
+              <a:rPr lang="fr-FR" sz="1200" dirty="0" smtClean="0"/>
+              <a:t>  </a:t>
+            </a:r>
+            <a:r>
+              <a:rPr lang="fr-FR" sz="1200" dirty="0" err="1" smtClean="0"/>
+              <a:t>selector</a:t>
+            </a:r>
+            <a:r>
+              <a:rPr lang="fr-FR" sz="1200" dirty="0" smtClean="0"/>
+              <a:t>:</a:t>
+            </a:r>
+          </a:p>
+          <a:p>
+            <a:r>
+              <a:rPr lang="fr-FR" sz="1200" dirty="0" smtClean="0"/>
+              <a:t>    </a:t>
+            </a:r>
+            <a:r>
+              <a:rPr lang="fr-FR" sz="1200" dirty="0" err="1" smtClean="0"/>
+              <a:t>app</a:t>
+            </a:r>
+            <a:r>
+              <a:rPr lang="fr-FR" sz="1200" dirty="0" smtClean="0"/>
+              <a:t>: </a:t>
+            </a:r>
+            <a:r>
+              <a:rPr lang="fr-FR" sz="1200" dirty="0" err="1" smtClean="0"/>
+              <a:t>nginx</a:t>
+            </a:r>
+            <a:endParaRPr lang="fr-FR" sz="1200" dirty="0" smtClean="0"/>
+          </a:p>
+          <a:p>
             <a:endParaRPr lang="en-US" dirty="0"/>
           </a:p>
         </p:txBody>
@@ -3803,401 +5073,6 @@
           <a:bodyPr/>
           <a:lstStyle/>
           <a:p>
-            <a:r>
-              <a:rPr lang="en-US" sz="1200" b="0" i="0" kern="1200" dirty="0" err="1" smtClean="0">
-                <a:solidFill>
-                  <a:schemeClr val="tx1"/>
-                </a:solidFill>
-                <a:effectLst/>
-                <a:latin typeface="+mn-lt"/>
-                <a:ea typeface="+mn-ea"/>
-                <a:cs typeface="+mn-cs"/>
-              </a:rPr>
-              <a:t>kubectl</a:t>
-            </a:r>
-            <a:r>
-              <a:rPr lang="en-US" sz="1200" b="0" i="0" kern="1200" dirty="0" smtClean="0">
-                <a:solidFill>
-                  <a:schemeClr val="tx1"/>
-                </a:solidFill>
-                <a:effectLst/>
-                <a:latin typeface="+mn-lt"/>
-                <a:ea typeface="+mn-ea"/>
-                <a:cs typeface="+mn-cs"/>
-              </a:rPr>
-              <a:t> apply -f </a:t>
-            </a:r>
-            <a:r>
-              <a:rPr lang="en-US" sz="1200" b="0" i="0" u="sng" kern="1200" dirty="0" smtClean="0">
-                <a:solidFill>
-                  <a:schemeClr val="tx1"/>
-                </a:solidFill>
-                <a:effectLst/>
-                <a:latin typeface="+mn-lt"/>
-                <a:ea typeface="+mn-ea"/>
-                <a:cs typeface="+mn-cs"/>
-                <a:hlinkClick r:id="rId3"/>
-              </a:rPr>
-              <a:t>https://raw.githubusercontent.com/kubernetes/dashboard/v2.2.0/aio/deploy/recommended.yaml</a:t>
-            </a:r>
-            <a:endParaRPr lang="en-US" sz="1200" b="0" i="0" u="sng" kern="1200" dirty="0" smtClean="0">
-              <a:solidFill>
-                <a:schemeClr val="tx1"/>
-              </a:solidFill>
-              <a:effectLst/>
-              <a:latin typeface="+mn-lt"/>
-              <a:ea typeface="+mn-ea"/>
-              <a:cs typeface="+mn-cs"/>
-            </a:endParaRPr>
-          </a:p>
-          <a:p>
-            <a:endParaRPr lang="en-US" sz="1200" b="0" i="0" u="sng" kern="1200" dirty="0" smtClean="0">
-              <a:solidFill>
-                <a:schemeClr val="tx1"/>
-              </a:solidFill>
-              <a:effectLst/>
-              <a:latin typeface="+mn-lt"/>
-              <a:ea typeface="+mn-ea"/>
-              <a:cs typeface="+mn-cs"/>
-            </a:endParaRPr>
-          </a:p>
-          <a:p>
-            <a:endParaRPr lang="en-US" sz="1200" b="0" i="0" u="sng" kern="1200" dirty="0" smtClean="0">
-              <a:solidFill>
-                <a:schemeClr val="tx1"/>
-              </a:solidFill>
-              <a:effectLst/>
-              <a:latin typeface="+mn-lt"/>
-              <a:ea typeface="+mn-ea"/>
-              <a:cs typeface="+mn-cs"/>
-            </a:endParaRPr>
-          </a:p>
-          <a:p>
-            <a:r>
-              <a:rPr lang="fr-FR" sz="1200" b="0" i="0" kern="1200" dirty="0" err="1" smtClean="0">
-                <a:solidFill>
-                  <a:schemeClr val="tx1"/>
-                </a:solidFill>
-                <a:effectLst/>
-                <a:latin typeface="+mn-lt"/>
-                <a:ea typeface="+mn-ea"/>
-                <a:cs typeface="+mn-cs"/>
-              </a:rPr>
-              <a:t>kubectl</a:t>
-            </a:r>
-            <a:r>
-              <a:rPr lang="fr-FR" sz="1200" b="0" i="0" kern="1200" dirty="0" smtClean="0">
-                <a:solidFill>
-                  <a:schemeClr val="tx1"/>
-                </a:solidFill>
-                <a:effectLst/>
-                <a:latin typeface="+mn-lt"/>
-                <a:ea typeface="+mn-ea"/>
-                <a:cs typeface="+mn-cs"/>
-              </a:rPr>
-              <a:t> patch </a:t>
-            </a:r>
-            <a:r>
-              <a:rPr lang="fr-FR" sz="1200" b="0" i="0" kern="1200" dirty="0" err="1" smtClean="0">
-                <a:solidFill>
-                  <a:schemeClr val="tx1"/>
-                </a:solidFill>
-                <a:effectLst/>
-                <a:latin typeface="+mn-lt"/>
-                <a:ea typeface="+mn-ea"/>
-                <a:cs typeface="+mn-cs"/>
-              </a:rPr>
-              <a:t>deployment</a:t>
-            </a:r>
-            <a:r>
-              <a:rPr lang="fr-FR" sz="1200" b="0" i="0" kern="1200" dirty="0" smtClean="0">
-                <a:solidFill>
-                  <a:schemeClr val="tx1"/>
-                </a:solidFill>
-                <a:effectLst/>
-                <a:latin typeface="+mn-lt"/>
-                <a:ea typeface="+mn-ea"/>
-                <a:cs typeface="+mn-cs"/>
-              </a:rPr>
-              <a:t> </a:t>
-            </a:r>
-            <a:r>
-              <a:rPr lang="fr-FR" sz="1200" b="0" i="0" kern="1200" dirty="0" err="1" smtClean="0">
-                <a:solidFill>
-                  <a:schemeClr val="tx1"/>
-                </a:solidFill>
-                <a:effectLst/>
-                <a:latin typeface="+mn-lt"/>
-                <a:ea typeface="+mn-ea"/>
-                <a:cs typeface="+mn-cs"/>
-              </a:rPr>
-              <a:t>kubernetes-dashboard</a:t>
-            </a:r>
-            <a:r>
-              <a:rPr lang="fr-FR" sz="1200" b="0" i="0" kern="1200" dirty="0" smtClean="0">
-                <a:solidFill>
-                  <a:schemeClr val="tx1"/>
-                </a:solidFill>
-                <a:effectLst/>
-                <a:latin typeface="+mn-lt"/>
-                <a:ea typeface="+mn-ea"/>
-                <a:cs typeface="+mn-cs"/>
-              </a:rPr>
-              <a:t> -n </a:t>
-            </a:r>
-            <a:r>
-              <a:rPr lang="fr-FR" sz="1200" b="0" i="0" kern="1200" dirty="0" err="1" smtClean="0">
-                <a:solidFill>
-                  <a:schemeClr val="tx1"/>
-                </a:solidFill>
-                <a:effectLst/>
-                <a:latin typeface="+mn-lt"/>
-                <a:ea typeface="+mn-ea"/>
-                <a:cs typeface="+mn-cs"/>
-              </a:rPr>
-              <a:t>kubernetes-dashboard</a:t>
-            </a:r>
-            <a:r>
-              <a:rPr lang="fr-FR" sz="1200" b="0" i="0" kern="1200" dirty="0" smtClean="0">
-                <a:solidFill>
-                  <a:schemeClr val="tx1"/>
-                </a:solidFill>
-                <a:effectLst/>
-                <a:latin typeface="+mn-lt"/>
-                <a:ea typeface="+mn-ea"/>
-                <a:cs typeface="+mn-cs"/>
-              </a:rPr>
-              <a:t> --type '</a:t>
-            </a:r>
-            <a:r>
-              <a:rPr lang="fr-FR" sz="1200" b="0" i="0" kern="1200" dirty="0" err="1" smtClean="0">
-                <a:solidFill>
-                  <a:schemeClr val="tx1"/>
-                </a:solidFill>
-                <a:effectLst/>
-                <a:latin typeface="+mn-lt"/>
-                <a:ea typeface="+mn-ea"/>
-                <a:cs typeface="+mn-cs"/>
-              </a:rPr>
-              <a:t>json</a:t>
-            </a:r>
-            <a:r>
-              <a:rPr lang="fr-FR" sz="1200" b="0" i="0" kern="1200" dirty="0" smtClean="0">
-                <a:solidFill>
-                  <a:schemeClr val="tx1"/>
-                </a:solidFill>
-                <a:effectLst/>
-                <a:latin typeface="+mn-lt"/>
-                <a:ea typeface="+mn-ea"/>
-                <a:cs typeface="+mn-cs"/>
-              </a:rPr>
-              <a:t>' -p '[{"op": "</a:t>
-            </a:r>
-            <a:r>
-              <a:rPr lang="fr-FR" sz="1200" b="0" i="0" kern="1200" dirty="0" err="1" smtClean="0">
-                <a:solidFill>
-                  <a:schemeClr val="tx1"/>
-                </a:solidFill>
-                <a:effectLst/>
-                <a:latin typeface="+mn-lt"/>
-                <a:ea typeface="+mn-ea"/>
-                <a:cs typeface="+mn-cs"/>
-              </a:rPr>
-              <a:t>add</a:t>
-            </a:r>
-            <a:r>
-              <a:rPr lang="fr-FR" sz="1200" b="0" i="0" kern="1200" dirty="0" smtClean="0">
-                <a:solidFill>
-                  <a:schemeClr val="tx1"/>
-                </a:solidFill>
-                <a:effectLst/>
-                <a:latin typeface="+mn-lt"/>
-                <a:ea typeface="+mn-ea"/>
-                <a:cs typeface="+mn-cs"/>
-              </a:rPr>
-              <a:t>", "</a:t>
-            </a:r>
-            <a:r>
-              <a:rPr lang="fr-FR" sz="1200" b="0" i="0" kern="1200" dirty="0" err="1" smtClean="0">
-                <a:solidFill>
-                  <a:schemeClr val="tx1"/>
-                </a:solidFill>
-                <a:effectLst/>
-                <a:latin typeface="+mn-lt"/>
-                <a:ea typeface="+mn-ea"/>
-                <a:cs typeface="+mn-cs"/>
-              </a:rPr>
-              <a:t>path</a:t>
-            </a:r>
-            <a:r>
-              <a:rPr lang="fr-FR" sz="1200" b="0" i="0" kern="1200" dirty="0" smtClean="0">
-                <a:solidFill>
-                  <a:schemeClr val="tx1"/>
-                </a:solidFill>
-                <a:effectLst/>
-                <a:latin typeface="+mn-lt"/>
-                <a:ea typeface="+mn-ea"/>
-                <a:cs typeface="+mn-cs"/>
-              </a:rPr>
-              <a:t>": "/</a:t>
-            </a:r>
-            <a:r>
-              <a:rPr lang="fr-FR" sz="1200" b="0" i="0" kern="1200" dirty="0" err="1" smtClean="0">
-                <a:solidFill>
-                  <a:schemeClr val="tx1"/>
-                </a:solidFill>
-                <a:effectLst/>
-                <a:latin typeface="+mn-lt"/>
-                <a:ea typeface="+mn-ea"/>
-                <a:cs typeface="+mn-cs"/>
-              </a:rPr>
-              <a:t>spec</a:t>
-            </a:r>
-            <a:r>
-              <a:rPr lang="fr-FR" sz="1200" b="0" i="0" kern="1200" dirty="0" smtClean="0">
-                <a:solidFill>
-                  <a:schemeClr val="tx1"/>
-                </a:solidFill>
-                <a:effectLst/>
-                <a:latin typeface="+mn-lt"/>
-                <a:ea typeface="+mn-ea"/>
-                <a:cs typeface="+mn-cs"/>
-              </a:rPr>
-              <a:t>/</a:t>
-            </a:r>
-            <a:r>
-              <a:rPr lang="fr-FR" sz="1200" b="0" i="0" kern="1200" dirty="0" err="1" smtClean="0">
-                <a:solidFill>
-                  <a:schemeClr val="tx1"/>
-                </a:solidFill>
-                <a:effectLst/>
-                <a:latin typeface="+mn-lt"/>
-                <a:ea typeface="+mn-ea"/>
-                <a:cs typeface="+mn-cs"/>
-              </a:rPr>
-              <a:t>template</a:t>
-            </a:r>
-            <a:r>
-              <a:rPr lang="fr-FR" sz="1200" b="0" i="0" kern="1200" dirty="0" smtClean="0">
-                <a:solidFill>
-                  <a:schemeClr val="tx1"/>
-                </a:solidFill>
-                <a:effectLst/>
-                <a:latin typeface="+mn-lt"/>
-                <a:ea typeface="+mn-ea"/>
-                <a:cs typeface="+mn-cs"/>
-              </a:rPr>
-              <a:t>/</a:t>
-            </a:r>
-            <a:r>
-              <a:rPr lang="fr-FR" sz="1200" b="0" i="0" kern="1200" dirty="0" err="1" smtClean="0">
-                <a:solidFill>
-                  <a:schemeClr val="tx1"/>
-                </a:solidFill>
-                <a:effectLst/>
-                <a:latin typeface="+mn-lt"/>
-                <a:ea typeface="+mn-ea"/>
-                <a:cs typeface="+mn-cs"/>
-              </a:rPr>
-              <a:t>spec</a:t>
-            </a:r>
-            <a:r>
-              <a:rPr lang="fr-FR" sz="1200" b="0" i="0" kern="1200" dirty="0" smtClean="0">
-                <a:solidFill>
-                  <a:schemeClr val="tx1"/>
-                </a:solidFill>
-                <a:effectLst/>
-                <a:latin typeface="+mn-lt"/>
-                <a:ea typeface="+mn-ea"/>
-                <a:cs typeface="+mn-cs"/>
-              </a:rPr>
-              <a:t>/containers/0/</a:t>
-            </a:r>
-            <a:r>
-              <a:rPr lang="fr-FR" sz="1200" b="0" i="0" kern="1200" dirty="0" err="1" smtClean="0">
-                <a:solidFill>
-                  <a:schemeClr val="tx1"/>
-                </a:solidFill>
-                <a:effectLst/>
-                <a:latin typeface="+mn-lt"/>
-                <a:ea typeface="+mn-ea"/>
-                <a:cs typeface="+mn-cs"/>
-              </a:rPr>
-              <a:t>args</a:t>
-            </a:r>
-            <a:r>
-              <a:rPr lang="fr-FR" sz="1200" b="0" i="0" kern="1200" dirty="0" smtClean="0">
-                <a:solidFill>
-                  <a:schemeClr val="tx1"/>
-                </a:solidFill>
-                <a:effectLst/>
-                <a:latin typeface="+mn-lt"/>
-                <a:ea typeface="+mn-ea"/>
-                <a:cs typeface="+mn-cs"/>
-              </a:rPr>
-              <a:t>/-", "value": "--</a:t>
-            </a:r>
-            <a:r>
-              <a:rPr lang="fr-FR" sz="1200" b="0" i="0" kern="1200" dirty="0" err="1" smtClean="0">
-                <a:solidFill>
-                  <a:schemeClr val="tx1"/>
-                </a:solidFill>
-                <a:effectLst/>
-                <a:latin typeface="+mn-lt"/>
-                <a:ea typeface="+mn-ea"/>
-                <a:cs typeface="+mn-cs"/>
-              </a:rPr>
-              <a:t>enable</a:t>
-            </a:r>
-            <a:r>
-              <a:rPr lang="fr-FR" sz="1200" b="0" i="0" kern="1200" dirty="0" smtClean="0">
-                <a:solidFill>
-                  <a:schemeClr val="tx1"/>
-                </a:solidFill>
-                <a:effectLst/>
-                <a:latin typeface="+mn-lt"/>
-                <a:ea typeface="+mn-ea"/>
-                <a:cs typeface="+mn-cs"/>
-              </a:rPr>
-              <a:t>-skip-login"}]'</a:t>
-            </a:r>
-          </a:p>
-          <a:p>
-            <a:endParaRPr lang="fr-FR" sz="1200" b="0" i="0" kern="1200" dirty="0" smtClean="0">
-              <a:solidFill>
-                <a:schemeClr val="tx1"/>
-              </a:solidFill>
-              <a:effectLst/>
-              <a:latin typeface="+mn-lt"/>
-              <a:ea typeface="+mn-ea"/>
-              <a:cs typeface="+mn-cs"/>
-            </a:endParaRPr>
-          </a:p>
-          <a:p>
-            <a:endParaRPr lang="fr-FR" dirty="0" smtClean="0"/>
-          </a:p>
-          <a:p>
-            <a:r>
-              <a:rPr lang="fr-FR" dirty="0" smtClean="0"/>
-              <a:t>Dans</a:t>
-            </a:r>
-            <a:r>
-              <a:rPr lang="fr-FR" baseline="0" dirty="0" smtClean="0"/>
-              <a:t> le </a:t>
-            </a:r>
-            <a:r>
-              <a:rPr lang="fr-FR" baseline="0" dirty="0" err="1" smtClean="0"/>
-              <a:t>naviguateur</a:t>
-            </a:r>
-            <a:endParaRPr lang="fr-FR" baseline="0" dirty="0" smtClean="0"/>
-          </a:p>
-          <a:p>
-            <a:r>
-              <a:rPr lang="fr-FR" dirty="0" smtClean="0"/>
-              <a:t>http://localhost:8001/api/v1/namespaces/kubernetes-dashboard/services/https:kubernetes-dashboard:/proxy/#/login</a:t>
-            </a:r>
-          </a:p>
-          <a:p>
             <a:endParaRPr lang="fr-FR" dirty="0"/>
           </a:p>
         </p:txBody>
@@ -4462,9 +5337,272 @@
                 <a:ea typeface="+mn-ea"/>
                 <a:cs typeface="+mn-cs"/>
               </a:rPr>
-              <a:t>[].image}"</a:t>
-            </a:r>
-            <a:endParaRPr lang="en-US" dirty="0" smtClean="0"/>
+              <a:t>[].image</a:t>
+            </a:r>
+            <a:r>
+              <a:rPr lang="fr-FR" sz="1200" b="0" i="0" kern="1200" dirty="0" smtClean="0">
+                <a:solidFill>
+                  <a:schemeClr val="tx1"/>
+                </a:solidFill>
+                <a:effectLst/>
+                <a:latin typeface="+mn-lt"/>
+                <a:ea typeface="+mn-ea"/>
+                <a:cs typeface="+mn-cs"/>
+              </a:rPr>
+              <a:t>}« </a:t>
+            </a:r>
+          </a:p>
+          <a:p>
+            <a:endParaRPr lang="fr-FR" sz="1200" b="0" i="0" kern="1200" dirty="0" smtClean="0">
+              <a:solidFill>
+                <a:schemeClr val="tx1"/>
+              </a:solidFill>
+              <a:effectLst/>
+              <a:latin typeface="+mn-lt"/>
+              <a:ea typeface="+mn-ea"/>
+              <a:cs typeface="+mn-cs"/>
+            </a:endParaRPr>
+          </a:p>
+          <a:p>
+            <a:endParaRPr lang="fr-FR" sz="1200" b="1" i="0" kern="1200" dirty="0" smtClean="0">
+              <a:solidFill>
+                <a:schemeClr val="tx1"/>
+              </a:solidFill>
+              <a:effectLst/>
+              <a:latin typeface="+mn-lt"/>
+              <a:ea typeface="+mn-ea"/>
+              <a:cs typeface="+mn-cs"/>
+            </a:endParaRPr>
+          </a:p>
+          <a:p>
+            <a:r>
+              <a:rPr lang="fr-FR" sz="1200" b="1" i="0" kern="1200" dirty="0" smtClean="0">
+                <a:solidFill>
+                  <a:schemeClr val="tx1"/>
+                </a:solidFill>
+                <a:effectLst/>
+                <a:latin typeface="+mn-lt"/>
+                <a:ea typeface="+mn-ea"/>
+                <a:cs typeface="+mn-cs"/>
+              </a:rPr>
+              <a:t>Exemple</a:t>
+            </a:r>
+            <a:r>
+              <a:rPr lang="fr-FR" sz="1200" b="1" i="0" kern="1200" baseline="0" dirty="0" smtClean="0">
+                <a:solidFill>
+                  <a:schemeClr val="tx1"/>
+                </a:solidFill>
+                <a:effectLst/>
+                <a:latin typeface="+mn-lt"/>
+                <a:ea typeface="+mn-ea"/>
+                <a:cs typeface="+mn-cs"/>
+              </a:rPr>
+              <a:t> de </a:t>
+            </a:r>
+            <a:r>
+              <a:rPr lang="fr-FR" sz="1200" b="1" i="0" kern="1200" baseline="0" dirty="0" err="1" smtClean="0">
+                <a:solidFill>
+                  <a:schemeClr val="tx1"/>
+                </a:solidFill>
+                <a:effectLst/>
+                <a:latin typeface="+mn-lt"/>
+                <a:ea typeface="+mn-ea"/>
+                <a:cs typeface="+mn-cs"/>
+              </a:rPr>
+              <a:t>manifest</a:t>
+            </a:r>
+            <a:r>
+              <a:rPr lang="fr-FR" sz="1200" b="1" i="0" kern="1200" baseline="0" dirty="0" smtClean="0">
+                <a:solidFill>
+                  <a:schemeClr val="tx1"/>
+                </a:solidFill>
+                <a:effectLst/>
+                <a:latin typeface="+mn-lt"/>
+                <a:ea typeface="+mn-ea"/>
+                <a:cs typeface="+mn-cs"/>
+              </a:rPr>
+              <a:t> de </a:t>
+            </a:r>
+            <a:r>
+              <a:rPr lang="fr-FR" sz="1200" b="1" i="0" kern="1200" baseline="0" dirty="0" err="1" smtClean="0">
+                <a:solidFill>
+                  <a:schemeClr val="tx1"/>
+                </a:solidFill>
+                <a:effectLst/>
+                <a:latin typeface="+mn-lt"/>
+                <a:ea typeface="+mn-ea"/>
+                <a:cs typeface="+mn-cs"/>
+              </a:rPr>
+              <a:t>Pod</a:t>
+            </a:r>
+            <a:r>
+              <a:rPr lang="fr-FR" sz="1200" b="1" i="0" kern="1200" baseline="0" dirty="0" smtClean="0">
+                <a:solidFill>
+                  <a:schemeClr val="tx1"/>
+                </a:solidFill>
+                <a:effectLst/>
+                <a:latin typeface="+mn-lt"/>
+                <a:ea typeface="+mn-ea"/>
+                <a:cs typeface="+mn-cs"/>
+              </a:rPr>
+              <a:t>:</a:t>
+            </a:r>
+          </a:p>
+          <a:p>
+            <a:endParaRPr lang="fr-FR" sz="1800" b="1" i="0" kern="1200" baseline="0" dirty="0" smtClean="0">
+              <a:solidFill>
+                <a:schemeClr val="tx1"/>
+              </a:solidFill>
+              <a:effectLst/>
+              <a:latin typeface="+mn-lt"/>
+              <a:ea typeface="+mn-ea"/>
+              <a:cs typeface="+mn-cs"/>
+            </a:endParaRPr>
+          </a:p>
+          <a:p>
+            <a:r>
+              <a:rPr lang="fr-FR" sz="1800" dirty="0" err="1" smtClean="0"/>
+              <a:t>apiVersion</a:t>
+            </a:r>
+            <a:r>
+              <a:rPr lang="fr-FR" sz="1800" dirty="0" smtClean="0"/>
+              <a:t>: v1</a:t>
+            </a:r>
+          </a:p>
+          <a:p>
+            <a:r>
+              <a:rPr lang="fr-FR" sz="1800" dirty="0" err="1" smtClean="0"/>
+              <a:t>kind</a:t>
+            </a:r>
+            <a:r>
+              <a:rPr lang="fr-FR" sz="1800" dirty="0" smtClean="0"/>
+              <a:t>: </a:t>
+            </a:r>
+            <a:r>
+              <a:rPr lang="fr-FR" sz="1800" dirty="0" err="1" smtClean="0"/>
+              <a:t>Pod</a:t>
+            </a:r>
+            <a:endParaRPr lang="fr-FR" sz="1800" dirty="0" smtClean="0"/>
+          </a:p>
+          <a:p>
+            <a:r>
+              <a:rPr lang="fr-FR" sz="1800" dirty="0" err="1" smtClean="0"/>
+              <a:t>metadata</a:t>
+            </a:r>
+            <a:r>
+              <a:rPr lang="fr-FR" sz="1800" dirty="0" smtClean="0"/>
+              <a:t>:</a:t>
+            </a:r>
+          </a:p>
+          <a:p>
+            <a:r>
+              <a:rPr lang="fr-FR" sz="1800" dirty="0" smtClean="0"/>
+              <a:t>  </a:t>
+            </a:r>
+            <a:r>
+              <a:rPr lang="fr-FR" sz="1800" dirty="0" err="1" smtClean="0"/>
+              <a:t>name</a:t>
+            </a:r>
+            <a:r>
+              <a:rPr lang="fr-FR" sz="1800" dirty="0" smtClean="0"/>
+              <a:t>: </a:t>
+            </a:r>
+            <a:r>
+              <a:rPr lang="fr-FR" sz="1800" dirty="0" err="1" smtClean="0"/>
+              <a:t>nginx</a:t>
+            </a:r>
+            <a:endParaRPr lang="fr-FR" sz="1800" dirty="0" smtClean="0"/>
+          </a:p>
+          <a:p>
+            <a:r>
+              <a:rPr lang="fr-FR" sz="1800" dirty="0" err="1" smtClean="0"/>
+              <a:t>spec</a:t>
+            </a:r>
+            <a:r>
+              <a:rPr lang="fr-FR" sz="1800" dirty="0" smtClean="0"/>
+              <a:t>:</a:t>
+            </a:r>
+          </a:p>
+          <a:p>
+            <a:r>
+              <a:rPr lang="fr-FR" sz="1800" dirty="0" smtClean="0"/>
+              <a:t>  containers:</a:t>
+            </a:r>
+          </a:p>
+          <a:p>
+            <a:r>
+              <a:rPr lang="fr-FR" sz="1800" dirty="0" smtClean="0"/>
+              <a:t>  - </a:t>
+            </a:r>
+            <a:r>
+              <a:rPr lang="fr-FR" sz="1800" dirty="0" err="1" smtClean="0"/>
+              <a:t>name</a:t>
+            </a:r>
+            <a:r>
+              <a:rPr lang="fr-FR" sz="1800" dirty="0" smtClean="0"/>
+              <a:t>: </a:t>
+            </a:r>
+            <a:r>
+              <a:rPr lang="fr-FR" sz="1800" dirty="0" err="1" smtClean="0"/>
+              <a:t>nginx</a:t>
+            </a:r>
+            <a:endParaRPr lang="fr-FR" sz="1800" dirty="0" smtClean="0"/>
+          </a:p>
+          <a:p>
+            <a:r>
+              <a:rPr lang="fr-FR" sz="1800" dirty="0" smtClean="0"/>
+              <a:t>    image: </a:t>
+            </a:r>
+            <a:r>
+              <a:rPr lang="fr-FR" sz="1800" dirty="0" err="1" smtClean="0"/>
+              <a:t>nginx:latest</a:t>
+            </a:r>
+            <a:endParaRPr lang="fr-FR" sz="1800" dirty="0" smtClean="0"/>
+          </a:p>
+          <a:p>
+            <a:r>
+              <a:rPr lang="fr-FR" sz="1800" dirty="0" smtClean="0"/>
+              <a:t>    ports:</a:t>
+            </a:r>
+          </a:p>
+          <a:p>
+            <a:r>
+              <a:rPr lang="fr-FR" sz="1800" dirty="0" smtClean="0"/>
+              <a:t>    - </a:t>
+            </a:r>
+            <a:r>
+              <a:rPr lang="fr-FR" sz="1800" dirty="0" err="1" smtClean="0"/>
+              <a:t>containerPort</a:t>
+            </a:r>
+            <a:r>
+              <a:rPr lang="fr-FR" sz="1800" dirty="0" smtClean="0"/>
+              <a:t>: 80</a:t>
+            </a:r>
+          </a:p>
+          <a:p>
+            <a:endParaRPr lang="fr-FR" sz="1200" b="1" i="0" kern="1200" baseline="0" dirty="0" smtClean="0">
+              <a:solidFill>
+                <a:schemeClr val="tx1"/>
+              </a:solidFill>
+              <a:effectLst/>
+              <a:latin typeface="+mn-lt"/>
+              <a:ea typeface="+mn-ea"/>
+              <a:cs typeface="+mn-cs"/>
+            </a:endParaRPr>
+          </a:p>
+          <a:p>
+            <a:endParaRPr lang="fr-FR" sz="1200" b="1" i="0" kern="1200" baseline="0" dirty="0" smtClean="0">
+              <a:solidFill>
+                <a:schemeClr val="tx1"/>
+              </a:solidFill>
+              <a:effectLst/>
+              <a:latin typeface="+mn-lt"/>
+              <a:ea typeface="+mn-ea"/>
+              <a:cs typeface="+mn-cs"/>
+            </a:endParaRPr>
+          </a:p>
+          <a:p>
+            <a:endParaRPr lang="en-US" b="1" dirty="0" smtClean="0"/>
           </a:p>
           <a:p>
             <a:endParaRPr lang="en-US" dirty="0"/>
@@ -4551,6 +5689,300 @@
           <a:bodyPr/>
           <a:lstStyle/>
           <a:p>
+            <a:r>
+              <a:rPr lang="fr-FR" dirty="0" smtClean="0"/>
+              <a:t>Exemple</a:t>
+            </a:r>
+            <a:r>
+              <a:rPr lang="fr-FR" baseline="0" dirty="0" smtClean="0"/>
+              <a:t> de déploiement:</a:t>
+            </a:r>
+            <a:br>
+              <a:rPr lang="fr-FR" baseline="0" dirty="0" smtClean="0"/>
+            </a:br>
+            <a:r>
+              <a:rPr lang="fr-FR" baseline="0" dirty="0" smtClean="0"/>
+              <a:t/>
+            </a:r>
+            <a:br>
+              <a:rPr lang="fr-FR" baseline="0" dirty="0" smtClean="0"/>
+            </a:br>
+            <a:r>
+              <a:rPr lang="fr-FR" sz="1200" dirty="0" err="1" smtClean="0"/>
+              <a:t>apiVersion</a:t>
+            </a:r>
+            <a:r>
+              <a:rPr lang="fr-FR" sz="1200" dirty="0" smtClean="0"/>
+              <a:t>: </a:t>
+            </a:r>
+            <a:r>
+              <a:rPr lang="fr-FR" sz="1200" dirty="0" err="1" smtClean="0"/>
+              <a:t>apps</a:t>
+            </a:r>
+            <a:r>
+              <a:rPr lang="fr-FR" sz="1200" dirty="0" smtClean="0"/>
+              <a:t>/v1</a:t>
+            </a:r>
+          </a:p>
+          <a:p>
+            <a:r>
+              <a:rPr lang="fr-FR" sz="1200" dirty="0" err="1" smtClean="0"/>
+              <a:t>kind</a:t>
+            </a:r>
+            <a:r>
+              <a:rPr lang="fr-FR" sz="1200" dirty="0" smtClean="0"/>
+              <a:t>: </a:t>
+            </a:r>
+            <a:r>
+              <a:rPr lang="fr-FR" sz="1200" dirty="0" err="1" smtClean="0"/>
+              <a:t>Deployment</a:t>
+            </a:r>
+            <a:endParaRPr lang="fr-FR" sz="1200" dirty="0" smtClean="0"/>
+          </a:p>
+          <a:p>
+            <a:r>
+              <a:rPr lang="fr-FR" sz="1200" dirty="0" err="1" smtClean="0"/>
+              <a:t>metadata</a:t>
+            </a:r>
+            <a:r>
+              <a:rPr lang="fr-FR" sz="1200" dirty="0" smtClean="0"/>
+              <a:t>:</a:t>
+            </a:r>
+          </a:p>
+          <a:p>
+            <a:r>
+              <a:rPr lang="fr-FR" sz="1200" dirty="0" smtClean="0"/>
+              <a:t>  </a:t>
+            </a:r>
+            <a:r>
+              <a:rPr lang="fr-FR" sz="1200" dirty="0" err="1" smtClean="0"/>
+              <a:t>name</a:t>
+            </a:r>
+            <a:r>
+              <a:rPr lang="fr-FR" sz="1200" dirty="0" smtClean="0"/>
+              <a:t>: </a:t>
+            </a:r>
+            <a:r>
+              <a:rPr lang="fr-FR" sz="1200" dirty="0" err="1" smtClean="0"/>
+              <a:t>nginx-dep</a:t>
+            </a:r>
+            <a:endParaRPr lang="fr-FR" sz="1200" dirty="0" smtClean="0"/>
+          </a:p>
+          <a:p>
+            <a:r>
+              <a:rPr lang="fr-FR" sz="1200" dirty="0" smtClean="0"/>
+              <a:t>  labels:</a:t>
+            </a:r>
+          </a:p>
+          <a:p>
+            <a:r>
+              <a:rPr lang="fr-FR" sz="1200" dirty="0" smtClean="0"/>
+              <a:t>    </a:t>
+            </a:r>
+            <a:r>
+              <a:rPr lang="fr-FR" sz="1200" dirty="0" err="1" smtClean="0"/>
+              <a:t>app</a:t>
+            </a:r>
+            <a:r>
+              <a:rPr lang="fr-FR" sz="1200" dirty="0" smtClean="0"/>
+              <a:t>: </a:t>
+            </a:r>
+            <a:r>
+              <a:rPr lang="fr-FR" sz="1200" dirty="0" err="1" smtClean="0"/>
+              <a:t>nginx</a:t>
+            </a:r>
+            <a:endParaRPr lang="fr-FR" sz="1200" dirty="0" smtClean="0"/>
+          </a:p>
+          <a:p>
+            <a:r>
+              <a:rPr lang="fr-FR" sz="1200" dirty="0" err="1" smtClean="0"/>
+              <a:t>spec</a:t>
+            </a:r>
+            <a:r>
+              <a:rPr lang="fr-FR" sz="1200" dirty="0" smtClean="0"/>
+              <a:t>:</a:t>
+            </a:r>
+          </a:p>
+          <a:p>
+            <a:r>
+              <a:rPr lang="fr-FR" sz="1200" dirty="0" smtClean="0"/>
+              <a:t>  </a:t>
+            </a:r>
+            <a:r>
+              <a:rPr lang="fr-FR" sz="1200" dirty="0" err="1" smtClean="0"/>
+              <a:t>replicas</a:t>
+            </a:r>
+            <a:r>
+              <a:rPr lang="fr-FR" sz="1200" dirty="0" smtClean="0"/>
+              <a:t>: 3</a:t>
+            </a:r>
+          </a:p>
+          <a:p>
+            <a:r>
+              <a:rPr lang="fr-FR" sz="1200" dirty="0" smtClean="0"/>
+              <a:t>  </a:t>
+            </a:r>
+            <a:r>
+              <a:rPr lang="fr-FR" sz="1200" dirty="0" err="1" smtClean="0"/>
+              <a:t>selector</a:t>
+            </a:r>
+            <a:r>
+              <a:rPr lang="fr-FR" sz="1200" dirty="0" smtClean="0"/>
+              <a:t>:</a:t>
+            </a:r>
+          </a:p>
+          <a:p>
+            <a:r>
+              <a:rPr lang="fr-FR" sz="1200" dirty="0" smtClean="0"/>
+              <a:t>    </a:t>
+            </a:r>
+            <a:r>
+              <a:rPr lang="fr-FR" sz="1200" dirty="0" err="1" smtClean="0"/>
+              <a:t>matchLabels</a:t>
+            </a:r>
+            <a:r>
+              <a:rPr lang="fr-FR" sz="1200" dirty="0" smtClean="0"/>
+              <a:t>:</a:t>
+            </a:r>
+          </a:p>
+          <a:p>
+            <a:r>
+              <a:rPr lang="fr-FR" sz="1200" dirty="0" smtClean="0"/>
+              <a:t>      </a:t>
+            </a:r>
+            <a:r>
+              <a:rPr lang="fr-FR" sz="1200" dirty="0" err="1" smtClean="0"/>
+              <a:t>app</a:t>
+            </a:r>
+            <a:r>
+              <a:rPr lang="fr-FR" sz="1200" dirty="0" smtClean="0"/>
+              <a:t>: </a:t>
+            </a:r>
+            <a:r>
+              <a:rPr lang="fr-FR" sz="1200" dirty="0" err="1" smtClean="0"/>
+              <a:t>nginx</a:t>
+            </a:r>
+            <a:endParaRPr lang="fr-FR" sz="1200" dirty="0" smtClean="0"/>
+          </a:p>
+          <a:p>
+            <a:r>
+              <a:rPr lang="fr-FR" sz="1200" dirty="0" smtClean="0"/>
+              <a:t>  </a:t>
+            </a:r>
+            <a:r>
+              <a:rPr lang="fr-FR" sz="1200" dirty="0" err="1" smtClean="0"/>
+              <a:t>template</a:t>
+            </a:r>
+            <a:r>
+              <a:rPr lang="fr-FR" sz="1200" dirty="0" smtClean="0"/>
+              <a:t>:</a:t>
+            </a:r>
+          </a:p>
+          <a:p>
+            <a:r>
+              <a:rPr lang="fr-FR" sz="1200" dirty="0" smtClean="0"/>
+              <a:t>    </a:t>
+            </a:r>
+            <a:r>
+              <a:rPr lang="fr-FR" sz="1200" dirty="0" err="1" smtClean="0"/>
+              <a:t>metadata</a:t>
+            </a:r>
+            <a:r>
+              <a:rPr lang="fr-FR" sz="1200" dirty="0" smtClean="0"/>
+              <a:t>:</a:t>
+            </a:r>
+          </a:p>
+          <a:p>
+            <a:r>
+              <a:rPr lang="fr-FR" sz="1200" dirty="0" smtClean="0"/>
+              <a:t>      labels:</a:t>
+            </a:r>
+          </a:p>
+          <a:p>
+            <a:r>
+              <a:rPr lang="fr-FR" sz="1200" dirty="0" smtClean="0"/>
+              <a:t>        </a:t>
+            </a:r>
+            <a:r>
+              <a:rPr lang="fr-FR" sz="1200" dirty="0" err="1" smtClean="0"/>
+              <a:t>app</a:t>
+            </a:r>
+            <a:r>
+              <a:rPr lang="fr-FR" sz="1200" dirty="0" smtClean="0"/>
+              <a:t>: </a:t>
+            </a:r>
+            <a:r>
+              <a:rPr lang="fr-FR" sz="1200" dirty="0" err="1" smtClean="0"/>
+              <a:t>nginx</a:t>
+            </a:r>
+            <a:endParaRPr lang="fr-FR" sz="1200" dirty="0" smtClean="0"/>
+          </a:p>
+          <a:p>
+            <a:r>
+              <a:rPr lang="fr-FR" sz="1200" dirty="0" smtClean="0"/>
+              <a:t>    </a:t>
+            </a:r>
+            <a:r>
+              <a:rPr lang="fr-FR" sz="1200" dirty="0" err="1" smtClean="0"/>
+              <a:t>spec</a:t>
+            </a:r>
+            <a:r>
+              <a:rPr lang="fr-FR" sz="1200" dirty="0" smtClean="0"/>
+              <a:t>:</a:t>
+            </a:r>
+          </a:p>
+          <a:p>
+            <a:r>
+              <a:rPr lang="fr-FR" sz="1200" dirty="0" smtClean="0"/>
+              <a:t>      containers:</a:t>
+            </a:r>
+          </a:p>
+          <a:p>
+            <a:r>
+              <a:rPr lang="fr-FR" sz="1200" dirty="0" smtClean="0"/>
+              <a:t>      - </a:t>
+            </a:r>
+            <a:r>
+              <a:rPr lang="fr-FR" sz="1200" dirty="0" err="1" smtClean="0"/>
+              <a:t>name</a:t>
+            </a:r>
+            <a:r>
+              <a:rPr lang="fr-FR" sz="1200" dirty="0" smtClean="0"/>
+              <a:t>: </a:t>
+            </a:r>
+            <a:r>
+              <a:rPr lang="fr-FR" sz="1200" dirty="0" err="1" smtClean="0"/>
+              <a:t>nginx</a:t>
+            </a:r>
+            <a:endParaRPr lang="fr-FR" sz="1200" dirty="0" smtClean="0"/>
+          </a:p>
+          <a:p>
+            <a:r>
+              <a:rPr lang="fr-FR" sz="1200" dirty="0" smtClean="0"/>
+              <a:t>        image: nginx:1.14.2</a:t>
+            </a:r>
+          </a:p>
+          <a:p>
+            <a:r>
+              <a:rPr lang="fr-FR" sz="1200" dirty="0" smtClean="0"/>
+              <a:t>        ports:</a:t>
+            </a:r>
+          </a:p>
+          <a:p>
+            <a:r>
+              <a:rPr lang="fr-FR" sz="1200" dirty="0" smtClean="0"/>
+              <a:t>        - </a:t>
+            </a:r>
+            <a:r>
+              <a:rPr lang="fr-FR" sz="1200" dirty="0" err="1" smtClean="0"/>
+              <a:t>containerPort</a:t>
+            </a:r>
+            <a:r>
+              <a:rPr lang="fr-FR" sz="1200" dirty="0" smtClean="0"/>
+              <a:t>: 80</a:t>
+            </a:r>
+          </a:p>
+          <a:p>
             <a:endParaRPr lang="en-US" dirty="0"/>
           </a:p>
         </p:txBody>
@@ -4787,7 +6219,7 @@
             <a:fld id="{AA309A6D-C09C-4548-B29A-6CF363A7E532}" type="datetimeFigureOut">
               <a:rPr lang="fr-FR" smtClean="0"/>
               <a:pPr/>
-              <a:t>19/11/2024</a:t>
+              <a:t>16/04/2025</a:t>
             </a:fld>
             <a:endParaRPr lang="fr-BE"/>
           </a:p>
@@ -4994,7 +6426,7 @@
             <a:fld id="{AA309A6D-C09C-4548-B29A-6CF363A7E532}" type="datetimeFigureOut">
               <a:rPr lang="fr-FR" smtClean="0"/>
               <a:pPr/>
-              <a:t>19/11/2024</a:t>
+              <a:t>16/04/2025</a:t>
             </a:fld>
             <a:endParaRPr lang="fr-BE"/>
           </a:p>
@@ -5201,7 +6633,7 @@
             <a:fld id="{AA309A6D-C09C-4548-B29A-6CF363A7E532}" type="datetimeFigureOut">
               <a:rPr lang="fr-FR" smtClean="0"/>
               <a:pPr/>
-              <a:t>19/11/2024</a:t>
+              <a:t>16/04/2025</a:t>
             </a:fld>
             <a:endParaRPr lang="fr-BE"/>
           </a:p>
@@ -5408,7 +6840,7 @@
             <a:fld id="{AA309A6D-C09C-4548-B29A-6CF363A7E532}" type="datetimeFigureOut">
               <a:rPr lang="fr-FR" smtClean="0"/>
               <a:pPr/>
-              <a:t>19/11/2024</a:t>
+              <a:t>16/04/2025</a:t>
             </a:fld>
             <a:endParaRPr lang="fr-BE"/>
           </a:p>
@@ -5688,7 +7120,7 @@
             <a:fld id="{AA309A6D-C09C-4548-B29A-6CF363A7E532}" type="datetimeFigureOut">
               <a:rPr lang="fr-FR" smtClean="0"/>
               <a:pPr/>
-              <a:t>19/11/2024</a:t>
+              <a:t>16/04/2025</a:t>
             </a:fld>
             <a:endParaRPr lang="fr-BE"/>
           </a:p>
@@ -6011,7 +7443,7 @@
             <a:fld id="{AA309A6D-C09C-4548-B29A-6CF363A7E532}" type="datetimeFigureOut">
               <a:rPr lang="fr-FR" smtClean="0"/>
               <a:pPr/>
-              <a:t>19/11/2024</a:t>
+              <a:t>16/04/2025</a:t>
             </a:fld>
             <a:endParaRPr lang="fr-BE"/>
           </a:p>
@@ -6474,7 +7906,7 @@
             <a:fld id="{AA309A6D-C09C-4548-B29A-6CF363A7E532}" type="datetimeFigureOut">
               <a:rPr lang="fr-FR" smtClean="0"/>
               <a:pPr/>
-              <a:t>19/11/2024</a:t>
+              <a:t>16/04/2025</a:t>
             </a:fld>
             <a:endParaRPr lang="fr-BE"/>
           </a:p>
@@ -6621,7 +8053,7 @@
             <a:fld id="{AA309A6D-C09C-4548-B29A-6CF363A7E532}" type="datetimeFigureOut">
               <a:rPr lang="fr-FR" smtClean="0"/>
               <a:pPr/>
-              <a:t>19/11/2024</a:t>
+              <a:t>16/04/2025</a:t>
             </a:fld>
             <a:endParaRPr lang="fr-BE"/>
           </a:p>
@@ -6737,7 +8169,7 @@
             <a:fld id="{AA309A6D-C09C-4548-B29A-6CF363A7E532}" type="datetimeFigureOut">
               <a:rPr lang="fr-FR" smtClean="0"/>
               <a:pPr/>
-              <a:t>19/11/2024</a:t>
+              <a:t>16/04/2025</a:t>
             </a:fld>
             <a:endParaRPr lang="fr-BE"/>
           </a:p>
@@ -7044,7 +8476,7 @@
             <a:fld id="{AA309A6D-C09C-4548-B29A-6CF363A7E532}" type="datetimeFigureOut">
               <a:rPr lang="fr-FR" smtClean="0"/>
               <a:pPr/>
-              <a:t>19/11/2024</a:t>
+              <a:t>16/04/2025</a:t>
             </a:fld>
             <a:endParaRPr lang="fr-BE"/>
           </a:p>
@@ -7327,7 +8759,7 @@
             <a:fld id="{AA309A6D-C09C-4548-B29A-6CF363A7E532}" type="datetimeFigureOut">
               <a:rPr lang="fr-FR" smtClean="0"/>
               <a:pPr/>
-              <a:t>19/11/2024</a:t>
+              <a:t>16/04/2025</a:t>
             </a:fld>
             <a:endParaRPr lang="fr-BE"/>
           </a:p>
@@ -8067,7 +9499,19 @@
               <a:rPr lang="fr-FR" sz="1800" b="1" dirty="0" smtClean="0">
                 <a:latin typeface="Candara" panose="020E0502030303020204" pitchFamily="34" charset="0"/>
               </a:rPr>
-              <a:t>Il est nécessaire d'installer Docker avant </a:t>
+              <a:t>Note: </a:t>
+            </a:r>
+            <a:r>
+              <a:rPr lang="fr-FR" sz="1800" dirty="0" smtClean="0">
+                <a:latin typeface="Candara" panose="020E0502030303020204" pitchFamily="34" charset="0"/>
+              </a:rPr>
+              <a:t>Il </a:t>
+            </a:r>
+            <a:r>
+              <a:rPr lang="fr-FR" sz="1800" dirty="0" smtClean="0">
+                <a:latin typeface="Candara" panose="020E0502030303020204" pitchFamily="34" charset="0"/>
+              </a:rPr>
+              <a:t>est nécessaire d'installer Docker avant </a:t>
             </a:r>
           </a:p>
           <a:p>
@@ -8075,11 +9519,26 @@
               <a:buNone/>
             </a:pPr>
             <a:r>
+              <a:rPr lang="fr-FR" sz="1800" b="1" dirty="0">
+                <a:latin typeface="Candara" panose="020E0502030303020204" pitchFamily="34" charset="0"/>
+              </a:rPr>
+              <a:t>E</a:t>
+            </a:r>
+            <a:r>
               <a:rPr lang="fr-FR" sz="1800" b="1" dirty="0" smtClean="0">
                 <a:latin typeface="Candara" panose="020E0502030303020204" pitchFamily="34" charset="0"/>
               </a:rPr>
-              <a:t>Puis exécuter ces deux commandes: </a:t>
-            </a:r>
+              <a:t>xécuter </a:t>
+            </a:r>
+            <a:r>
+              <a:rPr lang="fr-FR" sz="1800" b="1" dirty="0" smtClean="0">
+                <a:latin typeface="Candara" panose="020E0502030303020204" pitchFamily="34" charset="0"/>
+              </a:rPr>
+              <a:t>ces deux commandes: </a:t>
+            </a:r>
+            <a:endParaRPr lang="fr-FR" sz="1800" b="1" dirty="0" smtClean="0">
+              <a:latin typeface="Candara" panose="020E0502030303020204" pitchFamily="34" charset="0"/>
+            </a:endParaRPr>
           </a:p>
           <a:p>
             <a:pPr marL="0" indent="0">
@@ -8090,170 +9549,180 @@
             </a:endParaRPr>
           </a:p>
           <a:p>
-            <a:pPr lvl="1"/>
-            <a:r>
-              <a:rPr lang="fr-FR" sz="1600" b="1" dirty="0" err="1" smtClean="0">
+            <a:pPr marL="457200" lvl="1" indent="0">
+              <a:buNone/>
+            </a:pPr>
+            <a:r>
+              <a:rPr lang="fr-FR" sz="1600" dirty="0" err="1" smtClean="0">
                 <a:latin typeface="Candara" panose="020E0502030303020204" pitchFamily="34" charset="0"/>
               </a:rPr>
               <a:t>curl</a:t>
             </a:r>
             <a:r>
-              <a:rPr lang="fr-FR" sz="1600" b="1" dirty="0" smtClean="0">
+              <a:rPr lang="fr-FR" sz="1600" dirty="0" smtClean="0">
                 <a:latin typeface="Candara" panose="020E0502030303020204" pitchFamily="34" charset="0"/>
               </a:rPr>
               <a:t> </a:t>
             </a:r>
             <a:r>
-              <a:rPr lang="fr-FR" sz="1600" b="1" dirty="0">
+              <a:rPr lang="fr-FR" sz="1600" dirty="0">
                 <a:latin typeface="Candara" panose="020E0502030303020204" pitchFamily="34" charset="0"/>
               </a:rPr>
               <a:t>-LO </a:t>
             </a:r>
             <a:r>
-              <a:rPr lang="fr-FR" sz="1600" b="1" dirty="0">
+              <a:rPr lang="fr-FR" sz="1600" dirty="0">
                 <a:latin typeface="Candara" panose="020E0502030303020204" pitchFamily="34" charset="0"/>
                 <a:hlinkClick r:id="rId3"/>
               </a:rPr>
               <a:t>https://</a:t>
             </a:r>
             <a:r>
-              <a:rPr lang="fr-FR" sz="1600" b="1" dirty="0" smtClean="0">
+              <a:rPr lang="fr-FR" sz="1600" dirty="0" smtClean="0">
                 <a:latin typeface="Candara" panose="020E0502030303020204" pitchFamily="34" charset="0"/>
                 <a:hlinkClick r:id="rId3"/>
               </a:rPr>
               <a:t>storage.googleapis.com/minikube/releases/latest/minikube-linux-amd64</a:t>
             </a:r>
-            <a:endParaRPr lang="fr-FR" sz="1600" b="1" dirty="0" smtClean="0">
+            <a:endParaRPr lang="fr-FR" sz="1600" dirty="0" smtClean="0">
               <a:latin typeface="Candara" panose="020E0502030303020204" pitchFamily="34" charset="0"/>
             </a:endParaRPr>
           </a:p>
           <a:p>
-            <a:pPr lvl="1"/>
-            <a:endParaRPr lang="fr-FR" sz="1600" b="1" dirty="0">
+            <a:pPr marL="457200" lvl="1" indent="0">
+              <a:buNone/>
+            </a:pPr>
+            <a:endParaRPr lang="fr-FR" sz="1600" dirty="0">
               <a:latin typeface="Candara" panose="020E0502030303020204" pitchFamily="34" charset="0"/>
             </a:endParaRPr>
           </a:p>
           <a:p>
-            <a:pPr lvl="1"/>
-            <a:r>
-              <a:rPr lang="fr-FR" sz="1600" b="1" dirty="0" err="1">
+            <a:pPr marL="457200" lvl="1" indent="0">
+              <a:buNone/>
+            </a:pPr>
+            <a:r>
+              <a:rPr lang="fr-FR" sz="1600" dirty="0" err="1">
                 <a:latin typeface="Candara" panose="020E0502030303020204" pitchFamily="34" charset="0"/>
               </a:rPr>
               <a:t>sudo</a:t>
             </a:r>
             <a:r>
-              <a:rPr lang="fr-FR" sz="1600" b="1" dirty="0">
+              <a:rPr lang="fr-FR" sz="1600" dirty="0">
                 <a:latin typeface="Candara" panose="020E0502030303020204" pitchFamily="34" charset="0"/>
               </a:rPr>
               <a:t> </a:t>
             </a:r>
             <a:r>
-              <a:rPr lang="fr-FR" sz="1600" b="1" dirty="0" err="1">
+              <a:rPr lang="fr-FR" sz="1600" dirty="0" err="1">
                 <a:latin typeface="Candara" panose="020E0502030303020204" pitchFamily="34" charset="0"/>
               </a:rPr>
               <a:t>install</a:t>
             </a:r>
             <a:r>
-              <a:rPr lang="fr-FR" sz="1600" b="1" dirty="0">
+              <a:rPr lang="fr-FR" sz="1600" dirty="0">
                 <a:latin typeface="Candara" panose="020E0502030303020204" pitchFamily="34" charset="0"/>
               </a:rPr>
               <a:t> minikube-linux-amd64 /</a:t>
             </a:r>
             <a:r>
-              <a:rPr lang="fr-FR" sz="1600" b="1" dirty="0" err="1" smtClean="0">
+              <a:rPr lang="fr-FR" sz="1600" dirty="0" err="1" smtClean="0">
                 <a:latin typeface="Candara" panose="020E0502030303020204" pitchFamily="34" charset="0"/>
               </a:rPr>
               <a:t>usr</a:t>
             </a:r>
             <a:r>
-              <a:rPr lang="fr-FR" sz="1600" b="1" dirty="0" smtClean="0">
+              <a:rPr lang="fr-FR" sz="1600" dirty="0" smtClean="0">
                 <a:latin typeface="Candara" panose="020E0502030303020204" pitchFamily="34" charset="0"/>
               </a:rPr>
               <a:t>/local/bin/minikube</a:t>
             </a:r>
           </a:p>
           <a:p>
-            <a:pPr lvl="1"/>
-            <a:r>
-              <a:rPr lang="fr-FR" sz="1600" b="1" dirty="0" err="1">
+            <a:pPr marL="457200" lvl="1" indent="0">
+              <a:buNone/>
+            </a:pPr>
+            <a:r>
+              <a:rPr lang="fr-FR" sz="1600" dirty="0" err="1">
                 <a:latin typeface="Candara" panose="020E0502030303020204" pitchFamily="34" charset="0"/>
               </a:rPr>
               <a:t>sudo</a:t>
             </a:r>
             <a:r>
-              <a:rPr lang="fr-FR" sz="1600" b="1" dirty="0">
+              <a:rPr lang="fr-FR" sz="1600" dirty="0">
                 <a:latin typeface="Candara" panose="020E0502030303020204" pitchFamily="34" charset="0"/>
               </a:rPr>
               <a:t> </a:t>
             </a:r>
             <a:r>
-              <a:rPr lang="fr-FR" sz="1600" b="1" dirty="0" err="1">
+              <a:rPr lang="fr-FR" sz="1600" dirty="0" err="1">
                 <a:latin typeface="Candara" panose="020E0502030303020204" pitchFamily="34" charset="0"/>
               </a:rPr>
               <a:t>usermod</a:t>
             </a:r>
             <a:r>
-              <a:rPr lang="fr-FR" sz="1600" b="1" dirty="0">
+              <a:rPr lang="fr-FR" sz="1600" dirty="0">
                 <a:latin typeface="Candara" panose="020E0502030303020204" pitchFamily="34" charset="0"/>
               </a:rPr>
               <a:t> -</a:t>
             </a:r>
             <a:r>
-              <a:rPr lang="fr-FR" sz="1600" b="1" dirty="0" err="1">
+              <a:rPr lang="fr-FR" sz="1600" dirty="0" err="1">
                 <a:latin typeface="Candara" panose="020E0502030303020204" pitchFamily="34" charset="0"/>
               </a:rPr>
               <a:t>aG</a:t>
             </a:r>
             <a:r>
-              <a:rPr lang="fr-FR" sz="1600" b="1" dirty="0">
+              <a:rPr lang="fr-FR" sz="1600" dirty="0">
                 <a:latin typeface="Candara" panose="020E0502030303020204" pitchFamily="34" charset="0"/>
               </a:rPr>
               <a:t> docker $USER &amp;&amp; </a:t>
             </a:r>
             <a:r>
-              <a:rPr lang="fr-FR" sz="1600" b="1" dirty="0" err="1">
+              <a:rPr lang="fr-FR" sz="1600" dirty="0" err="1">
                 <a:latin typeface="Candara" panose="020E0502030303020204" pitchFamily="34" charset="0"/>
               </a:rPr>
               <a:t>newgrp</a:t>
             </a:r>
             <a:r>
-              <a:rPr lang="fr-FR" sz="1600" b="1" dirty="0">
+              <a:rPr lang="fr-FR" sz="1600" dirty="0">
                 <a:latin typeface="Candara" panose="020E0502030303020204" pitchFamily="34" charset="0"/>
               </a:rPr>
               <a:t> docker</a:t>
             </a:r>
-            <a:endParaRPr lang="fr-FR" sz="1600" b="1" dirty="0" smtClean="0">
+            <a:endParaRPr lang="fr-FR" sz="1600" dirty="0" smtClean="0">
               <a:latin typeface="Candara" panose="020E0502030303020204" pitchFamily="34" charset="0"/>
             </a:endParaRPr>
           </a:p>
           <a:p>
-            <a:pPr lvl="1"/>
-            <a:r>
-              <a:rPr lang="fr-FR" sz="1600" b="1" dirty="0" err="1">
+            <a:pPr marL="457200" lvl="1" indent="0">
+              <a:buNone/>
+            </a:pPr>
+            <a:r>
+              <a:rPr lang="fr-FR" sz="1600" dirty="0" err="1">
                 <a:latin typeface="Candara" panose="020E0502030303020204" pitchFamily="34" charset="0"/>
               </a:rPr>
               <a:t>s</a:t>
             </a:r>
             <a:r>
-              <a:rPr lang="fr-FR" sz="1600" b="1" dirty="0" err="1" smtClean="0">
+              <a:rPr lang="fr-FR" sz="1600" dirty="0" err="1" smtClean="0">
                 <a:latin typeface="Candara" panose="020E0502030303020204" pitchFamily="34" charset="0"/>
               </a:rPr>
               <a:t>udo</a:t>
             </a:r>
             <a:r>
-              <a:rPr lang="fr-FR" sz="1600" b="1" dirty="0" smtClean="0">
+              <a:rPr lang="fr-FR" sz="1600" dirty="0" smtClean="0">
                 <a:latin typeface="Candara" panose="020E0502030303020204" pitchFamily="34" charset="0"/>
               </a:rPr>
               <a:t> minikube </a:t>
             </a:r>
             <a:r>
-              <a:rPr lang="fr-FR" sz="1600" b="1" dirty="0" err="1" smtClean="0">
+              <a:rPr lang="fr-FR" sz="1600" dirty="0" err="1" smtClean="0">
                 <a:latin typeface="Candara" panose="020E0502030303020204" pitchFamily="34" charset="0"/>
               </a:rPr>
               <a:t>start</a:t>
             </a:r>
             <a:r>
-              <a:rPr lang="fr-FR" sz="1600" b="1" dirty="0" smtClean="0">
+              <a:rPr lang="fr-FR" sz="1600" dirty="0" smtClean="0">
                 <a:latin typeface="Candara" panose="020E0502030303020204" pitchFamily="34" charset="0"/>
               </a:rPr>
               <a:t>  --driver=docker</a:t>
@@ -8275,29 +9744,49 @@
               <a:rPr lang="fr-FR" sz="1800" b="1" dirty="0" smtClean="0">
                 <a:latin typeface="Candara" panose="020E0502030303020204" pitchFamily="34" charset="0"/>
               </a:rPr>
-              <a:t>Pour vérifier l'installation de Minicube</a:t>
-            </a:r>
-          </a:p>
-          <a:p>
-            <a:pPr lvl="1"/>
-            <a:r>
-              <a:rPr lang="fr-FR" sz="1400" b="1" dirty="0" smtClean="0">
+              <a:t>Pour vérifier l'installation de </a:t>
+            </a:r>
+            <a:r>
+              <a:rPr lang="fr-FR" sz="1800" b="1" dirty="0" err="1" smtClean="0">
                 <a:latin typeface="Candara" panose="020E0502030303020204" pitchFamily="34" charset="0"/>
               </a:rPr>
-              <a:t>minikube </a:t>
-            </a:r>
-            <a:r>
-              <a:rPr lang="fr-FR" sz="1400" b="1" dirty="0">
+              <a:t>Minicube</a:t>
+            </a:r>
+            <a:r>
+              <a:rPr lang="fr-FR" sz="1800" b="1" dirty="0">
                 <a:latin typeface="Candara" panose="020E0502030303020204" pitchFamily="34" charset="0"/>
               </a:rPr>
-              <a:t>version</a:t>
-            </a:r>
-            <a:endParaRPr lang="fr-FR" sz="1400" b="1" dirty="0" smtClean="0">
+              <a:t>:</a:t>
+            </a:r>
+            <a:endParaRPr lang="fr-FR" sz="1800" b="1" dirty="0" smtClean="0">
               <a:latin typeface="Candara" panose="020E0502030303020204" pitchFamily="34" charset="0"/>
             </a:endParaRPr>
           </a:p>
           <a:p>
-            <a:pPr marL="0" indent="0">
+            <a:pPr marL="457200" lvl="1" indent="0">
+              <a:buNone/>
+            </a:pPr>
+            <a:r>
+              <a:rPr lang="fr-FR" sz="1600" dirty="0" err="1" smtClean="0">
+                <a:latin typeface="Candara" panose="020E0502030303020204" pitchFamily="34" charset="0"/>
+              </a:rPr>
+              <a:t>minikube</a:t>
+            </a:r>
+            <a:r>
+              <a:rPr lang="fr-FR" sz="1600" dirty="0" smtClean="0">
+                <a:latin typeface="Candara" panose="020E0502030303020204" pitchFamily="34" charset="0"/>
+              </a:rPr>
+              <a:t> </a:t>
+            </a:r>
+            <a:r>
+              <a:rPr lang="fr-FR" sz="1600" dirty="0" smtClean="0">
+                <a:latin typeface="Candara" panose="020E0502030303020204" pitchFamily="34" charset="0"/>
+              </a:rPr>
+              <a:t>version</a:t>
+            </a:r>
+          </a:p>
+          <a:p>
+            <a:pPr marL="457200" lvl="1" indent="0">
               <a:buNone/>
             </a:pPr>
             <a:endParaRPr lang="fr-FR" sz="1800" b="1" dirty="0">
@@ -8312,95 +9801,102 @@
               <a:rPr lang="fr-FR" sz="1800" b="1" dirty="0" smtClean="0">
                 <a:latin typeface="Candara" panose="020E0502030303020204" pitchFamily="34" charset="0"/>
               </a:rPr>
-              <a:t>Il faut installer Kubectl en suite</a:t>
-            </a:r>
-          </a:p>
-          <a:p>
-            <a:pPr marL="0" indent="0">
-              <a:buNone/>
-            </a:pPr>
+              <a:t>Il faut installer Kubectl en </a:t>
+            </a:r>
+            <a:r>
+              <a:rPr lang="fr-FR" sz="1800" b="1" dirty="0" smtClean="0">
+                <a:latin typeface="Candara" panose="020E0502030303020204" pitchFamily="34" charset="0"/>
+              </a:rPr>
+              <a:t>suite:</a:t>
+            </a:r>
             <a:endParaRPr lang="fr-FR" sz="1800" b="1" dirty="0">
               <a:latin typeface="Candara" panose="020E0502030303020204" pitchFamily="34" charset="0"/>
             </a:endParaRPr>
           </a:p>
           <a:p>
-            <a:pPr lvl="1"/>
-            <a:r>
-              <a:rPr lang="fr-FR" sz="1400" b="1" dirty="0" err="1" smtClean="0">
+            <a:pPr marL="457200" lvl="1" indent="0">
+              <a:buNone/>
+            </a:pPr>
+            <a:r>
+              <a:rPr lang="fr-FR" sz="1600" dirty="0" err="1" smtClean="0">
                 <a:latin typeface="Candara" panose="020E0502030303020204" pitchFamily="34" charset="0"/>
               </a:rPr>
               <a:t>curl</a:t>
             </a:r>
             <a:r>
-              <a:rPr lang="fr-FR" sz="1400" b="1" dirty="0" smtClean="0">
+              <a:rPr lang="fr-FR" sz="1600" dirty="0" smtClean="0">
                 <a:latin typeface="Candara" panose="020E0502030303020204" pitchFamily="34" charset="0"/>
               </a:rPr>
               <a:t> -LO https://storage.googleapis.com/kubernetes-release/release/`curl -s https://storage.googleapis.com/kubernetes-release/release/stable.txt`/bin/linux/amd64/kubectl</a:t>
             </a:r>
           </a:p>
           <a:p>
-            <a:pPr lvl="1"/>
-            <a:r>
-              <a:rPr lang="fr-FR" sz="1400" b="1" dirty="0" smtClean="0">
+            <a:pPr marL="457200" lvl="1" indent="0">
+              <a:buNone/>
+            </a:pPr>
+            <a:r>
+              <a:rPr lang="fr-FR" sz="1600" dirty="0" smtClean="0">
                 <a:latin typeface="Candara" panose="020E0502030303020204" pitchFamily="34" charset="0"/>
               </a:rPr>
               <a:t>chmod +x </a:t>
             </a:r>
             <a:r>
-              <a:rPr lang="fr-FR" sz="1400" b="1" dirty="0" err="1" smtClean="0">
+              <a:rPr lang="fr-FR" sz="1600" dirty="0" err="1" smtClean="0">
                 <a:latin typeface="Candara" panose="020E0502030303020204" pitchFamily="34" charset="0"/>
               </a:rPr>
               <a:t>kubectl</a:t>
             </a:r>
-            <a:endParaRPr lang="fr-FR" sz="1400" b="1" dirty="0" smtClean="0">
+            <a:endParaRPr lang="fr-FR" sz="1600" dirty="0" smtClean="0">
               <a:latin typeface="Candara" panose="020E0502030303020204" pitchFamily="34" charset="0"/>
             </a:endParaRPr>
           </a:p>
           <a:p>
-            <a:pPr lvl="1"/>
-            <a:r>
-              <a:rPr lang="fr-FR" sz="1400" b="1" dirty="0" err="1" smtClean="0">
+            <a:pPr marL="457200" lvl="1" indent="0">
+              <a:buNone/>
+            </a:pPr>
+            <a:r>
+              <a:rPr lang="fr-FR" sz="1600" dirty="0" err="1" smtClean="0">
                 <a:latin typeface="Candara" panose="020E0502030303020204" pitchFamily="34" charset="0"/>
               </a:rPr>
               <a:t>sudo</a:t>
             </a:r>
             <a:r>
-              <a:rPr lang="fr-FR" sz="1400" b="1" dirty="0" smtClean="0">
+              <a:rPr lang="fr-FR" sz="1600" dirty="0" smtClean="0">
                 <a:latin typeface="Candara" panose="020E0502030303020204" pitchFamily="34" charset="0"/>
               </a:rPr>
               <a:t> </a:t>
             </a:r>
             <a:r>
-              <a:rPr lang="fr-FR" sz="1400" b="1" dirty="0">
+              <a:rPr lang="fr-FR" sz="1600" dirty="0">
                 <a:latin typeface="Candara" panose="020E0502030303020204" pitchFamily="34" charset="0"/>
               </a:rPr>
               <a:t>mv </a:t>
             </a:r>
             <a:r>
-              <a:rPr lang="fr-FR" sz="1400" b="1" dirty="0" err="1">
+              <a:rPr lang="fr-FR" sz="1600" dirty="0" err="1">
                 <a:latin typeface="Candara" panose="020E0502030303020204" pitchFamily="34" charset="0"/>
               </a:rPr>
               <a:t>kubectl</a:t>
             </a:r>
             <a:r>
-              <a:rPr lang="fr-FR" sz="1400" b="1" dirty="0">
+              <a:rPr lang="fr-FR" sz="1600" dirty="0">
                 <a:latin typeface="Candara" panose="020E0502030303020204" pitchFamily="34" charset="0"/>
               </a:rPr>
               <a:t> /</a:t>
             </a:r>
             <a:r>
-              <a:rPr lang="fr-FR" sz="1400" b="1" dirty="0" err="1">
+              <a:rPr lang="fr-FR" sz="1600" dirty="0" err="1">
                 <a:latin typeface="Candara" panose="020E0502030303020204" pitchFamily="34" charset="0"/>
               </a:rPr>
               <a:t>usr</a:t>
             </a:r>
             <a:r>
-              <a:rPr lang="fr-FR" sz="1400" b="1" dirty="0">
+              <a:rPr lang="fr-FR" sz="1600" dirty="0">
                 <a:latin typeface="Candara" panose="020E0502030303020204" pitchFamily="34" charset="0"/>
               </a:rPr>
               <a:t>/local/bin/</a:t>
             </a:r>
-            <a:endParaRPr lang="fr-FR" sz="1400" b="1" dirty="0" smtClean="0">
+            <a:endParaRPr lang="fr-FR" sz="1600" dirty="0" smtClean="0">
               <a:latin typeface="Candara" panose="020E0502030303020204" pitchFamily="34" charset="0"/>
             </a:endParaRPr>
           </a:p>
@@ -8485,7 +9981,7 @@
         <p:spPr>
           <a:xfrm>
             <a:off x="395536" y="764704"/>
-            <a:ext cx="8352928" cy="5544616"/>
+            <a:ext cx="8352928" cy="1728192"/>
           </a:xfrm>
         </p:spPr>
         <p:txBody>
@@ -8714,41 +10210,45 @@
             </a:r>
           </a:p>
           <a:p>
-            <a:pPr lvl="1"/>
-            <a:r>
-              <a:rPr lang="fr-FR" sz="1600" b="1" dirty="0" smtClean="0">
+            <a:pPr marL="457200" lvl="1" indent="0">
+              <a:buNone/>
+            </a:pPr>
+            <a:r>
+              <a:rPr lang="fr-FR" sz="1600" dirty="0" smtClean="0">
                 <a:latin typeface="Candara" panose="020E0502030303020204" pitchFamily="34" charset="0"/>
               </a:rPr>
               <a:t>minikube </a:t>
             </a:r>
             <a:r>
-              <a:rPr lang="fr-FR" sz="1600" b="1" dirty="0" err="1">
+              <a:rPr lang="fr-FR" sz="1600" dirty="0" err="1">
                 <a:latin typeface="Candara" panose="020E0502030303020204" pitchFamily="34" charset="0"/>
               </a:rPr>
               <a:t>start</a:t>
             </a:r>
             <a:r>
-              <a:rPr lang="fr-FR" sz="1600" b="1" dirty="0">
+              <a:rPr lang="fr-FR" sz="1600" dirty="0">
                 <a:latin typeface="Candara" panose="020E0502030303020204" pitchFamily="34" charset="0"/>
               </a:rPr>
               <a:t> --driver=docker</a:t>
             </a:r>
           </a:p>
           <a:p>
-            <a:pPr lvl="1"/>
-            <a:r>
-              <a:rPr lang="fr-FR" sz="1600" b="1" dirty="0">
+            <a:pPr marL="457200" lvl="1" indent="0">
+              <a:buNone/>
+            </a:pPr>
+            <a:r>
+              <a:rPr lang="fr-FR" sz="1600" dirty="0">
                 <a:latin typeface="Candara" panose="020E0502030303020204" pitchFamily="34" charset="0"/>
               </a:rPr>
               <a:t>minikube </a:t>
             </a:r>
             <a:r>
-              <a:rPr lang="fr-FR" sz="1600" b="1" dirty="0" err="1" smtClean="0">
+              <a:rPr lang="fr-FR" sz="1600" dirty="0" err="1" smtClean="0">
                 <a:latin typeface="Candara" panose="020E0502030303020204" pitchFamily="34" charset="0"/>
               </a:rPr>
               <a:t>status</a:t>
             </a:r>
-            <a:endParaRPr lang="fr-FR" sz="1600" b="1" dirty="0" smtClean="0">
+            <a:endParaRPr lang="fr-FR" sz="1600" dirty="0" smtClean="0">
               <a:latin typeface="Candara" panose="020E0502030303020204" pitchFamily="34" charset="0"/>
             </a:endParaRPr>
           </a:p>
@@ -8772,49 +10272,51 @@
             </a:r>
           </a:p>
           <a:p>
-            <a:pPr marL="0" lvl="1" indent="0">
+            <a:pPr marL="457200" lvl="2" indent="0">
               <a:buNone/>
             </a:pPr>
-            <a:endParaRPr lang="fr-FR" sz="1600" b="1" dirty="0">
-              <a:latin typeface="Candara" panose="020E0502030303020204" pitchFamily="34" charset="0"/>
-            </a:endParaRPr>
-          </a:p>
-          <a:p>
-            <a:pPr marL="742950" lvl="2" indent="-285750"/>
-            <a:r>
-              <a:rPr lang="en-US" sz="1600" b="1" dirty="0" err="1">
+            <a:r>
+              <a:rPr lang="en-US" sz="1600" dirty="0" err="1" smtClean="0">
                 <a:latin typeface="Candara" panose="020E0502030303020204" pitchFamily="34" charset="0"/>
               </a:rPr>
               <a:t>kubectl</a:t>
             </a:r>
             <a:r>
-              <a:rPr lang="en-US" sz="1600" b="1" dirty="0">
+              <a:rPr lang="en-US" sz="1600" dirty="0" smtClean="0">
                 <a:latin typeface="Candara" panose="020E0502030303020204" pitchFamily="34" charset="0"/>
               </a:rPr>
-              <a:t> cluster-info</a:t>
-            </a:r>
-          </a:p>
-          <a:p>
-            <a:pPr marL="742950" lvl="2" indent="-285750"/>
-            <a:r>
-              <a:rPr lang="en-US" sz="1600" b="1" dirty="0">
+              <a:t> </a:t>
+            </a:r>
+            <a:r>
+              <a:rPr lang="en-US" sz="1600" dirty="0">
                 <a:latin typeface="Candara" panose="020E0502030303020204" pitchFamily="34" charset="0"/>
               </a:rPr>
+              <a:t>cluster-info</a:t>
+            </a:r>
+          </a:p>
+          <a:p>
+            <a:pPr marL="457200" lvl="2" indent="0">
+              <a:buNone/>
+            </a:pPr>
+            <a:r>
+              <a:rPr lang="en-US" sz="1600" dirty="0">
+                <a:latin typeface="Candara" panose="020E0502030303020204" pitchFamily="34" charset="0"/>
+              </a:rPr>
               <a:t> </a:t>
             </a:r>
             <a:r>
-              <a:rPr lang="en-US" sz="1600" b="1" dirty="0" err="1">
+              <a:rPr lang="en-US" sz="1600" dirty="0" err="1">
                 <a:latin typeface="Candara" panose="020E0502030303020204" pitchFamily="34" charset="0"/>
               </a:rPr>
               <a:t>kubectl</a:t>
             </a:r>
             <a:r>
-              <a:rPr lang="en-US" sz="1600" b="1" dirty="0">
+              <a:rPr lang="en-US" sz="1600" dirty="0">
                 <a:latin typeface="Candara" panose="020E0502030303020204" pitchFamily="34" charset="0"/>
               </a:rPr>
               <a:t> get all</a:t>
             </a:r>
-            <a:endParaRPr lang="fr-FR" sz="1600" b="1" dirty="0" smtClean="0">
+            <a:endParaRPr lang="fr-FR" sz="1600" dirty="0" smtClean="0">
               <a:latin typeface="Candara" panose="020E0502030303020204" pitchFamily="34" charset="0"/>
             </a:endParaRPr>
           </a:p>
@@ -8841,244 +10343,260 @@
             </a:endParaRPr>
           </a:p>
           <a:p>
-            <a:pPr marL="628650" lvl="2" indent="-171450"/>
-            <a:r>
-              <a:rPr lang="fr-FR" sz="1600" b="1" dirty="0" err="1">
-                <a:latin typeface="Candara" panose="020E0502030303020204" pitchFamily="34" charset="0"/>
-              </a:rPr>
-              <a:t>kubectl</a:t>
-            </a:r>
-            <a:r>
-              <a:rPr lang="fr-FR" sz="1600" b="1" dirty="0">
-                <a:latin typeface="Candara" panose="020E0502030303020204" pitchFamily="34" charset="0"/>
-              </a:rPr>
-              <a:t> </a:t>
-            </a:r>
-            <a:r>
-              <a:rPr lang="fr-FR" sz="1600" b="1" dirty="0" err="1">
-                <a:latin typeface="Candara" panose="020E0502030303020204" pitchFamily="34" charset="0"/>
-              </a:rPr>
-              <a:t>create</a:t>
-            </a:r>
-            <a:r>
-              <a:rPr lang="fr-FR" sz="1600" b="1" dirty="0">
-                <a:latin typeface="Candara" panose="020E0502030303020204" pitchFamily="34" charset="0"/>
-              </a:rPr>
-              <a:t> </a:t>
-            </a:r>
-            <a:r>
-              <a:rPr lang="fr-FR" sz="1600" b="1" dirty="0" err="1">
-                <a:latin typeface="Candara" panose="020E0502030303020204" pitchFamily="34" charset="0"/>
-              </a:rPr>
-              <a:t>deployment</a:t>
-            </a:r>
-            <a:r>
-              <a:rPr lang="fr-FR" sz="1600" b="1" dirty="0">
-                <a:latin typeface="Candara" panose="020E0502030303020204" pitchFamily="34" charset="0"/>
-              </a:rPr>
-              <a:t> </a:t>
-            </a:r>
-            <a:r>
-              <a:rPr lang="fr-FR" sz="1600" b="1" dirty="0" err="1">
-                <a:latin typeface="Candara" panose="020E0502030303020204" pitchFamily="34" charset="0"/>
-              </a:rPr>
-              <a:t>nginx</a:t>
-            </a:r>
-            <a:r>
-              <a:rPr lang="fr-FR" sz="1600" b="1" dirty="0">
-                <a:latin typeface="Candara" panose="020E0502030303020204" pitchFamily="34" charset="0"/>
-              </a:rPr>
-              <a:t>-web --image=</a:t>
-            </a:r>
-            <a:r>
-              <a:rPr lang="fr-FR" sz="1600" b="1" dirty="0" err="1">
-                <a:latin typeface="Candara" panose="020E0502030303020204" pitchFamily="34" charset="0"/>
-              </a:rPr>
-              <a:t>nginx</a:t>
-            </a:r>
-            <a:endParaRPr lang="fr-FR" sz="1600" b="1" dirty="0">
-              <a:latin typeface="Candara" panose="020E0502030303020204" pitchFamily="34" charset="0"/>
-            </a:endParaRPr>
-          </a:p>
-          <a:p>
-            <a:pPr marL="628650" lvl="2" indent="-171450"/>
-            <a:r>
-              <a:rPr lang="fr-FR" sz="1600" b="1" dirty="0" err="1">
-                <a:latin typeface="Candara" panose="020E0502030303020204" pitchFamily="34" charset="0"/>
-              </a:rPr>
-              <a:t>kubectl</a:t>
-            </a:r>
-            <a:r>
-              <a:rPr lang="fr-FR" sz="1600" b="1" dirty="0">
-                <a:latin typeface="Candara" panose="020E0502030303020204" pitchFamily="34" charset="0"/>
-              </a:rPr>
-              <a:t> expose </a:t>
-            </a:r>
-            <a:r>
-              <a:rPr lang="fr-FR" sz="1600" b="1" dirty="0" err="1">
-                <a:latin typeface="Candara" panose="020E0502030303020204" pitchFamily="34" charset="0"/>
-              </a:rPr>
-              <a:t>deployment</a:t>
-            </a:r>
-            <a:r>
-              <a:rPr lang="fr-FR" sz="1600" b="1" dirty="0">
-                <a:latin typeface="Candara" panose="020E0502030303020204" pitchFamily="34" charset="0"/>
-              </a:rPr>
-              <a:t> </a:t>
-            </a:r>
-            <a:r>
-              <a:rPr lang="fr-FR" sz="1600" b="1" dirty="0" err="1">
-                <a:latin typeface="Candara" panose="020E0502030303020204" pitchFamily="34" charset="0"/>
-              </a:rPr>
-              <a:t>nginx</a:t>
-            </a:r>
-            <a:r>
-              <a:rPr lang="fr-FR" sz="1600" b="1" dirty="0">
-                <a:latin typeface="Candara" panose="020E0502030303020204" pitchFamily="34" charset="0"/>
-              </a:rPr>
-              <a:t>-web --type </a:t>
-            </a:r>
-            <a:r>
-              <a:rPr lang="fr-FR" sz="1600" b="1" dirty="0" err="1">
-                <a:latin typeface="Candara" panose="020E0502030303020204" pitchFamily="34" charset="0"/>
-              </a:rPr>
-              <a:t>NodePort</a:t>
-            </a:r>
-            <a:r>
-              <a:rPr lang="fr-FR" sz="1600" b="1" dirty="0">
-                <a:latin typeface="Candara" panose="020E0502030303020204" pitchFamily="34" charset="0"/>
-              </a:rPr>
-              <a:t> --</a:t>
-            </a:r>
-            <a:r>
-              <a:rPr lang="fr-FR" sz="1600" b="1" dirty="0" smtClean="0">
-                <a:latin typeface="Candara" panose="020E0502030303020204" pitchFamily="34" charset="0"/>
-              </a:rPr>
-              <a:t>port=8080</a:t>
-            </a:r>
-          </a:p>
-          <a:p>
-            <a:pPr marL="628650" lvl="2" indent="-171450"/>
-            <a:r>
-              <a:rPr lang="en-US" sz="1600" b="1" dirty="0" err="1">
-                <a:latin typeface="Candara" panose="020E0502030303020204" pitchFamily="34" charset="0"/>
-              </a:rPr>
-              <a:t>kubectl</a:t>
-            </a:r>
-            <a:r>
-              <a:rPr lang="en-US" sz="1600" b="1" dirty="0">
-                <a:latin typeface="Candara" panose="020E0502030303020204" pitchFamily="34" charset="0"/>
-              </a:rPr>
-              <a:t> get </a:t>
-            </a:r>
-            <a:r>
-              <a:rPr lang="en-US" sz="1600" b="1" dirty="0" smtClean="0">
-                <a:latin typeface="Candara" panose="020E0502030303020204" pitchFamily="34" charset="0"/>
-              </a:rPr>
-              <a:t>all</a:t>
-            </a:r>
-          </a:p>
-          <a:p>
-            <a:pPr marL="628650" lvl="2" indent="-171450"/>
-            <a:r>
-              <a:rPr lang="en-US" sz="1600" b="1" dirty="0" err="1" smtClean="0">
-                <a:latin typeface="Candara" panose="020E0502030303020204" pitchFamily="34" charset="0"/>
-              </a:rPr>
-              <a:t>docker</a:t>
-            </a:r>
-            <a:r>
-              <a:rPr lang="en-US" sz="1600" b="1" dirty="0" smtClean="0">
-                <a:latin typeface="Candara" panose="020E0502030303020204" pitchFamily="34" charset="0"/>
-              </a:rPr>
-              <a:t> </a:t>
-            </a:r>
-            <a:r>
-              <a:rPr lang="en-US" sz="1600" b="1" dirty="0" err="1" smtClean="0">
-                <a:latin typeface="Candara" panose="020E0502030303020204" pitchFamily="34" charset="0"/>
-              </a:rPr>
-              <a:t>ps</a:t>
-            </a:r>
-            <a:endParaRPr lang="en-US" sz="1600" b="1" dirty="0" smtClean="0">
-              <a:latin typeface="Candara" panose="020E0502030303020204" pitchFamily="34" charset="0"/>
-            </a:endParaRPr>
-          </a:p>
-          <a:p>
-            <a:pPr marL="628650" lvl="2" indent="-171450"/>
-            <a:r>
-              <a:rPr lang="en-US" sz="1600" b="1" dirty="0" smtClean="0">
-                <a:latin typeface="Candara" panose="020E0502030303020204" pitchFamily="34" charset="0"/>
-              </a:rPr>
-              <a:t>Curl @IP</a:t>
-            </a:r>
-          </a:p>
-          <a:p>
-            <a:pPr marL="628650" lvl="2" indent="-171450"/>
-            <a:r>
-              <a:rPr lang="en-US" sz="1600" b="1" dirty="0" err="1">
-                <a:latin typeface="Candara" panose="020E0502030303020204" pitchFamily="34" charset="0"/>
-              </a:rPr>
-              <a:t>kubectl</a:t>
-            </a:r>
-            <a:r>
-              <a:rPr lang="en-US" sz="1600" b="1" dirty="0">
-                <a:latin typeface="Candara" panose="020E0502030303020204" pitchFamily="34" charset="0"/>
-              </a:rPr>
-              <a:t> scale deployment </a:t>
-            </a:r>
-            <a:r>
-              <a:rPr lang="en-US" sz="1600" b="1" dirty="0" err="1" smtClean="0">
-                <a:latin typeface="Candara" panose="020E0502030303020204" pitchFamily="34" charset="0"/>
-              </a:rPr>
-              <a:t>nginx</a:t>
-            </a:r>
-            <a:r>
-              <a:rPr lang="en-US" sz="1600" b="1" dirty="0" smtClean="0">
-                <a:latin typeface="Candara" panose="020E0502030303020204" pitchFamily="34" charset="0"/>
-              </a:rPr>
-              <a:t>-web </a:t>
-            </a:r>
-            <a:r>
-              <a:rPr lang="en-US" sz="1600" b="1" dirty="0">
-                <a:latin typeface="Candara" panose="020E0502030303020204" pitchFamily="34" charset="0"/>
-              </a:rPr>
-              <a:t>--</a:t>
-            </a:r>
-            <a:r>
-              <a:rPr lang="en-US" sz="1600" b="1" dirty="0" smtClean="0">
-                <a:latin typeface="Candara" panose="020E0502030303020204" pitchFamily="34" charset="0"/>
-              </a:rPr>
-              <a:t>replicas=3</a:t>
-            </a:r>
-          </a:p>
-          <a:p>
-            <a:pPr marL="628650" lvl="2" indent="-171450"/>
-            <a:r>
-              <a:rPr lang="en-US" sz="1600" b="1" dirty="0" smtClean="0">
-                <a:latin typeface="Candara" panose="020E0502030303020204" pitchFamily="34" charset="0"/>
-              </a:rPr>
-              <a:t>Minikube dashboard</a:t>
-            </a:r>
-          </a:p>
-          <a:p>
-            <a:pPr marL="628650" lvl="2" indent="-171450"/>
-            <a:r>
-              <a:rPr lang="en-US" sz="1600" b="1" dirty="0" err="1">
-                <a:latin typeface="Candara" panose="020E0502030303020204" pitchFamily="34" charset="0"/>
-              </a:rPr>
-              <a:t>kubectl</a:t>
-            </a:r>
-            <a:r>
-              <a:rPr lang="en-US" sz="1600" b="1" dirty="0">
-                <a:latin typeface="Candara" panose="020E0502030303020204" pitchFamily="34" charset="0"/>
-              </a:rPr>
-              <a:t> delete deployment --all</a:t>
-            </a:r>
-          </a:p>
-          <a:p>
             <a:pPr marL="457200" lvl="2" indent="0">
               <a:buNone/>
             </a:pPr>
-            <a:endParaRPr lang="en-US" sz="1600" b="1" dirty="0" smtClean="0">
+            <a:r>
+              <a:rPr lang="fr-FR" sz="1600" dirty="0" err="1">
+                <a:latin typeface="Candara" panose="020E0502030303020204" pitchFamily="34" charset="0"/>
+              </a:rPr>
+              <a:t>kubectl</a:t>
+            </a:r>
+            <a:r>
+              <a:rPr lang="fr-FR" sz="1600" dirty="0">
+                <a:latin typeface="Candara" panose="020E0502030303020204" pitchFamily="34" charset="0"/>
+              </a:rPr>
+              <a:t> </a:t>
+            </a:r>
+            <a:r>
+              <a:rPr lang="fr-FR" sz="1600" dirty="0" err="1">
+                <a:latin typeface="Candara" panose="020E0502030303020204" pitchFamily="34" charset="0"/>
+              </a:rPr>
+              <a:t>create</a:t>
+            </a:r>
+            <a:r>
+              <a:rPr lang="fr-FR" sz="1600" dirty="0">
+                <a:latin typeface="Candara" panose="020E0502030303020204" pitchFamily="34" charset="0"/>
+              </a:rPr>
+              <a:t> </a:t>
+            </a:r>
+            <a:r>
+              <a:rPr lang="fr-FR" sz="1600" dirty="0" err="1">
+                <a:latin typeface="Candara" panose="020E0502030303020204" pitchFamily="34" charset="0"/>
+              </a:rPr>
+              <a:t>deployment</a:t>
+            </a:r>
+            <a:r>
+              <a:rPr lang="fr-FR" sz="1600" dirty="0">
+                <a:latin typeface="Candara" panose="020E0502030303020204" pitchFamily="34" charset="0"/>
+              </a:rPr>
+              <a:t> </a:t>
+            </a:r>
+            <a:r>
+              <a:rPr lang="fr-FR" sz="1600" dirty="0" err="1">
+                <a:latin typeface="Candara" panose="020E0502030303020204" pitchFamily="34" charset="0"/>
+              </a:rPr>
+              <a:t>nginx</a:t>
+            </a:r>
+            <a:r>
+              <a:rPr lang="fr-FR" sz="1600" dirty="0">
+                <a:latin typeface="Candara" panose="020E0502030303020204" pitchFamily="34" charset="0"/>
+              </a:rPr>
+              <a:t>-web --image=</a:t>
+            </a:r>
+            <a:r>
+              <a:rPr lang="fr-FR" sz="1600" dirty="0" err="1">
+                <a:latin typeface="Candara" panose="020E0502030303020204" pitchFamily="34" charset="0"/>
+              </a:rPr>
+              <a:t>nginx</a:t>
+            </a:r>
+            <a:endParaRPr lang="fr-FR" sz="1600" dirty="0">
+              <a:latin typeface="Candara" panose="020E0502030303020204" pitchFamily="34" charset="0"/>
+            </a:endParaRPr>
+          </a:p>
+          <a:p>
+            <a:pPr marL="457200" lvl="2" indent="0">
+              <a:buNone/>
+            </a:pPr>
+            <a:r>
+              <a:rPr lang="fr-FR" sz="1600" dirty="0" err="1">
+                <a:latin typeface="Candara" panose="020E0502030303020204" pitchFamily="34" charset="0"/>
+              </a:rPr>
+              <a:t>kubectl</a:t>
+            </a:r>
+            <a:r>
+              <a:rPr lang="fr-FR" sz="1600" dirty="0">
+                <a:latin typeface="Candara" panose="020E0502030303020204" pitchFamily="34" charset="0"/>
+              </a:rPr>
+              <a:t> expose </a:t>
+            </a:r>
+            <a:r>
+              <a:rPr lang="fr-FR" sz="1600" dirty="0" err="1">
+                <a:latin typeface="Candara" panose="020E0502030303020204" pitchFamily="34" charset="0"/>
+              </a:rPr>
+              <a:t>deployment</a:t>
+            </a:r>
+            <a:r>
+              <a:rPr lang="fr-FR" sz="1600" dirty="0">
+                <a:latin typeface="Candara" panose="020E0502030303020204" pitchFamily="34" charset="0"/>
+              </a:rPr>
+              <a:t> </a:t>
+            </a:r>
+            <a:r>
+              <a:rPr lang="fr-FR" sz="1600" dirty="0" err="1">
+                <a:latin typeface="Candara" panose="020E0502030303020204" pitchFamily="34" charset="0"/>
+              </a:rPr>
+              <a:t>nginx</a:t>
+            </a:r>
+            <a:r>
+              <a:rPr lang="fr-FR" sz="1600" dirty="0">
+                <a:latin typeface="Candara" panose="020E0502030303020204" pitchFamily="34" charset="0"/>
+              </a:rPr>
+              <a:t>-web --type </a:t>
+            </a:r>
+            <a:r>
+              <a:rPr lang="fr-FR" sz="1600" dirty="0" err="1">
+                <a:latin typeface="Candara" panose="020E0502030303020204" pitchFamily="34" charset="0"/>
+              </a:rPr>
+              <a:t>NodePort</a:t>
+            </a:r>
+            <a:r>
+              <a:rPr lang="fr-FR" sz="1600" dirty="0">
+                <a:latin typeface="Candara" panose="020E0502030303020204" pitchFamily="34" charset="0"/>
+              </a:rPr>
+              <a:t> --</a:t>
+            </a:r>
+            <a:r>
+              <a:rPr lang="fr-FR" sz="1600" dirty="0" smtClean="0">
+                <a:latin typeface="Candara" panose="020E0502030303020204" pitchFamily="34" charset="0"/>
+              </a:rPr>
+              <a:t>port=8080</a:t>
+            </a:r>
+          </a:p>
+          <a:p>
+            <a:pPr marL="457200" lvl="2" indent="0">
+              <a:buNone/>
+            </a:pPr>
+            <a:r>
+              <a:rPr lang="en-US" sz="1600" dirty="0" err="1">
+                <a:latin typeface="Candara" panose="020E0502030303020204" pitchFamily="34" charset="0"/>
+              </a:rPr>
+              <a:t>kubectl</a:t>
+            </a:r>
+            <a:r>
+              <a:rPr lang="en-US" sz="1600" dirty="0">
+                <a:latin typeface="Candara" panose="020E0502030303020204" pitchFamily="34" charset="0"/>
+              </a:rPr>
+              <a:t> get </a:t>
+            </a:r>
+            <a:r>
+              <a:rPr lang="en-US" sz="1600" dirty="0" smtClean="0">
+                <a:latin typeface="Candara" panose="020E0502030303020204" pitchFamily="34" charset="0"/>
+              </a:rPr>
+              <a:t>all</a:t>
+            </a:r>
+          </a:p>
+          <a:p>
+            <a:pPr marL="457200" lvl="2" indent="0">
+              <a:buNone/>
+            </a:pPr>
+            <a:r>
+              <a:rPr lang="en-US" sz="1600" dirty="0" err="1" smtClean="0">
+                <a:latin typeface="Candara" panose="020E0502030303020204" pitchFamily="34" charset="0"/>
+              </a:rPr>
+              <a:t>docker</a:t>
+            </a:r>
+            <a:r>
+              <a:rPr lang="en-US" sz="1600" dirty="0" smtClean="0">
+                <a:latin typeface="Candara" panose="020E0502030303020204" pitchFamily="34" charset="0"/>
+              </a:rPr>
+              <a:t> </a:t>
+            </a:r>
+            <a:r>
+              <a:rPr lang="en-US" sz="1600" dirty="0" err="1" smtClean="0">
+                <a:latin typeface="Candara" panose="020E0502030303020204" pitchFamily="34" charset="0"/>
+              </a:rPr>
+              <a:t>ps</a:t>
+            </a:r>
+            <a:endParaRPr lang="en-US" sz="1600" dirty="0" smtClean="0">
+              <a:latin typeface="Candara" panose="020E0502030303020204" pitchFamily="34" charset="0"/>
+            </a:endParaRPr>
+          </a:p>
+          <a:p>
+            <a:pPr marL="457200" lvl="2" indent="0">
+              <a:buNone/>
+            </a:pPr>
+            <a:r>
+              <a:rPr lang="en-US" sz="1600" dirty="0" smtClean="0">
+                <a:latin typeface="Candara" panose="020E0502030303020204" pitchFamily="34" charset="0"/>
+              </a:rPr>
+              <a:t>Curl @IP</a:t>
+            </a:r>
+          </a:p>
+          <a:p>
+            <a:pPr marL="457200" lvl="2" indent="0">
+              <a:buNone/>
+            </a:pPr>
+            <a:r>
+              <a:rPr lang="en-US" sz="1600" dirty="0" err="1">
+                <a:latin typeface="Candara" panose="020E0502030303020204" pitchFamily="34" charset="0"/>
+              </a:rPr>
+              <a:t>kubectl</a:t>
+            </a:r>
+            <a:r>
+              <a:rPr lang="en-US" sz="1600" dirty="0">
+                <a:latin typeface="Candara" panose="020E0502030303020204" pitchFamily="34" charset="0"/>
+              </a:rPr>
+              <a:t> scale deployment </a:t>
+            </a:r>
+            <a:r>
+              <a:rPr lang="en-US" sz="1600" dirty="0" err="1" smtClean="0">
+                <a:latin typeface="Candara" panose="020E0502030303020204" pitchFamily="34" charset="0"/>
+              </a:rPr>
+              <a:t>nginx</a:t>
+            </a:r>
+            <a:r>
+              <a:rPr lang="en-US" sz="1600" dirty="0" smtClean="0">
+                <a:latin typeface="Candara" panose="020E0502030303020204" pitchFamily="34" charset="0"/>
+              </a:rPr>
+              <a:t>-web </a:t>
+            </a:r>
+            <a:r>
+              <a:rPr lang="en-US" sz="1600" dirty="0">
+                <a:latin typeface="Candara" panose="020E0502030303020204" pitchFamily="34" charset="0"/>
+              </a:rPr>
+              <a:t>--</a:t>
+            </a:r>
+            <a:r>
+              <a:rPr lang="en-US" sz="1600" dirty="0" smtClean="0">
+                <a:latin typeface="Candara" panose="020E0502030303020204" pitchFamily="34" charset="0"/>
+              </a:rPr>
+              <a:t>replicas=3</a:t>
+            </a:r>
+          </a:p>
+          <a:p>
+            <a:pPr marL="457200" lvl="2" indent="0">
+              <a:buNone/>
+            </a:pPr>
+            <a:r>
+              <a:rPr lang="en-US" sz="1600" dirty="0" smtClean="0">
+                <a:latin typeface="Candara" panose="020E0502030303020204" pitchFamily="34" charset="0"/>
+              </a:rPr>
+              <a:t>Minikube dashboard</a:t>
+            </a:r>
+          </a:p>
+          <a:p>
+            <a:pPr marL="457200" lvl="2" indent="0">
+              <a:buNone/>
+            </a:pPr>
+            <a:r>
+              <a:rPr lang="en-US" sz="1600" dirty="0" err="1">
+                <a:latin typeface="Candara" panose="020E0502030303020204" pitchFamily="34" charset="0"/>
+              </a:rPr>
+              <a:t>kubectl</a:t>
+            </a:r>
+            <a:r>
+              <a:rPr lang="en-US" sz="1600" dirty="0">
+                <a:latin typeface="Candara" panose="020E0502030303020204" pitchFamily="34" charset="0"/>
+              </a:rPr>
+              <a:t> delete deployment --all</a:t>
+            </a:r>
+          </a:p>
+          <a:p>
+            <a:pPr marL="457200" lvl="2" indent="0">
+              <a:buNone/>
+            </a:pPr>
+            <a:endParaRPr lang="en-US" sz="1600" dirty="0" smtClean="0">
               <a:latin typeface="Candara" panose="020E0502030303020204" pitchFamily="34" charset="0"/>
             </a:endParaRPr>
           </a:p>
@@ -9107,7 +10625,7 @@
         <p:spPr>
           <a:xfrm>
             <a:off x="179512" y="116632"/>
-            <a:ext cx="2883353" cy="461665"/>
+            <a:ext cx="2606804" cy="461665"/>
           </a:xfrm>
           <a:prstGeom prst="rect">
             <a:avLst/>
@@ -9121,7 +10639,11 @@
           <a:p>
             <a:r>
               <a:rPr lang="fr-FR" sz="2400" b="1" i="1" dirty="0" smtClean="0"/>
-              <a:t>Installation Minicube</a:t>
+              <a:t>Initiation </a:t>
+            </a:r>
+            <a:r>
+              <a:rPr lang="fr-FR" sz="2400" b="1" i="1" dirty="0" smtClean="0"/>
+              <a:t>Minicube</a:t>
             </a:r>
             <a:endParaRPr lang="en-US" sz="2400" b="1" dirty="0"/>
           </a:p>
@@ -9243,7 +10765,7 @@
         <p:spPr>
           <a:xfrm>
             <a:off x="323528" y="548680"/>
-            <a:ext cx="3600400" cy="2217321"/>
+            <a:ext cx="3600400" cy="2610030"/>
           </a:xfrm>
         </p:spPr>
         <p:txBody>
@@ -9303,8 +10825,45 @@
           <a:p>
             <a:r>
               <a:rPr lang="fr-FR" sz="1200" dirty="0" smtClean="0"/>
-              <a:t>Un Pod est éphémère</a:t>
-            </a:r>
+              <a:t>Un Pod est </a:t>
+            </a:r>
+            <a:r>
+              <a:rPr lang="fr-FR" sz="1200" dirty="0" smtClean="0"/>
+              <a:t>éphémère</a:t>
+            </a:r>
+          </a:p>
+          <a:p>
+            <a:endParaRPr lang="fr-FR" sz="1200" dirty="0" smtClean="0"/>
+          </a:p>
+          <a:p>
+            <a:pPr marL="0" indent="0">
+              <a:buNone/>
+            </a:pPr>
+            <a:r>
+              <a:rPr lang="fr-FR" sz="1200" b="1" dirty="0"/>
+              <a:t>Pour créer un </a:t>
+            </a:r>
+            <a:r>
+              <a:rPr lang="fr-FR" sz="1200" b="1" dirty="0" err="1"/>
+              <a:t>Pod</a:t>
+            </a:r>
+            <a:r>
+              <a:rPr lang="fr-FR" sz="1200" b="1" dirty="0"/>
+              <a:t> avec une commande (</a:t>
+            </a:r>
+            <a:r>
+              <a:rPr lang="fr-FR" sz="1200" b="1" dirty="0" err="1"/>
+              <a:t>Imperative</a:t>
+            </a:r>
+            <a:r>
+              <a:rPr lang="fr-FR" sz="1200" b="1" dirty="0"/>
+              <a:t>):</a:t>
+            </a:r>
+          </a:p>
+          <a:p>
+            <a:pPr marL="0" indent="0">
+              <a:buNone/>
+            </a:pPr>
             <a:endParaRPr lang="fr-FR" sz="1200" dirty="0"/>
           </a:p>
           <a:p>
@@ -9348,150 +10907,13 @@
       </p:sp>
       <p:sp>
         <p:nvSpPr>
-          <p:cNvPr id="2" name="Rectangle 1"/>
-          <p:cNvSpPr/>
-          <p:nvPr/>
-        </p:nvSpPr>
-        <p:spPr>
-          <a:xfrm>
-            <a:off x="5868144" y="2636912"/>
-            <a:ext cx="1872208" cy="2246769"/>
-          </a:xfrm>
-          <a:prstGeom prst="rect">
-            <a:avLst/>
-          </a:prstGeom>
-        </p:spPr>
-        <p:txBody>
-          <a:bodyPr wrap="square">
-            <a:spAutoFit/>
-          </a:bodyPr>
-          <a:lstStyle/>
-          <a:p>
-            <a:r>
-              <a:rPr lang="fr-FR" sz="1400" dirty="0" err="1"/>
-              <a:t>apiVersion</a:t>
-            </a:r>
-            <a:r>
-              <a:rPr lang="fr-FR" sz="1400" dirty="0"/>
-              <a:t>: v1</a:t>
-            </a:r>
-          </a:p>
-          <a:p>
-            <a:r>
-              <a:rPr lang="fr-FR" sz="1400" dirty="0" err="1"/>
-              <a:t>kind</a:t>
-            </a:r>
-            <a:r>
-              <a:rPr lang="fr-FR" sz="1400" dirty="0"/>
-              <a:t>: Pod</a:t>
-            </a:r>
-          </a:p>
-          <a:p>
-            <a:r>
-              <a:rPr lang="fr-FR" sz="1400" dirty="0" err="1"/>
-              <a:t>metadata</a:t>
-            </a:r>
-            <a:r>
-              <a:rPr lang="fr-FR" sz="1400" dirty="0"/>
-              <a:t>:</a:t>
-            </a:r>
-          </a:p>
-          <a:p>
-            <a:r>
-              <a:rPr lang="fr-FR" sz="1400" dirty="0"/>
-              <a:t>  </a:t>
-            </a:r>
-            <a:r>
-              <a:rPr lang="fr-FR" sz="1400" dirty="0" err="1"/>
-              <a:t>name</a:t>
-            </a:r>
-            <a:r>
-              <a:rPr lang="fr-FR" sz="1400" dirty="0"/>
-              <a:t>: </a:t>
-            </a:r>
-            <a:r>
-              <a:rPr lang="fr-FR" sz="1400" dirty="0" err="1"/>
-              <a:t>nginx</a:t>
-            </a:r>
-            <a:endParaRPr lang="fr-FR" sz="1400" dirty="0"/>
-          </a:p>
-          <a:p>
-            <a:r>
-              <a:rPr lang="fr-FR" sz="1400" dirty="0" err="1"/>
-              <a:t>spec</a:t>
-            </a:r>
-            <a:r>
-              <a:rPr lang="fr-FR" sz="1400" dirty="0"/>
-              <a:t>:</a:t>
-            </a:r>
-          </a:p>
-          <a:p>
-            <a:r>
-              <a:rPr lang="fr-FR" sz="1400" dirty="0"/>
-              <a:t>  containers:</a:t>
-            </a:r>
-          </a:p>
-          <a:p>
-            <a:r>
-              <a:rPr lang="fr-FR" sz="1400" dirty="0"/>
-              <a:t>  - </a:t>
-            </a:r>
-            <a:r>
-              <a:rPr lang="fr-FR" sz="1400" dirty="0" err="1"/>
-              <a:t>name</a:t>
-            </a:r>
-            <a:r>
-              <a:rPr lang="fr-FR" sz="1400" dirty="0"/>
-              <a:t>: </a:t>
-            </a:r>
-            <a:r>
-              <a:rPr lang="fr-FR" sz="1400" dirty="0" err="1"/>
-              <a:t>nginx</a:t>
-            </a:r>
-            <a:endParaRPr lang="fr-FR" sz="1400" dirty="0"/>
-          </a:p>
-          <a:p>
-            <a:r>
-              <a:rPr lang="fr-FR" sz="1400" dirty="0"/>
-              <a:t>    image: </a:t>
-            </a:r>
-            <a:r>
-              <a:rPr lang="fr-FR" sz="1400" dirty="0" err="1" smtClean="0"/>
-              <a:t>nginx:latest</a:t>
-            </a:r>
-            <a:endParaRPr lang="fr-FR" sz="1400" dirty="0"/>
-          </a:p>
-          <a:p>
-            <a:r>
-              <a:rPr lang="fr-FR" sz="1400" dirty="0"/>
-              <a:t>    ports:</a:t>
-            </a:r>
-          </a:p>
-          <a:p>
-            <a:r>
-              <a:rPr lang="fr-FR" sz="1400" dirty="0"/>
-              <a:t>    - </a:t>
-            </a:r>
-            <a:r>
-              <a:rPr lang="fr-FR" sz="1400" dirty="0" err="1"/>
-              <a:t>containerPort</a:t>
-            </a:r>
-            <a:r>
-              <a:rPr lang="fr-FR" sz="1400" dirty="0"/>
-              <a:t>: 80</a:t>
-            </a:r>
-          </a:p>
-        </p:txBody>
-      </p:sp>
-      <p:sp>
-        <p:nvSpPr>
           <p:cNvPr id="5" name="Rectangle 4"/>
           <p:cNvSpPr/>
           <p:nvPr/>
         </p:nvSpPr>
         <p:spPr>
           <a:xfrm>
-            <a:off x="335960" y="3654316"/>
+            <a:off x="683568" y="3910460"/>
             <a:ext cx="4572000" cy="276999"/>
           </a:xfrm>
           <a:prstGeom prst="rect">
@@ -9540,8 +10962,8 @@
         </p:nvSpPr>
         <p:spPr>
           <a:xfrm>
-            <a:off x="335960" y="3369375"/>
-            <a:ext cx="4353115" cy="307777"/>
+            <a:off x="323528" y="3535289"/>
+            <a:ext cx="3760581" cy="276999"/>
           </a:xfrm>
           <a:prstGeom prst="rect">
             <a:avLst/>
@@ -9554,18 +10976,18 @@
           <a:lstStyle/>
           <a:p>
             <a:r>
-              <a:rPr lang="fr-FR" sz="1400" b="1" dirty="0" smtClean="0"/>
+              <a:rPr lang="fr-FR" sz="1200" b="1" dirty="0" smtClean="0"/>
               <a:t>Pour créer un Pod avec le fichier manifeste(</a:t>
             </a:r>
             <a:r>
-              <a:rPr lang="fr-FR" sz="1400" b="1" dirty="0" err="1" smtClean="0"/>
+              <a:rPr lang="fr-FR" sz="1200" b="1" dirty="0" err="1" smtClean="0"/>
               <a:t>Declarative</a:t>
             </a:r>
             <a:r>
-              <a:rPr lang="fr-FR" sz="1400" b="1" dirty="0" smtClean="0"/>
+              <a:rPr lang="fr-FR" sz="1200" b="1" dirty="0" smtClean="0"/>
               <a:t>):</a:t>
             </a:r>
-            <a:endParaRPr lang="fr-FR" sz="1400" b="1" dirty="0"/>
+            <a:endParaRPr lang="fr-FR" sz="1200" b="1" dirty="0"/>
           </a:p>
         </p:txBody>
       </p:sp>
@@ -9577,7 +10999,7 @@
         </p:nvSpPr>
         <p:spPr>
           <a:xfrm>
-            <a:off x="317893" y="3957855"/>
+            <a:off x="323528" y="4290288"/>
             <a:ext cx="3743141" cy="861774"/>
           </a:xfrm>
           <a:prstGeom prst="rect">
@@ -9591,7 +11013,7 @@
           <a:lstStyle/>
           <a:p>
             <a:r>
-              <a:rPr lang="fr-FR" sz="1400" b="1" dirty="0" smtClean="0"/>
+              <a:rPr lang="fr-FR" sz="1200" b="1" dirty="0" smtClean="0"/>
               <a:t>Pour  chercher des informations sur le Pod:</a:t>
             </a:r>
           </a:p>
@@ -9763,7 +11185,7 @@
         </p:nvSpPr>
         <p:spPr>
           <a:xfrm>
-            <a:off x="352520" y="3079106"/>
+            <a:off x="683568" y="3167785"/>
             <a:ext cx="4572000" cy="276999"/>
           </a:xfrm>
           <a:prstGeom prst="rect">
@@ -9801,43 +11223,6 @@
               <a:t>  --restart=Always</a:t>
             </a:r>
             <a:endParaRPr lang="fr-FR" sz="1200" dirty="0"/>
-          </a:p>
-        </p:txBody>
-      </p:sp>
-      <p:sp>
-        <p:nvSpPr>
-          <p:cNvPr id="12" name="Rectangle 11"/>
-          <p:cNvSpPr/>
-          <p:nvPr/>
-        </p:nvSpPr>
-        <p:spPr>
-          <a:xfrm>
-            <a:off x="352520" y="2805178"/>
-            <a:ext cx="4091826" cy="307777"/>
-          </a:xfrm>
-          <a:prstGeom prst="rect">
-            <a:avLst/>
-          </a:prstGeom>
-        </p:spPr>
-        <p:txBody>
-          <a:bodyPr wrap="none">
-            <a:spAutoFit/>
-          </a:bodyPr>
-          <a:lstStyle/>
-          <a:p>
-            <a:r>
-              <a:rPr lang="fr-FR" sz="1400" b="1" dirty="0" smtClean="0"/>
-              <a:t>Pour créer un Pod avec une commande (</a:t>
-            </a:r>
-            <a:r>
-              <a:rPr lang="fr-FR" sz="1400" b="1" dirty="0" err="1" smtClean="0"/>
-              <a:t>Imperative</a:t>
-            </a:r>
-            <a:r>
-              <a:rPr lang="fr-FR" sz="1400" b="1" dirty="0" smtClean="0"/>
-              <a:t>):</a:t>
-            </a:r>
-            <a:endParaRPr lang="fr-FR" sz="1400" b="1" dirty="0"/>
           </a:p>
         </p:txBody>
       </p:sp>
@@ -10003,8 +11388,8 @@
         </p:nvSpPr>
         <p:spPr>
           <a:xfrm>
-            <a:off x="179512" y="620688"/>
-            <a:ext cx="2952328" cy="1008112"/>
+            <a:off x="187086" y="516742"/>
+            <a:ext cx="7841298" cy="631935"/>
           </a:xfrm>
         </p:spPr>
         <p:txBody>
@@ -10017,43 +11402,43 @@
               <a:buNone/>
             </a:pPr>
             <a:r>
-              <a:rPr lang="fr-FR" sz="1200" b="1" dirty="0" smtClean="0">
+              <a:rPr lang="fr-FR" sz="1400" b="1" dirty="0" smtClean="0">
                 <a:latin typeface="+mj-lt"/>
               </a:rPr>
               <a:t>Deployment: </a:t>
             </a:r>
             <a:r>
-              <a:rPr lang="fr-FR" sz="1200" dirty="0" smtClean="0">
+              <a:rPr lang="fr-FR" sz="1400" dirty="0" smtClean="0">
                 <a:latin typeface="+mj-lt"/>
               </a:rPr>
               <a:t>C’est un élément qui représente un réplica de </a:t>
             </a:r>
             <a:r>
-              <a:rPr lang="fr-FR" sz="1200" dirty="0" err="1" smtClean="0">
+              <a:rPr lang="fr-FR" sz="1400" dirty="0" err="1" smtClean="0">
                 <a:latin typeface="+mj-lt"/>
               </a:rPr>
               <a:t>Pods</a:t>
             </a:r>
             <a:r>
-              <a:rPr lang="fr-FR" sz="1200" dirty="0">
+              <a:rPr lang="fr-FR" sz="1400" dirty="0">
                 <a:latin typeface="+mj-lt"/>
               </a:rPr>
               <a:t> </a:t>
             </a:r>
             <a:r>
-              <a:rPr lang="fr-FR" sz="1200" dirty="0" smtClean="0">
+              <a:rPr lang="fr-FR" sz="1400" dirty="0" smtClean="0">
                 <a:latin typeface="+mj-lt"/>
               </a:rPr>
               <a:t>qui représentent des applications </a:t>
             </a:r>
             <a:r>
-              <a:rPr lang="fr-FR" sz="1200" u="sng" dirty="0" smtClean="0">
+              <a:rPr lang="fr-FR" sz="1400" u="sng" dirty="0" smtClean="0">
                 <a:latin typeface="+mj-lt"/>
               </a:rPr>
               <a:t>sans état </a:t>
             </a:r>
             <a:r>
-              <a:rPr lang="fr-FR" sz="1200" dirty="0" smtClean="0">
+              <a:rPr lang="fr-FR" sz="1400" dirty="0" smtClean="0">
                 <a:latin typeface="+mj-lt"/>
               </a:rPr>
               <a:t>comme les applications front ends et les serveur web </a:t>
@@ -10092,14 +11477,361 @@
       </p:sp>
       <p:sp>
         <p:nvSpPr>
-          <p:cNvPr id="2" name="Rectangle 1"/>
+          <p:cNvPr id="6" name="Rectangle 5"/>
           <p:cNvSpPr/>
           <p:nvPr/>
         </p:nvSpPr>
         <p:spPr>
           <a:xfrm>
-            <a:off x="6012160" y="516742"/>
-            <a:ext cx="2664296" cy="4616648"/>
+            <a:off x="179512" y="2198049"/>
+            <a:ext cx="4572000" cy="523220"/>
+          </a:xfrm>
+          <a:prstGeom prst="rect">
+            <a:avLst/>
+          </a:prstGeom>
+        </p:spPr>
+        <p:txBody>
+          <a:bodyPr>
+            <a:spAutoFit/>
+          </a:bodyPr>
+          <a:lstStyle/>
+          <a:p>
+            <a:r>
+              <a:rPr lang="en-US" sz="1400" dirty="0" err="1"/>
+              <a:t>kubectl</a:t>
+            </a:r>
+            <a:r>
+              <a:rPr lang="en-US" sz="1400" dirty="0"/>
+              <a:t> </a:t>
+            </a:r>
+            <a:r>
+              <a:rPr lang="en-US" sz="1400" b="1" dirty="0" err="1" smtClean="0">
+                <a:solidFill>
+                  <a:srgbClr val="FF0000"/>
+                </a:solidFill>
+              </a:rPr>
+              <a:t>create|apply</a:t>
+            </a:r>
+            <a:r>
+              <a:rPr lang="en-US" sz="1400" dirty="0" smtClean="0"/>
+              <a:t> </a:t>
+            </a:r>
+            <a:r>
+              <a:rPr lang="en-US" sz="1400" dirty="0"/>
+              <a:t>-f https://k8s.io/examples/controllers/nginx-deployment.yaml</a:t>
+            </a:r>
+            <a:endParaRPr lang="fr-FR" sz="1050" dirty="0"/>
+          </a:p>
+        </p:txBody>
+      </p:sp>
+      <p:sp>
+        <p:nvSpPr>
+          <p:cNvPr id="7" name="Rectangle 6"/>
+          <p:cNvSpPr/>
+          <p:nvPr/>
+        </p:nvSpPr>
+        <p:spPr>
+          <a:xfrm>
+            <a:off x="170089" y="1867276"/>
+            <a:ext cx="5675080" cy="338554"/>
+          </a:xfrm>
+          <a:prstGeom prst="rect">
+            <a:avLst/>
+          </a:prstGeom>
+        </p:spPr>
+        <p:txBody>
+          <a:bodyPr wrap="none">
+            <a:spAutoFit/>
+          </a:bodyPr>
+          <a:lstStyle/>
+          <a:p>
+            <a:r>
+              <a:rPr lang="fr-FR" sz="1600" b="1" dirty="0" smtClean="0"/>
+              <a:t>Pour créer un </a:t>
+            </a:r>
+            <a:r>
+              <a:rPr lang="fr-FR" sz="1600" b="1" dirty="0"/>
+              <a:t>Deployment</a:t>
+            </a:r>
+            <a:r>
+              <a:rPr lang="fr-FR" sz="1600" b="1" dirty="0" smtClean="0"/>
+              <a:t> avec le fichier manifeste(</a:t>
+            </a:r>
+            <a:r>
+              <a:rPr lang="fr-FR" sz="1600" b="1" dirty="0" err="1" smtClean="0"/>
+              <a:t>Declarative</a:t>
+            </a:r>
+            <a:r>
+              <a:rPr lang="fr-FR" sz="1600" b="1" dirty="0" smtClean="0"/>
+              <a:t>):</a:t>
+            </a:r>
+            <a:endParaRPr lang="fr-FR" sz="1600" b="1" dirty="0"/>
+          </a:p>
+        </p:txBody>
+      </p:sp>
+      <p:sp>
+        <p:nvSpPr>
+          <p:cNvPr id="8" name="Rectangle 7"/>
+          <p:cNvSpPr/>
+          <p:nvPr/>
+        </p:nvSpPr>
+        <p:spPr>
+          <a:xfrm>
+            <a:off x="179512" y="1567281"/>
+            <a:ext cx="4572000" cy="307777"/>
+          </a:xfrm>
+          <a:prstGeom prst="rect">
+            <a:avLst/>
+          </a:prstGeom>
+        </p:spPr>
+        <p:txBody>
+          <a:bodyPr>
+            <a:spAutoFit/>
+          </a:bodyPr>
+          <a:lstStyle/>
+          <a:p>
+            <a:pPr marL="0" lvl="2"/>
+            <a:r>
+              <a:rPr lang="fr-FR" sz="1400" dirty="0" err="1">
+                <a:latin typeface="Candara" panose="020E0502030303020204" pitchFamily="34" charset="0"/>
+              </a:rPr>
+              <a:t>kubectl</a:t>
+            </a:r>
+            <a:r>
+              <a:rPr lang="fr-FR" sz="1400" dirty="0">
+                <a:latin typeface="Candara" panose="020E0502030303020204" pitchFamily="34" charset="0"/>
+              </a:rPr>
+              <a:t> </a:t>
+            </a:r>
+            <a:r>
+              <a:rPr lang="fr-FR" sz="1400" dirty="0" err="1">
+                <a:latin typeface="Candara" panose="020E0502030303020204" pitchFamily="34" charset="0"/>
+              </a:rPr>
+              <a:t>create</a:t>
+            </a:r>
+            <a:r>
+              <a:rPr lang="fr-FR" sz="1400" dirty="0">
+                <a:latin typeface="Candara" panose="020E0502030303020204" pitchFamily="34" charset="0"/>
+              </a:rPr>
+              <a:t> </a:t>
+            </a:r>
+            <a:r>
+              <a:rPr lang="fr-FR" sz="1400" dirty="0" err="1">
+                <a:latin typeface="Candara" panose="020E0502030303020204" pitchFamily="34" charset="0"/>
+              </a:rPr>
+              <a:t>deployment</a:t>
+            </a:r>
+            <a:r>
+              <a:rPr lang="fr-FR" sz="1400" dirty="0">
+                <a:latin typeface="Candara" panose="020E0502030303020204" pitchFamily="34" charset="0"/>
+              </a:rPr>
+              <a:t> </a:t>
+            </a:r>
+            <a:r>
+              <a:rPr lang="fr-FR" sz="1400" dirty="0" err="1">
+                <a:latin typeface="Candara" panose="020E0502030303020204" pitchFamily="34" charset="0"/>
+              </a:rPr>
+              <a:t>nginx</a:t>
+            </a:r>
+            <a:r>
+              <a:rPr lang="fr-FR" sz="1400" dirty="0">
+                <a:latin typeface="Candara" panose="020E0502030303020204" pitchFamily="34" charset="0"/>
+              </a:rPr>
+              <a:t>-web --image=</a:t>
+            </a:r>
+            <a:r>
+              <a:rPr lang="fr-FR" sz="1400" dirty="0" err="1">
+                <a:latin typeface="Candara" panose="020E0502030303020204" pitchFamily="34" charset="0"/>
+              </a:rPr>
+              <a:t>nginx</a:t>
+            </a:r>
+            <a:endParaRPr lang="fr-FR" sz="1400" dirty="0">
+              <a:latin typeface="Candara" panose="020E0502030303020204" pitchFamily="34" charset="0"/>
+            </a:endParaRPr>
+          </a:p>
+        </p:txBody>
+      </p:sp>
+      <p:sp>
+        <p:nvSpPr>
+          <p:cNvPr id="9" name="Rectangle 8"/>
+          <p:cNvSpPr/>
+          <p:nvPr/>
+        </p:nvSpPr>
+        <p:spPr>
+          <a:xfrm>
+            <a:off x="179512" y="1268760"/>
+            <a:ext cx="5384294" cy="338554"/>
+          </a:xfrm>
+          <a:prstGeom prst="rect">
+            <a:avLst/>
+          </a:prstGeom>
+        </p:spPr>
+        <p:txBody>
+          <a:bodyPr wrap="none">
+            <a:spAutoFit/>
+          </a:bodyPr>
+          <a:lstStyle/>
+          <a:p>
+            <a:r>
+              <a:rPr lang="fr-FR" sz="1600" b="1" dirty="0" smtClean="0"/>
+              <a:t>Pour créer un Deployment avec une commande (</a:t>
+            </a:r>
+            <a:r>
+              <a:rPr lang="fr-FR" sz="1600" b="1" dirty="0" err="1" smtClean="0"/>
+              <a:t>Imperative</a:t>
+            </a:r>
+            <a:r>
+              <a:rPr lang="fr-FR" sz="1600" b="1" dirty="0" smtClean="0"/>
+              <a:t>):</a:t>
+            </a:r>
+            <a:endParaRPr lang="fr-FR" sz="1600" b="1" dirty="0"/>
+          </a:p>
+        </p:txBody>
+      </p:sp>
+      <p:sp>
+        <p:nvSpPr>
+          <p:cNvPr id="10" name="Rectangle 9"/>
+          <p:cNvSpPr/>
+          <p:nvPr/>
+        </p:nvSpPr>
+        <p:spPr>
+          <a:xfrm>
+            <a:off x="170089" y="2659714"/>
+            <a:ext cx="4463658" cy="276999"/>
+          </a:xfrm>
+          <a:prstGeom prst="rect">
+            <a:avLst/>
+          </a:prstGeom>
+        </p:spPr>
+        <p:txBody>
+          <a:bodyPr wrap="none">
+            <a:spAutoFit/>
+          </a:bodyPr>
+          <a:lstStyle/>
+          <a:p>
+            <a:r>
+              <a:rPr lang="fr-FR" sz="1200" b="1" dirty="0" smtClean="0"/>
+              <a:t>Note: </a:t>
+            </a:r>
+            <a:r>
+              <a:rPr lang="fr-FR" sz="1200" dirty="0" smtClean="0"/>
+              <a:t>La création du Deployment va générer un ReplicaSet et un Pod</a:t>
+            </a:r>
+            <a:endParaRPr lang="fr-FR" sz="1200" dirty="0"/>
+          </a:p>
+        </p:txBody>
+      </p:sp>
+      <p:sp>
+        <p:nvSpPr>
+          <p:cNvPr id="12" name="Rectangle 11"/>
+          <p:cNvSpPr/>
+          <p:nvPr/>
+        </p:nvSpPr>
+        <p:spPr>
+          <a:xfrm>
+            <a:off x="170089" y="3056796"/>
+            <a:ext cx="4731360" cy="769441"/>
+          </a:xfrm>
+          <a:prstGeom prst="rect">
+            <a:avLst/>
+          </a:prstGeom>
+        </p:spPr>
+        <p:txBody>
+          <a:bodyPr wrap="none">
+            <a:spAutoFit/>
+          </a:bodyPr>
+          <a:lstStyle/>
+          <a:p>
+            <a:r>
+              <a:rPr lang="fr-FR" sz="1600" b="1" dirty="0" smtClean="0"/>
+              <a:t>Pour  chercher des informations sur les Deployments:</a:t>
+            </a:r>
+          </a:p>
+          <a:p>
+            <a:r>
+              <a:rPr lang="fr-FR" sz="1400" dirty="0" err="1" smtClean="0"/>
+              <a:t>kubectl</a:t>
+            </a:r>
+            <a:r>
+              <a:rPr lang="fr-FR" sz="1400" dirty="0" smtClean="0"/>
+              <a:t> </a:t>
+            </a:r>
+            <a:r>
+              <a:rPr lang="fr-FR" sz="1400" dirty="0" err="1"/>
+              <a:t>get</a:t>
+            </a:r>
+            <a:r>
+              <a:rPr lang="fr-FR" sz="1400" dirty="0"/>
+              <a:t> </a:t>
+            </a:r>
+            <a:r>
+              <a:rPr lang="fr-FR" sz="1400" dirty="0" err="1" smtClean="0"/>
+              <a:t>deployements</a:t>
+            </a:r>
+            <a:r>
+              <a:rPr lang="fr-FR" sz="1400" dirty="0" smtClean="0"/>
+              <a:t> | </a:t>
+            </a:r>
+            <a:r>
+              <a:rPr lang="fr-FR" sz="1400" dirty="0" err="1" smtClean="0"/>
+              <a:t>deploy</a:t>
+            </a:r>
+            <a:endParaRPr lang="fr-FR" sz="1400" dirty="0" smtClean="0"/>
+          </a:p>
+          <a:p>
+            <a:r>
+              <a:rPr lang="fr-FR" sz="1400" dirty="0" err="1" smtClean="0"/>
+              <a:t>kubectl</a:t>
+            </a:r>
+            <a:r>
+              <a:rPr lang="fr-FR" sz="1400" dirty="0" smtClean="0"/>
+              <a:t>  </a:t>
+            </a:r>
+            <a:r>
+              <a:rPr lang="fr-FR" sz="1400" dirty="0" err="1" smtClean="0"/>
+              <a:t>describe</a:t>
+            </a:r>
+            <a:r>
+              <a:rPr lang="fr-FR" sz="1400" dirty="0" smtClean="0"/>
+              <a:t> </a:t>
+            </a:r>
+            <a:r>
+              <a:rPr lang="fr-FR" sz="1400" dirty="0" err="1" smtClean="0"/>
+              <a:t>deployment</a:t>
+            </a:r>
+            <a:r>
+              <a:rPr lang="fr-FR" sz="1400" dirty="0" smtClean="0"/>
+              <a:t> | </a:t>
+            </a:r>
+            <a:r>
+              <a:rPr lang="fr-FR" sz="1400" dirty="0" err="1" smtClean="0"/>
+              <a:t>deploy</a:t>
+            </a:r>
+            <a:r>
+              <a:rPr lang="fr-FR" sz="1400" dirty="0" smtClean="0"/>
+              <a:t> &lt;nom du </a:t>
+            </a:r>
+            <a:r>
+              <a:rPr lang="fr-FR" sz="1400" dirty="0" err="1" smtClean="0"/>
+              <a:t>deploiment</a:t>
+            </a:r>
+            <a:r>
+              <a:rPr lang="fr-FR" sz="1400" dirty="0" smtClean="0"/>
+              <a:t>&gt;</a:t>
+            </a:r>
+          </a:p>
+        </p:txBody>
+      </p:sp>
+      <p:sp>
+        <p:nvSpPr>
+          <p:cNvPr id="13" name="Rectangle 12"/>
+          <p:cNvSpPr/>
+          <p:nvPr/>
+        </p:nvSpPr>
+        <p:spPr>
+          <a:xfrm>
+            <a:off x="187086" y="3965403"/>
+            <a:ext cx="4104456" cy="769441"/>
           </a:xfrm>
           <a:prstGeom prst="rect">
             <a:avLst/>
@@ -10112,634 +11844,72 @@
           <a:lstStyle/>
           <a:p>
             <a:r>
-              <a:rPr lang="fr-FR" sz="1400" dirty="0" err="1"/>
-              <a:t>apiVersion</a:t>
-            </a:r>
-            <a:r>
-              <a:rPr lang="fr-FR" sz="1400" dirty="0"/>
-              <a:t>: </a:t>
-            </a:r>
-            <a:r>
-              <a:rPr lang="fr-FR" sz="1400" dirty="0" err="1"/>
-              <a:t>apps</a:t>
-            </a:r>
-            <a:r>
-              <a:rPr lang="fr-FR" sz="1400" dirty="0"/>
-              <a:t>/v1</a:t>
-            </a:r>
-          </a:p>
-          <a:p>
-            <a:r>
-              <a:rPr lang="fr-FR" sz="1400" dirty="0" err="1"/>
-              <a:t>kind</a:t>
-            </a:r>
-            <a:r>
-              <a:rPr lang="fr-FR" sz="1400" dirty="0"/>
-              <a:t>: Deployment</a:t>
-            </a:r>
-          </a:p>
-          <a:p>
-            <a:r>
-              <a:rPr lang="fr-FR" sz="1400" dirty="0" err="1"/>
-              <a:t>metadata</a:t>
-            </a:r>
-            <a:r>
-              <a:rPr lang="fr-FR" sz="1400" dirty="0"/>
-              <a:t>:</a:t>
-            </a:r>
-          </a:p>
-          <a:p>
-            <a:r>
-              <a:rPr lang="fr-FR" sz="1400" dirty="0"/>
+              <a:rPr lang="fr-FR" sz="1600" b="1" dirty="0" smtClean="0"/>
+              <a:t>Pour changer l'</a:t>
+            </a:r>
+            <a:r>
+              <a:rPr lang="fr-FR" sz="1600" b="1" dirty="0"/>
+              <a:t>é</a:t>
+            </a:r>
+            <a:r>
+              <a:rPr lang="fr-FR" sz="1600" b="1" dirty="0" smtClean="0"/>
+              <a:t>chelle des Deployments:</a:t>
+            </a:r>
+          </a:p>
+          <a:p>
+            <a:r>
+              <a:rPr lang="fr-FR" sz="1400" dirty="0" err="1" smtClean="0"/>
+              <a:t>kubectl</a:t>
+            </a:r>
+            <a:r>
+              <a:rPr lang="fr-FR" sz="1400" dirty="0" smtClean="0"/>
               <a:t>  </a:t>
             </a:r>
             <a:r>
-              <a:rPr lang="fr-FR" sz="1400" dirty="0" err="1"/>
-              <a:t>name</a:t>
-            </a:r>
-            <a:r>
-              <a:rPr lang="fr-FR" sz="1400" dirty="0"/>
-              <a:t>: </a:t>
+              <a:rPr lang="fr-FR" sz="1400" dirty="0" err="1" smtClean="0"/>
+              <a:t>scale</a:t>
+            </a:r>
+            <a:r>
+              <a:rPr lang="fr-FR" sz="1400" dirty="0" smtClean="0"/>
+              <a:t> </a:t>
+            </a:r>
+            <a:r>
+              <a:rPr lang="fr-FR" sz="1400" dirty="0" err="1" smtClean="0"/>
+              <a:t>deploy|deployment</a:t>
+            </a:r>
+            <a:r>
+              <a:rPr lang="fr-FR" sz="1400" dirty="0" smtClean="0"/>
+              <a:t> </a:t>
             </a:r>
             <a:r>
               <a:rPr lang="fr-FR" sz="1400" dirty="0" err="1" smtClean="0"/>
               <a:t>nginx-dep</a:t>
             </a:r>
-            <a:endParaRPr lang="fr-FR" sz="1400" dirty="0"/>
-          </a:p>
-          <a:p>
-            <a:r>
-              <a:rPr lang="fr-FR" sz="1400" dirty="0"/>
-              <a:t>  labels:</a:t>
-            </a:r>
-          </a:p>
-          <a:p>
-            <a:r>
-              <a:rPr lang="fr-FR" sz="1400" dirty="0"/>
-              <a:t>    </a:t>
-            </a:r>
-            <a:r>
-              <a:rPr lang="fr-FR" sz="1400" dirty="0" err="1"/>
-              <a:t>app</a:t>
-            </a:r>
-            <a:r>
-              <a:rPr lang="fr-FR" sz="1400" dirty="0"/>
-              <a:t>: </a:t>
-            </a:r>
-            <a:r>
-              <a:rPr lang="fr-FR" sz="1400" dirty="0" err="1"/>
-              <a:t>nginx</a:t>
-            </a:r>
-            <a:endParaRPr lang="fr-FR" sz="1400" dirty="0"/>
-          </a:p>
-          <a:p>
-            <a:r>
-              <a:rPr lang="fr-FR" sz="1400" dirty="0" err="1"/>
-              <a:t>spec</a:t>
-            </a:r>
-            <a:r>
-              <a:rPr lang="fr-FR" sz="1400" dirty="0"/>
-              <a:t>:</a:t>
-            </a:r>
-          </a:p>
-          <a:p>
-            <a:r>
-              <a:rPr lang="fr-FR" sz="1400" dirty="0"/>
-              <a:t>  </a:t>
-            </a:r>
-            <a:r>
-              <a:rPr lang="fr-FR" sz="1400" dirty="0" err="1"/>
+            <a:r>
+              <a:rPr lang="fr-FR" sz="1400" dirty="0" smtClean="0"/>
+              <a:t> –</a:t>
+            </a:r>
+            <a:r>
+              <a:rPr lang="fr-FR" sz="1400" dirty="0" err="1" smtClean="0"/>
               <a:t>replicas</a:t>
             </a:r>
             <a:r>
-              <a:rPr lang="fr-FR" sz="1400" dirty="0"/>
-              <a:t>: 3</a:t>
-            </a:r>
-          </a:p>
-          <a:p>
-            <a:r>
-              <a:rPr lang="fr-FR" sz="1400" dirty="0"/>
-              <a:t>  </a:t>
-            </a:r>
-            <a:r>
-              <a:rPr lang="fr-FR" sz="1400" dirty="0" err="1"/>
-              <a:t>selector</a:t>
-            </a:r>
-            <a:r>
-              <a:rPr lang="fr-FR" sz="1400" dirty="0"/>
-              <a:t>:</a:t>
-            </a:r>
-          </a:p>
-          <a:p>
-            <a:r>
-              <a:rPr lang="fr-FR" sz="1400" dirty="0"/>
-              <a:t>    </a:t>
-            </a:r>
-            <a:r>
-              <a:rPr lang="fr-FR" sz="1400" dirty="0" err="1"/>
-              <a:t>matchLabels</a:t>
-            </a:r>
-            <a:r>
-              <a:rPr lang="fr-FR" sz="1400" dirty="0"/>
-              <a:t>:</a:t>
-            </a:r>
-          </a:p>
-          <a:p>
-            <a:r>
-              <a:rPr lang="fr-FR" sz="1400" dirty="0"/>
-              <a:t>      </a:t>
-            </a:r>
-            <a:r>
-              <a:rPr lang="fr-FR" sz="1400" dirty="0" err="1"/>
-              <a:t>app</a:t>
-            </a:r>
-            <a:r>
-              <a:rPr lang="fr-FR" sz="1400" dirty="0"/>
-              <a:t>: </a:t>
-            </a:r>
-            <a:r>
-              <a:rPr lang="fr-FR" sz="1400" dirty="0" err="1"/>
-              <a:t>nginx</a:t>
-            </a:r>
-            <a:endParaRPr lang="fr-FR" sz="1400" dirty="0"/>
-          </a:p>
-          <a:p>
-            <a:r>
-              <a:rPr lang="fr-FR" sz="1400" dirty="0"/>
-              <a:t>  </a:t>
-            </a:r>
-            <a:r>
-              <a:rPr lang="fr-FR" sz="1400" dirty="0" err="1"/>
-              <a:t>template</a:t>
-            </a:r>
-            <a:r>
-              <a:rPr lang="fr-FR" sz="1400" dirty="0"/>
-              <a:t>:</a:t>
-            </a:r>
-          </a:p>
-          <a:p>
-            <a:r>
-              <a:rPr lang="fr-FR" sz="1400" dirty="0"/>
-              <a:t>    </a:t>
-            </a:r>
-            <a:r>
-              <a:rPr lang="fr-FR" sz="1400" dirty="0" err="1"/>
-              <a:t>metadata</a:t>
-            </a:r>
-            <a:r>
-              <a:rPr lang="fr-FR" sz="1400" dirty="0"/>
-              <a:t>:</a:t>
-            </a:r>
-          </a:p>
-          <a:p>
-            <a:r>
-              <a:rPr lang="fr-FR" sz="1400" dirty="0"/>
-              <a:t>      labels:</a:t>
-            </a:r>
-          </a:p>
-          <a:p>
-            <a:r>
-              <a:rPr lang="fr-FR" sz="1400" dirty="0"/>
-              <a:t>        </a:t>
-            </a:r>
-            <a:r>
-              <a:rPr lang="fr-FR" sz="1400" dirty="0" err="1"/>
-              <a:t>app</a:t>
-            </a:r>
-            <a:r>
-              <a:rPr lang="fr-FR" sz="1400" dirty="0"/>
-              <a:t>: </a:t>
-            </a:r>
-            <a:r>
-              <a:rPr lang="fr-FR" sz="1400" dirty="0" err="1"/>
-              <a:t>nginx</a:t>
-            </a:r>
-            <a:endParaRPr lang="fr-FR" sz="1400" dirty="0"/>
-          </a:p>
-          <a:p>
-            <a:r>
-              <a:rPr lang="fr-FR" sz="1400" dirty="0"/>
-              <a:t>    </a:t>
-            </a:r>
-            <a:r>
-              <a:rPr lang="fr-FR" sz="1400" dirty="0" err="1"/>
-              <a:t>spec</a:t>
-            </a:r>
-            <a:r>
-              <a:rPr lang="fr-FR" sz="1400" dirty="0"/>
-              <a:t>:</a:t>
-            </a:r>
-          </a:p>
-          <a:p>
-            <a:r>
-              <a:rPr lang="fr-FR" sz="1400" dirty="0"/>
-              <a:t>      containers:</a:t>
-            </a:r>
-          </a:p>
-          <a:p>
-            <a:r>
-              <a:rPr lang="fr-FR" sz="1400" dirty="0"/>
-              <a:t>      - </a:t>
-            </a:r>
-            <a:r>
-              <a:rPr lang="fr-FR" sz="1400" dirty="0" err="1"/>
-              <a:t>name</a:t>
-            </a:r>
-            <a:r>
-              <a:rPr lang="fr-FR" sz="1400" dirty="0"/>
-              <a:t>: </a:t>
-            </a:r>
-            <a:r>
-              <a:rPr lang="fr-FR" sz="1400" dirty="0" err="1"/>
-              <a:t>nginx</a:t>
-            </a:r>
-            <a:endParaRPr lang="fr-FR" sz="1400" dirty="0"/>
-          </a:p>
-          <a:p>
-            <a:r>
-              <a:rPr lang="fr-FR" sz="1400" dirty="0"/>
-              <a:t>        image: nginx:1.14.2</a:t>
-            </a:r>
-          </a:p>
-          <a:p>
-            <a:r>
-              <a:rPr lang="fr-FR" sz="1400" dirty="0"/>
-              <a:t>        ports:</a:t>
-            </a:r>
-          </a:p>
-          <a:p>
-            <a:r>
-              <a:rPr lang="fr-FR" sz="1400" dirty="0"/>
-              <a:t>        - </a:t>
-            </a:r>
-            <a:r>
-              <a:rPr lang="fr-FR" sz="1400" dirty="0" err="1"/>
-              <a:t>containerPort</a:t>
-            </a:r>
-            <a:r>
-              <a:rPr lang="fr-FR" sz="1400" dirty="0"/>
-              <a:t>: 80</a:t>
+              <a:rPr lang="fr-FR" sz="1400" dirty="0" smtClean="0"/>
+              <a:t>=3</a:t>
             </a:r>
           </a:p>
         </p:txBody>
       </p:sp>
       <p:sp>
         <p:nvSpPr>
-          <p:cNvPr id="6" name="Rectangle 5"/>
+          <p:cNvPr id="14" name="Rectangle 13"/>
           <p:cNvSpPr/>
           <p:nvPr/>
         </p:nvSpPr>
         <p:spPr>
           <a:xfrm>
-            <a:off x="188935" y="2564919"/>
-            <a:ext cx="4572000" cy="461665"/>
-          </a:xfrm>
-          <a:prstGeom prst="rect">
-            <a:avLst/>
-          </a:prstGeom>
-        </p:spPr>
-        <p:txBody>
-          <a:bodyPr>
-            <a:spAutoFit/>
-          </a:bodyPr>
-          <a:lstStyle/>
-          <a:p>
-            <a:r>
-              <a:rPr lang="en-US" sz="1200" dirty="0" err="1"/>
-              <a:t>kubectl</a:t>
-            </a:r>
-            <a:r>
-              <a:rPr lang="en-US" sz="1200" dirty="0"/>
-              <a:t> </a:t>
-            </a:r>
-            <a:r>
-              <a:rPr lang="en-US" sz="1200" b="1" dirty="0" err="1" smtClean="0">
-                <a:solidFill>
-                  <a:srgbClr val="FF0000"/>
-                </a:solidFill>
-              </a:rPr>
-              <a:t>create|apply</a:t>
-            </a:r>
-            <a:r>
-              <a:rPr lang="en-US" sz="1200" dirty="0" smtClean="0"/>
-              <a:t> </a:t>
-            </a:r>
-            <a:r>
-              <a:rPr lang="en-US" sz="1200" dirty="0"/>
-              <a:t>-f https://k8s.io/examples/controllers/nginx-deployment.yaml</a:t>
-            </a:r>
-            <a:endParaRPr lang="fr-FR" sz="1000" dirty="0"/>
-          </a:p>
-        </p:txBody>
-      </p:sp>
-      <p:sp>
-        <p:nvSpPr>
-          <p:cNvPr id="7" name="Rectangle 6"/>
-          <p:cNvSpPr/>
-          <p:nvPr/>
-        </p:nvSpPr>
-        <p:spPr>
-          <a:xfrm>
-            <a:off x="179512" y="2234146"/>
-            <a:ext cx="4984891" cy="307777"/>
-          </a:xfrm>
-          <a:prstGeom prst="rect">
-            <a:avLst/>
-          </a:prstGeom>
-        </p:spPr>
-        <p:txBody>
-          <a:bodyPr wrap="none">
-            <a:spAutoFit/>
-          </a:bodyPr>
-          <a:lstStyle/>
-          <a:p>
-            <a:r>
-              <a:rPr lang="fr-FR" sz="1400" b="1" dirty="0" smtClean="0"/>
-              <a:t>Pour créer un </a:t>
-            </a:r>
-            <a:r>
-              <a:rPr lang="fr-FR" sz="1400" b="1" dirty="0"/>
-              <a:t>Deployment</a:t>
-            </a:r>
-            <a:r>
-              <a:rPr lang="fr-FR" sz="1400" b="1" dirty="0" smtClean="0"/>
-              <a:t> avec le fichier manifeste(</a:t>
-            </a:r>
-            <a:r>
-              <a:rPr lang="fr-FR" sz="1400" b="1" dirty="0" err="1" smtClean="0"/>
-              <a:t>Declarative</a:t>
-            </a:r>
-            <a:r>
-              <a:rPr lang="fr-FR" sz="1400" b="1" dirty="0" smtClean="0"/>
-              <a:t>):</a:t>
-            </a:r>
-            <a:endParaRPr lang="fr-FR" sz="1400" b="1" dirty="0"/>
-          </a:p>
-        </p:txBody>
-      </p:sp>
-      <p:sp>
-        <p:nvSpPr>
-          <p:cNvPr id="8" name="Rectangle 7"/>
-          <p:cNvSpPr/>
-          <p:nvPr/>
-        </p:nvSpPr>
-        <p:spPr>
-          <a:xfrm>
-            <a:off x="188935" y="1934151"/>
-            <a:ext cx="4572000" cy="276999"/>
-          </a:xfrm>
-          <a:prstGeom prst="rect">
-            <a:avLst/>
-          </a:prstGeom>
-        </p:spPr>
-        <p:txBody>
-          <a:bodyPr>
-            <a:spAutoFit/>
-          </a:bodyPr>
-          <a:lstStyle/>
-          <a:p>
-            <a:pPr marL="0" lvl="2"/>
-            <a:r>
-              <a:rPr lang="fr-FR" sz="1200" dirty="0" err="1">
-                <a:latin typeface="Candara" panose="020E0502030303020204" pitchFamily="34" charset="0"/>
-              </a:rPr>
-              <a:t>kubectl</a:t>
-            </a:r>
-            <a:r>
-              <a:rPr lang="fr-FR" sz="1200" dirty="0">
-                <a:latin typeface="Candara" panose="020E0502030303020204" pitchFamily="34" charset="0"/>
-              </a:rPr>
-              <a:t> </a:t>
-            </a:r>
-            <a:r>
-              <a:rPr lang="fr-FR" sz="1200" dirty="0" err="1">
-                <a:latin typeface="Candara" panose="020E0502030303020204" pitchFamily="34" charset="0"/>
-              </a:rPr>
-              <a:t>create</a:t>
-            </a:r>
-            <a:r>
-              <a:rPr lang="fr-FR" sz="1200" dirty="0">
-                <a:latin typeface="Candara" panose="020E0502030303020204" pitchFamily="34" charset="0"/>
-              </a:rPr>
-              <a:t> </a:t>
-            </a:r>
-            <a:r>
-              <a:rPr lang="fr-FR" sz="1200" dirty="0" err="1">
-                <a:latin typeface="Candara" panose="020E0502030303020204" pitchFamily="34" charset="0"/>
-              </a:rPr>
-              <a:t>deployment</a:t>
-            </a:r>
-            <a:r>
-              <a:rPr lang="fr-FR" sz="1200" dirty="0">
-                <a:latin typeface="Candara" panose="020E0502030303020204" pitchFamily="34" charset="0"/>
-              </a:rPr>
-              <a:t> </a:t>
-            </a:r>
-            <a:r>
-              <a:rPr lang="fr-FR" sz="1200" dirty="0" err="1">
-                <a:latin typeface="Candara" panose="020E0502030303020204" pitchFamily="34" charset="0"/>
-              </a:rPr>
-              <a:t>nginx</a:t>
-            </a:r>
-            <a:r>
-              <a:rPr lang="fr-FR" sz="1200" dirty="0">
-                <a:latin typeface="Candara" panose="020E0502030303020204" pitchFamily="34" charset="0"/>
-              </a:rPr>
-              <a:t>-web --image=</a:t>
-            </a:r>
-            <a:r>
-              <a:rPr lang="fr-FR" sz="1200" dirty="0" err="1">
-                <a:latin typeface="Candara" panose="020E0502030303020204" pitchFamily="34" charset="0"/>
-              </a:rPr>
-              <a:t>nginx</a:t>
-            </a:r>
-            <a:endParaRPr lang="fr-FR" sz="1200" dirty="0">
-              <a:latin typeface="Candara" panose="020E0502030303020204" pitchFamily="34" charset="0"/>
-            </a:endParaRPr>
-          </a:p>
-        </p:txBody>
-      </p:sp>
-      <p:sp>
-        <p:nvSpPr>
-          <p:cNvPr id="9" name="Rectangle 8"/>
-          <p:cNvSpPr/>
-          <p:nvPr/>
-        </p:nvSpPr>
-        <p:spPr>
-          <a:xfrm>
-            <a:off x="188935" y="1635630"/>
-            <a:ext cx="4723601" cy="307777"/>
-          </a:xfrm>
-          <a:prstGeom prst="rect">
-            <a:avLst/>
-          </a:prstGeom>
-        </p:spPr>
-        <p:txBody>
-          <a:bodyPr wrap="none">
-            <a:spAutoFit/>
-          </a:bodyPr>
-          <a:lstStyle/>
-          <a:p>
-            <a:r>
-              <a:rPr lang="fr-FR" sz="1400" b="1" dirty="0" smtClean="0"/>
-              <a:t>Pour créer un Deployment avec une commande (</a:t>
-            </a:r>
-            <a:r>
-              <a:rPr lang="fr-FR" sz="1400" b="1" dirty="0" err="1" smtClean="0"/>
-              <a:t>Imperative</a:t>
-            </a:r>
-            <a:r>
-              <a:rPr lang="fr-FR" sz="1400" b="1" dirty="0" smtClean="0"/>
-              <a:t>):</a:t>
-            </a:r>
-            <a:endParaRPr lang="fr-FR" sz="1400" b="1" dirty="0"/>
-          </a:p>
-        </p:txBody>
-      </p:sp>
-      <p:sp>
-        <p:nvSpPr>
-          <p:cNvPr id="10" name="Rectangle 9"/>
-          <p:cNvSpPr/>
-          <p:nvPr/>
-        </p:nvSpPr>
-        <p:spPr>
-          <a:xfrm>
-            <a:off x="179512" y="3026584"/>
-            <a:ext cx="4249881" cy="261610"/>
-          </a:xfrm>
-          <a:prstGeom prst="rect">
-            <a:avLst/>
-          </a:prstGeom>
-        </p:spPr>
-        <p:txBody>
-          <a:bodyPr wrap="none">
-            <a:spAutoFit/>
-          </a:bodyPr>
-          <a:lstStyle/>
-          <a:p>
-            <a:r>
-              <a:rPr lang="fr-FR" sz="1100" b="1" dirty="0" smtClean="0"/>
-              <a:t>Note: </a:t>
-            </a:r>
-            <a:r>
-              <a:rPr lang="fr-FR" sz="1100" dirty="0" smtClean="0"/>
-              <a:t>La création du Deployment va générer un ReplicaSet et un Pod</a:t>
-            </a:r>
-            <a:endParaRPr lang="fr-FR" sz="1100" dirty="0"/>
-          </a:p>
-        </p:txBody>
-      </p:sp>
-      <p:sp>
-        <p:nvSpPr>
-          <p:cNvPr id="12" name="Rectangle 11"/>
-          <p:cNvSpPr/>
-          <p:nvPr/>
-        </p:nvSpPr>
-        <p:spPr>
-          <a:xfrm>
-            <a:off x="179512" y="3294708"/>
-            <a:ext cx="4157870" cy="677108"/>
-          </a:xfrm>
-          <a:prstGeom prst="rect">
-            <a:avLst/>
-          </a:prstGeom>
-        </p:spPr>
-        <p:txBody>
-          <a:bodyPr wrap="none">
-            <a:spAutoFit/>
-          </a:bodyPr>
-          <a:lstStyle/>
-          <a:p>
-            <a:r>
-              <a:rPr lang="fr-FR" sz="1400" b="1" dirty="0" smtClean="0"/>
-              <a:t>Pour  chercher des informations sur les Deployments:</a:t>
-            </a:r>
-          </a:p>
-          <a:p>
-            <a:r>
-              <a:rPr lang="fr-FR" sz="1200" dirty="0" err="1" smtClean="0"/>
-              <a:t>kubectl</a:t>
-            </a:r>
-            <a:r>
-              <a:rPr lang="fr-FR" sz="1200" dirty="0" smtClean="0"/>
-              <a:t> </a:t>
-            </a:r>
-            <a:r>
-              <a:rPr lang="fr-FR" sz="1200" dirty="0" err="1"/>
-              <a:t>get</a:t>
-            </a:r>
-            <a:r>
-              <a:rPr lang="fr-FR" sz="1200" dirty="0"/>
-              <a:t> </a:t>
-            </a:r>
-            <a:r>
-              <a:rPr lang="fr-FR" sz="1200" dirty="0" err="1" smtClean="0"/>
-              <a:t>deployements</a:t>
-            </a:r>
-            <a:r>
-              <a:rPr lang="fr-FR" sz="1200" dirty="0" smtClean="0"/>
-              <a:t> | </a:t>
-            </a:r>
-            <a:r>
-              <a:rPr lang="fr-FR" sz="1200" dirty="0" err="1" smtClean="0"/>
-              <a:t>deploy</a:t>
-            </a:r>
-            <a:endParaRPr lang="fr-FR" sz="1200" dirty="0" smtClean="0"/>
-          </a:p>
-          <a:p>
-            <a:r>
-              <a:rPr lang="fr-FR" sz="1200" dirty="0" err="1" smtClean="0"/>
-              <a:t>kubectl</a:t>
-            </a:r>
-            <a:r>
-              <a:rPr lang="fr-FR" sz="1200" dirty="0" smtClean="0"/>
-              <a:t>  </a:t>
-            </a:r>
-            <a:r>
-              <a:rPr lang="fr-FR" sz="1200" dirty="0" err="1" smtClean="0"/>
-              <a:t>describe</a:t>
-            </a:r>
-            <a:r>
-              <a:rPr lang="fr-FR" sz="1200" dirty="0" smtClean="0"/>
-              <a:t> </a:t>
-            </a:r>
-            <a:r>
-              <a:rPr lang="fr-FR" sz="1200" dirty="0" err="1" smtClean="0"/>
-              <a:t>deployment</a:t>
-            </a:r>
-            <a:r>
-              <a:rPr lang="fr-FR" sz="1200" dirty="0" smtClean="0"/>
-              <a:t> | </a:t>
-            </a:r>
-            <a:r>
-              <a:rPr lang="fr-FR" sz="1200" dirty="0" err="1" smtClean="0"/>
-              <a:t>deploy</a:t>
-            </a:r>
-            <a:r>
-              <a:rPr lang="fr-FR" sz="1200" dirty="0" smtClean="0"/>
-              <a:t> &lt;nom du </a:t>
-            </a:r>
-            <a:r>
-              <a:rPr lang="fr-FR" sz="1200" dirty="0" err="1" smtClean="0"/>
-              <a:t>deploiment</a:t>
-            </a:r>
-            <a:r>
-              <a:rPr lang="fr-FR" sz="1200" dirty="0" smtClean="0"/>
-              <a:t>&gt;</a:t>
-            </a:r>
-          </a:p>
-        </p:txBody>
-      </p:sp>
-      <p:sp>
-        <p:nvSpPr>
-          <p:cNvPr id="13" name="Rectangle 12"/>
-          <p:cNvSpPr/>
-          <p:nvPr/>
-        </p:nvSpPr>
-        <p:spPr>
-          <a:xfrm>
-            <a:off x="179512" y="3933056"/>
-            <a:ext cx="4104456" cy="492443"/>
+            <a:off x="170089" y="5013176"/>
+            <a:ext cx="4104456" cy="984885"/>
           </a:xfrm>
           <a:prstGeom prst="rect">
             <a:avLst/>
@@ -10752,145 +11922,67 @@
           <a:lstStyle/>
           <a:p>
             <a:r>
-              <a:rPr lang="fr-FR" sz="1400" b="1" dirty="0" smtClean="0"/>
-              <a:t>Pour changer l'</a:t>
-            </a:r>
-            <a:r>
-              <a:rPr lang="fr-FR" sz="1400" b="1" dirty="0"/>
-              <a:t>é</a:t>
-            </a:r>
-            <a:r>
-              <a:rPr lang="fr-FR" sz="1400" b="1" dirty="0" smtClean="0"/>
-              <a:t>chelle des Deployments:</a:t>
-            </a:r>
-          </a:p>
-          <a:p>
-            <a:r>
-              <a:rPr lang="fr-FR" sz="1200" dirty="0" err="1" smtClean="0"/>
+              <a:rPr lang="fr-FR" sz="1600" b="1" dirty="0" smtClean="0"/>
+              <a:t>Pour </a:t>
+            </a:r>
+            <a:r>
+              <a:rPr lang="fr-FR" sz="1600" b="1" dirty="0" err="1" smtClean="0"/>
+              <a:t>executer</a:t>
+            </a:r>
+            <a:r>
+              <a:rPr lang="fr-FR" sz="1600" b="1" dirty="0" smtClean="0"/>
+              <a:t> et tester le contenu d'un Pod:</a:t>
+            </a:r>
+          </a:p>
+          <a:p>
+            <a:r>
+              <a:rPr lang="fr-FR" sz="1400" dirty="0" err="1"/>
               <a:t>kubectl</a:t>
             </a:r>
             <a:r>
-              <a:rPr lang="fr-FR" sz="1200" dirty="0" smtClean="0"/>
-              <a:t>  </a:t>
-            </a:r>
-            <a:r>
-              <a:rPr lang="fr-FR" sz="1200" dirty="0" err="1" smtClean="0"/>
-              <a:t>scale</a:t>
-            </a:r>
-            <a:r>
-              <a:rPr lang="fr-FR" sz="1200" dirty="0" smtClean="0"/>
+              <a:rPr lang="fr-FR" sz="1400" dirty="0"/>
               <a:t> </a:t>
             </a:r>
             <a:r>
-              <a:rPr lang="fr-FR" sz="1200" dirty="0" err="1" smtClean="0"/>
-              <a:t>deploy|deployment</a:t>
-            </a:r>
-            <a:r>
-              <a:rPr lang="fr-FR" sz="1200" dirty="0" smtClean="0"/>
+              <a:rPr lang="fr-FR" sz="1400" dirty="0" err="1"/>
+              <a:t>get</a:t>
+            </a:r>
+            <a:r>
+              <a:rPr lang="fr-FR" sz="1400" dirty="0"/>
               <a:t> </a:t>
             </a:r>
             <a:r>
-              <a:rPr lang="fr-FR" sz="1200" dirty="0" err="1" smtClean="0"/>
-              <a:t>nginx-dep</a:t>
-            </a:r>
-            <a:r>
-              <a:rPr lang="fr-FR" sz="1200" dirty="0" smtClean="0"/>
-              <a:t> –</a:t>
-            </a:r>
-            <a:r>
-              <a:rPr lang="fr-FR" sz="1200" dirty="0" err="1" smtClean="0"/>
-              <a:t>replicas</a:t>
-            </a:r>
-            <a:r>
-              <a:rPr lang="fr-FR" sz="1200" dirty="0" smtClean="0"/>
-              <a:t>=3</a:t>
-            </a:r>
-          </a:p>
-        </p:txBody>
-      </p:sp>
-      <p:sp>
-        <p:nvSpPr>
-          <p:cNvPr id="14" name="Rectangle 13"/>
-          <p:cNvSpPr/>
-          <p:nvPr/>
-        </p:nvSpPr>
-        <p:spPr>
-          <a:xfrm>
-            <a:off x="232926" y="4444787"/>
-            <a:ext cx="4104456" cy="861774"/>
-          </a:xfrm>
-          <a:prstGeom prst="rect">
-            <a:avLst/>
-          </a:prstGeom>
-        </p:spPr>
-        <p:txBody>
-          <a:bodyPr wrap="square">
-            <a:spAutoFit/>
-          </a:bodyPr>
-          <a:lstStyle/>
-          <a:p>
-            <a:r>
-              <a:rPr lang="fr-FR" sz="1400" b="1" dirty="0" smtClean="0"/>
-              <a:t>Pour </a:t>
-            </a:r>
-            <a:r>
-              <a:rPr lang="fr-FR" sz="1400" b="1" dirty="0" err="1" smtClean="0"/>
-              <a:t>executer</a:t>
-            </a:r>
-            <a:r>
-              <a:rPr lang="fr-FR" sz="1400" b="1" dirty="0" smtClean="0"/>
-              <a:t> et tester le contenu d'un Pod:</a:t>
-            </a:r>
-          </a:p>
-          <a:p>
-            <a:r>
-              <a:rPr lang="fr-FR" sz="1200" dirty="0" err="1"/>
-              <a:t>kubectl</a:t>
-            </a:r>
-            <a:r>
-              <a:rPr lang="fr-FR" sz="1200" dirty="0"/>
-              <a:t> </a:t>
-            </a:r>
-            <a:r>
-              <a:rPr lang="fr-FR" sz="1200" dirty="0" err="1"/>
-              <a:t>get</a:t>
-            </a:r>
-            <a:r>
-              <a:rPr lang="fr-FR" sz="1200" dirty="0"/>
-              <a:t> </a:t>
-            </a:r>
-            <a:r>
-              <a:rPr lang="fr-FR" sz="1200" dirty="0" err="1"/>
+              <a:rPr lang="fr-FR" sz="1400" dirty="0" err="1"/>
               <a:t>pods</a:t>
             </a:r>
             <a:r>
-              <a:rPr lang="fr-FR" sz="1200" dirty="0"/>
+              <a:rPr lang="fr-FR" sz="1400" dirty="0"/>
               <a:t> –o </a:t>
             </a:r>
             <a:r>
-              <a:rPr lang="fr-FR" sz="1200" dirty="0" err="1" smtClean="0"/>
+              <a:rPr lang="fr-FR" sz="1400" dirty="0" err="1" smtClean="0"/>
               <a:t>wide</a:t>
             </a:r>
-            <a:endParaRPr lang="fr-FR" sz="1200" dirty="0" smtClean="0"/>
-          </a:p>
-          <a:p>
-            <a:r>
-              <a:rPr lang="fr-FR" sz="1200" dirty="0" smtClean="0"/>
+            <a:endParaRPr lang="fr-FR" sz="1400" dirty="0" smtClean="0"/>
+          </a:p>
+          <a:p>
+            <a:r>
+              <a:rPr lang="fr-FR" sz="1400" dirty="0" smtClean="0"/>
               <a:t>Minikube </a:t>
             </a:r>
             <a:r>
-              <a:rPr lang="fr-FR" sz="1200" dirty="0" err="1" smtClean="0"/>
+              <a:rPr lang="fr-FR" sz="1400" dirty="0" err="1" smtClean="0"/>
               <a:t>ssh</a:t>
             </a:r>
-            <a:endParaRPr lang="fr-FR" sz="1200" dirty="0" smtClean="0"/>
-          </a:p>
-          <a:p>
-            <a:r>
-              <a:rPr lang="fr-FR" sz="1200" dirty="0" err="1" smtClean="0"/>
+            <a:endParaRPr lang="fr-FR" sz="1400" dirty="0" smtClean="0"/>
+          </a:p>
+          <a:p>
+            <a:r>
+              <a:rPr lang="fr-FR" sz="1400" dirty="0" err="1" smtClean="0"/>
               <a:t>curl</a:t>
             </a:r>
             <a:r>
-              <a:rPr lang="fr-FR" sz="1200" dirty="0" smtClean="0"/>
+              <a:rPr lang="fr-FR" sz="1400" dirty="0" smtClean="0"/>
               <a:t>  &lt;@IP du Pod&gt;</a:t>
             </a:r>
           </a:p>
@@ -10959,34 +12051,34 @@
               <a:buNone/>
             </a:pPr>
             <a:r>
-              <a:rPr lang="fr-FR" sz="1200" b="1" dirty="0" err="1" smtClean="0">
+              <a:rPr lang="fr-FR" sz="1400" b="1" dirty="0" err="1" smtClean="0">
                 <a:latin typeface="+mj-lt"/>
               </a:rPr>
               <a:t>Replicaset</a:t>
             </a:r>
             <a:r>
-              <a:rPr lang="fr-FR" sz="1200" b="1" dirty="0" smtClean="0">
+              <a:rPr lang="fr-FR" sz="1400" b="1" dirty="0" smtClean="0">
                 <a:latin typeface="+mj-lt"/>
               </a:rPr>
               <a:t>: </a:t>
             </a:r>
             <a:r>
-              <a:rPr lang="fr-FR" sz="1200" dirty="0"/>
+              <a:rPr lang="fr-FR" sz="1400" dirty="0"/>
               <a:t>Un ReplicaSet garantit qu'un nombre spécifié de répliques de </a:t>
             </a:r>
             <a:r>
-              <a:rPr lang="fr-FR" sz="1200" dirty="0" err="1" smtClean="0"/>
+              <a:rPr lang="fr-FR" sz="1400" dirty="0" err="1" smtClean="0"/>
               <a:t>Pods</a:t>
             </a:r>
             <a:r>
-              <a:rPr lang="fr-FR" sz="1200" dirty="0" smtClean="0"/>
+              <a:rPr lang="fr-FR" sz="1400" dirty="0" smtClean="0"/>
               <a:t> </a:t>
             </a:r>
             <a:r>
-              <a:rPr lang="fr-FR" sz="1200" dirty="0"/>
+              <a:rPr lang="fr-FR" sz="1400" dirty="0"/>
               <a:t>s'exécutent à un moment donné</a:t>
             </a:r>
-            <a:endParaRPr lang="fr-FR" sz="1200" dirty="0" smtClean="0">
+            <a:endParaRPr lang="fr-FR" sz="1400" dirty="0" smtClean="0">
               <a:latin typeface="+mj-lt"/>
             </a:endParaRPr>
           </a:p>
@@ -11029,8 +12121,8 @@
         </p:nvSpPr>
         <p:spPr>
           <a:xfrm>
-            <a:off x="179512" y="1628800"/>
-            <a:ext cx="4572000" cy="461665"/>
+            <a:off x="188935" y="1988840"/>
+            <a:ext cx="4572000" cy="523220"/>
           </a:xfrm>
           <a:prstGeom prst="rect">
             <a:avLst/>
@@ -11043,22 +12135,22 @@
           <a:lstStyle/>
           <a:p>
             <a:r>
-              <a:rPr lang="en-US" sz="1200" dirty="0" err="1"/>
+              <a:rPr lang="en-US" sz="1400" dirty="0" err="1"/>
               <a:t>kubectl</a:t>
             </a:r>
             <a:r>
-              <a:rPr lang="en-US" sz="1200" dirty="0"/>
+              <a:rPr lang="en-US" sz="1400" dirty="0"/>
               <a:t> apply </a:t>
             </a:r>
             <a:r>
-              <a:rPr lang="en-US" sz="1200" dirty="0" smtClean="0"/>
+              <a:rPr lang="en-US" sz="1400" dirty="0" smtClean="0"/>
               <a:t>–f https</a:t>
             </a:r>
             <a:r>
-              <a:rPr lang="en-US" sz="1200" dirty="0"/>
+              <a:rPr lang="en-US" sz="1400" dirty="0"/>
               <a:t>://kubernetes.io/examples/controllers/frontend.yaml</a:t>
             </a:r>
-            <a:endParaRPr lang="fr-FR" sz="700" dirty="0"/>
+            <a:endParaRPr lang="fr-FR" sz="800" dirty="0"/>
           </a:p>
         </p:txBody>
       </p:sp>
@@ -11070,8 +12162,8 @@
         </p:nvSpPr>
         <p:spPr>
           <a:xfrm>
-            <a:off x="188935" y="1321023"/>
-            <a:ext cx="4089709" cy="307777"/>
+            <a:off x="188935" y="1654931"/>
+            <a:ext cx="4590167" cy="338554"/>
           </a:xfrm>
           <a:prstGeom prst="rect">
             <a:avLst/>
@@ -11084,359 +12176,18 @@
           <a:lstStyle/>
           <a:p>
             <a:r>
-              <a:rPr lang="fr-FR" sz="1400" b="1" dirty="0" smtClean="0"/>
+              <a:rPr lang="fr-FR" sz="1600" b="1" dirty="0" smtClean="0"/>
               <a:t>Pour créer un </a:t>
             </a:r>
             <a:r>
-              <a:rPr lang="fr-FR" sz="1400" b="1" dirty="0"/>
+              <a:rPr lang="fr-FR" sz="1600" b="1" dirty="0"/>
               <a:t>Deployment</a:t>
             </a:r>
             <a:r>
-              <a:rPr lang="fr-FR" sz="1400" b="1" dirty="0" smtClean="0"/>
+              <a:rPr lang="fr-FR" sz="1600" b="1" dirty="0" smtClean="0"/>
               <a:t> avec le fichier manifeste:</a:t>
             </a:r>
-            <a:endParaRPr lang="fr-FR" sz="1400" b="1" dirty="0"/>
-          </a:p>
-        </p:txBody>
-      </p:sp>
-      <p:sp>
-        <p:nvSpPr>
-          <p:cNvPr id="4" name="Rectangle 3"/>
-          <p:cNvSpPr/>
-          <p:nvPr/>
-        </p:nvSpPr>
-        <p:spPr>
-          <a:xfrm>
-            <a:off x="5004048" y="526406"/>
-            <a:ext cx="3888432" cy="4616648"/>
-          </a:xfrm>
-          <a:prstGeom prst="rect">
-            <a:avLst/>
-          </a:prstGeom>
-        </p:spPr>
-        <p:txBody>
-          <a:bodyPr wrap="square">
-            <a:spAutoFit/>
-          </a:bodyPr>
-          <a:lstStyle/>
-          <a:p>
-            <a:r>
-              <a:rPr lang="fr-FR" sz="1400" dirty="0" err="1"/>
-              <a:t>apiVersion</a:t>
-            </a:r>
-            <a:r>
-              <a:rPr lang="fr-FR" sz="1400" dirty="0"/>
-              <a:t>: </a:t>
-            </a:r>
-            <a:r>
-              <a:rPr lang="fr-FR" sz="1400" dirty="0" err="1"/>
-              <a:t>apps</a:t>
-            </a:r>
-            <a:r>
-              <a:rPr lang="fr-FR" sz="1400" dirty="0"/>
-              <a:t>/v1</a:t>
-            </a:r>
-          </a:p>
-          <a:p>
-            <a:r>
-              <a:rPr lang="fr-FR" sz="1400" dirty="0" err="1"/>
-              <a:t>kind</a:t>
-            </a:r>
-            <a:r>
-              <a:rPr lang="fr-FR" sz="1400" dirty="0"/>
-              <a:t>: ReplicaSet</a:t>
-            </a:r>
-          </a:p>
-          <a:p>
-            <a:r>
-              <a:rPr lang="fr-FR" sz="1400" dirty="0" err="1"/>
-              <a:t>metadata</a:t>
-            </a:r>
-            <a:r>
-              <a:rPr lang="fr-FR" sz="1400" dirty="0"/>
-              <a:t>:</a:t>
-            </a:r>
-          </a:p>
-          <a:p>
-            <a:r>
-              <a:rPr lang="fr-FR" sz="1400" dirty="0"/>
-              <a:t>  </a:t>
-            </a:r>
-            <a:r>
-              <a:rPr lang="fr-FR" sz="1400" dirty="0" err="1"/>
-              <a:t>name</a:t>
-            </a:r>
-            <a:r>
-              <a:rPr lang="fr-FR" sz="1400" dirty="0"/>
-              <a:t>: </a:t>
-            </a:r>
-            <a:r>
-              <a:rPr lang="fr-FR" sz="1400" dirty="0" err="1"/>
-              <a:t>frontend</a:t>
-            </a:r>
-            <a:endParaRPr lang="fr-FR" sz="1400" dirty="0"/>
-          </a:p>
-          <a:p>
-            <a:r>
-              <a:rPr lang="fr-FR" sz="1400" dirty="0"/>
-              <a:t>  labels:</a:t>
-            </a:r>
-          </a:p>
-          <a:p>
-            <a:r>
-              <a:rPr lang="fr-FR" sz="1400" dirty="0"/>
-              <a:t>    </a:t>
-            </a:r>
-            <a:r>
-              <a:rPr lang="fr-FR" sz="1400" dirty="0" err="1"/>
-              <a:t>app</a:t>
-            </a:r>
-            <a:r>
-              <a:rPr lang="fr-FR" sz="1400" dirty="0"/>
-              <a:t>: </a:t>
-            </a:r>
-            <a:r>
-              <a:rPr lang="fr-FR" sz="1400" dirty="0" err="1"/>
-              <a:t>guestbook</a:t>
-            </a:r>
-            <a:endParaRPr lang="fr-FR" sz="1400" dirty="0"/>
-          </a:p>
-          <a:p>
-            <a:r>
-              <a:rPr lang="fr-FR" sz="1400" dirty="0"/>
-              <a:t>    </a:t>
-            </a:r>
-            <a:r>
-              <a:rPr lang="fr-FR" sz="1400" dirty="0" err="1"/>
-              <a:t>tier</a:t>
-            </a:r>
-            <a:r>
-              <a:rPr lang="fr-FR" sz="1400" dirty="0"/>
-              <a:t>: </a:t>
-            </a:r>
-            <a:r>
-              <a:rPr lang="fr-FR" sz="1400" dirty="0" err="1"/>
-              <a:t>frontend</a:t>
-            </a:r>
-            <a:endParaRPr lang="fr-FR" sz="1400" dirty="0"/>
-          </a:p>
-          <a:p>
-            <a:r>
-              <a:rPr lang="fr-FR" sz="1400" dirty="0" err="1"/>
-              <a:t>spec</a:t>
-            </a:r>
-            <a:r>
-              <a:rPr lang="fr-FR" sz="1400" dirty="0"/>
-              <a:t>:</a:t>
-            </a:r>
-          </a:p>
-          <a:p>
-            <a:r>
-              <a:rPr lang="fr-FR" sz="1400" dirty="0"/>
-              <a:t>  # </a:t>
-            </a:r>
-            <a:r>
-              <a:rPr lang="fr-FR" sz="1400" dirty="0" err="1"/>
-              <a:t>modify</a:t>
-            </a:r>
-            <a:r>
-              <a:rPr lang="fr-FR" sz="1400" dirty="0"/>
-              <a:t> </a:t>
-            </a:r>
-            <a:r>
-              <a:rPr lang="fr-FR" sz="1400" dirty="0" err="1"/>
-              <a:t>replicas</a:t>
-            </a:r>
-            <a:r>
-              <a:rPr lang="fr-FR" sz="1400" dirty="0"/>
-              <a:t> </a:t>
-            </a:r>
-            <a:r>
-              <a:rPr lang="fr-FR" sz="1400" dirty="0" err="1"/>
-              <a:t>according</a:t>
-            </a:r>
-            <a:r>
-              <a:rPr lang="fr-FR" sz="1400" dirty="0"/>
-              <a:t> to </a:t>
-            </a:r>
-            <a:r>
-              <a:rPr lang="fr-FR" sz="1400" dirty="0" err="1"/>
-              <a:t>your</a:t>
-            </a:r>
-            <a:r>
-              <a:rPr lang="fr-FR" sz="1400" dirty="0"/>
-              <a:t> case</a:t>
-            </a:r>
-          </a:p>
-          <a:p>
-            <a:r>
-              <a:rPr lang="fr-FR" sz="1400" dirty="0"/>
-              <a:t>  </a:t>
-            </a:r>
-            <a:r>
-              <a:rPr lang="fr-FR" sz="1400" dirty="0" err="1"/>
-              <a:t>replicas</a:t>
-            </a:r>
-            <a:r>
-              <a:rPr lang="fr-FR" sz="1400" dirty="0"/>
-              <a:t>: 3</a:t>
-            </a:r>
-          </a:p>
-          <a:p>
-            <a:r>
-              <a:rPr lang="fr-FR" sz="1400" dirty="0"/>
-              <a:t>  </a:t>
-            </a:r>
-            <a:r>
-              <a:rPr lang="fr-FR" sz="1400" dirty="0" err="1"/>
-              <a:t>selector</a:t>
-            </a:r>
-            <a:r>
-              <a:rPr lang="fr-FR" sz="1400" dirty="0"/>
-              <a:t>:</a:t>
-            </a:r>
-          </a:p>
-          <a:p>
-            <a:r>
-              <a:rPr lang="fr-FR" sz="1400" dirty="0"/>
-              <a:t>    </a:t>
-            </a:r>
-            <a:r>
-              <a:rPr lang="fr-FR" sz="1400" dirty="0" err="1"/>
-              <a:t>matchLabels</a:t>
-            </a:r>
-            <a:r>
-              <a:rPr lang="fr-FR" sz="1400" dirty="0"/>
-              <a:t>:</a:t>
-            </a:r>
-          </a:p>
-          <a:p>
-            <a:r>
-              <a:rPr lang="fr-FR" sz="1400" dirty="0"/>
-              <a:t>      </a:t>
-            </a:r>
-            <a:r>
-              <a:rPr lang="fr-FR" sz="1400" dirty="0" err="1"/>
-              <a:t>tier</a:t>
-            </a:r>
-            <a:r>
-              <a:rPr lang="fr-FR" sz="1400" dirty="0"/>
-              <a:t>: </a:t>
-            </a:r>
-            <a:r>
-              <a:rPr lang="fr-FR" sz="1400" dirty="0" err="1"/>
-              <a:t>frontend</a:t>
-            </a:r>
-            <a:endParaRPr lang="fr-FR" sz="1400" dirty="0"/>
-          </a:p>
-          <a:p>
-            <a:r>
-              <a:rPr lang="fr-FR" sz="1400" dirty="0"/>
-              <a:t>  </a:t>
-            </a:r>
-            <a:r>
-              <a:rPr lang="fr-FR" sz="1400" dirty="0" err="1"/>
-              <a:t>template</a:t>
-            </a:r>
-            <a:r>
-              <a:rPr lang="fr-FR" sz="1400" dirty="0"/>
-              <a:t>:</a:t>
-            </a:r>
-          </a:p>
-          <a:p>
-            <a:r>
-              <a:rPr lang="fr-FR" sz="1400" dirty="0"/>
-              <a:t>    </a:t>
-            </a:r>
-            <a:r>
-              <a:rPr lang="fr-FR" sz="1400" dirty="0" err="1"/>
-              <a:t>metadata</a:t>
-            </a:r>
-            <a:r>
-              <a:rPr lang="fr-FR" sz="1400" dirty="0"/>
-              <a:t>:</a:t>
-            </a:r>
-          </a:p>
-          <a:p>
-            <a:r>
-              <a:rPr lang="fr-FR" sz="1400" dirty="0"/>
-              <a:t>      labels:</a:t>
-            </a:r>
-          </a:p>
-          <a:p>
-            <a:r>
-              <a:rPr lang="fr-FR" sz="1400" dirty="0"/>
-              <a:t>        </a:t>
-            </a:r>
-            <a:r>
-              <a:rPr lang="fr-FR" sz="1400" dirty="0" err="1"/>
-              <a:t>tier</a:t>
-            </a:r>
-            <a:r>
-              <a:rPr lang="fr-FR" sz="1400" dirty="0"/>
-              <a:t>: </a:t>
-            </a:r>
-            <a:r>
-              <a:rPr lang="fr-FR" sz="1400" dirty="0" err="1"/>
-              <a:t>frontend</a:t>
-            </a:r>
-            <a:endParaRPr lang="fr-FR" sz="1400" dirty="0"/>
-          </a:p>
-          <a:p>
-            <a:r>
-              <a:rPr lang="fr-FR" sz="1400" dirty="0"/>
-              <a:t>    </a:t>
-            </a:r>
-            <a:r>
-              <a:rPr lang="fr-FR" sz="1400" dirty="0" err="1"/>
-              <a:t>spec</a:t>
-            </a:r>
-            <a:r>
-              <a:rPr lang="fr-FR" sz="1400" dirty="0"/>
-              <a:t>:</a:t>
-            </a:r>
-          </a:p>
-          <a:p>
-            <a:r>
-              <a:rPr lang="fr-FR" sz="1400" dirty="0"/>
-              <a:t>      containers:</a:t>
-            </a:r>
-          </a:p>
-          <a:p>
-            <a:r>
-              <a:rPr lang="fr-FR" sz="1400" dirty="0"/>
-              <a:t>      - </a:t>
-            </a:r>
-            <a:r>
-              <a:rPr lang="fr-FR" sz="1400" dirty="0" err="1"/>
-              <a:t>name</a:t>
-            </a:r>
-            <a:r>
-              <a:rPr lang="fr-FR" sz="1400" dirty="0"/>
-              <a:t>: </a:t>
-            </a:r>
-            <a:r>
-              <a:rPr lang="fr-FR" sz="1400" dirty="0" err="1"/>
-              <a:t>php</a:t>
-            </a:r>
-            <a:r>
-              <a:rPr lang="fr-FR" sz="1400" dirty="0"/>
-              <a:t>-redis</a:t>
-            </a:r>
-          </a:p>
-          <a:p>
-            <a:r>
-              <a:rPr lang="fr-FR" sz="1400" dirty="0"/>
-              <a:t>        image: gcr.io/</a:t>
-            </a:r>
-            <a:r>
-              <a:rPr lang="fr-FR" sz="1400" dirty="0" err="1"/>
-              <a:t>google_samples</a:t>
-            </a:r>
-            <a:r>
-              <a:rPr lang="fr-FR" sz="1400" dirty="0"/>
-              <a:t>/gb-frontend:v3</a:t>
-            </a:r>
+            <a:endParaRPr lang="fr-FR" sz="1600" b="1" dirty="0"/>
           </a:p>
         </p:txBody>
       </p:sp>
@@ -11519,14 +12270,14 @@
           <p:nvPr>
             <p:extLst>
               <p:ext uri="{D42A27DB-BD31-4B8C-83A1-F6EECF244321}">
-                <p14:modId xmlns:p14="http://schemas.microsoft.com/office/powerpoint/2010/main" val="3675326442"/>
+                <p14:modId xmlns:p14="http://schemas.microsoft.com/office/powerpoint/2010/main" val="1551424577"/>
               </p:ext>
             </p:extLst>
           </p:nvPr>
         </p:nvGraphicFramePr>
         <p:xfrm>
           <a:off x="395536" y="692696"/>
-          <a:ext cx="8352928" cy="4543061"/>
+          <a:ext cx="8352928" cy="5112569"/>
         </p:xfrm>
         <a:graphic>
           <a:graphicData uri="http://schemas.openxmlformats.org/drawingml/2006/table">
@@ -11548,7 +12299,7 @@
                   </a:extLst>
                 </a:gridCol>
               </a:tblGrid>
-              <a:tr h="222840">
+              <a:tr h="475920">
                 <a:tc>
                   <a:txBody>
                     <a:bodyPr/>
@@ -11556,7 +12307,7 @@
                     <a:p>
                       <a:pPr algn="ctr"/>
                       <a:r>
-                        <a:rPr lang="fr-FR" sz="2000" b="1" dirty="0" smtClean="0">
+                        <a:rPr lang="fr-FR" sz="2400" b="1" dirty="0" smtClean="0">
                           <a:solidFill>
                             <a:srgbClr val="FFFFFF"/>
                           </a:solidFill>
@@ -11565,7 +12316,7 @@
                         <a:t>Déploiements (</a:t>
                       </a:r>
                       <a:r>
-                        <a:rPr lang="fr-FR" sz="2000" b="1" dirty="0" err="1" smtClean="0">
+                        <a:rPr lang="fr-FR" sz="2400" b="1" dirty="0" err="1" smtClean="0">
                           <a:solidFill>
                             <a:srgbClr val="FFFFFF"/>
                           </a:solidFill>
@@ -11574,7 +12325,7 @@
                         <a:t>DeploymentSet</a:t>
                       </a:r>
                       <a:r>
-                        <a:rPr lang="fr-FR" sz="2000" b="1" dirty="0" smtClean="0">
+                        <a:rPr lang="fr-FR" sz="2400" b="1" dirty="0" smtClean="0">
                           <a:solidFill>
                             <a:srgbClr val="FFFFFF"/>
                           </a:solidFill>
@@ -11582,7 +12333,7 @@
                         </a:rPr>
                         <a:t>)</a:t>
                       </a:r>
-                      <a:endParaRPr lang="fr-FR" sz="1200" b="1" dirty="0">
+                      <a:endParaRPr lang="fr-FR" sz="1400" b="1" dirty="0">
                         <a:solidFill>
                           <a:srgbClr val="FFFFFF"/>
                         </a:solidFill>
@@ -11639,7 +12390,7 @@
                     <a:p>
                       <a:pPr algn="ctr"/>
                       <a:r>
-                        <a:rPr lang="fr-FR" sz="2000" b="1" dirty="0">
+                        <a:rPr lang="fr-FR" sz="2400" b="1" dirty="0">
                           <a:solidFill>
                             <a:srgbClr val="FFFFFF"/>
                           </a:solidFill>
@@ -11648,7 +12399,7 @@
                         <a:t>Jeu de </a:t>
                       </a:r>
                       <a:r>
-                        <a:rPr lang="fr-FR" sz="2000" b="1" dirty="0" smtClean="0">
+                        <a:rPr lang="fr-FR" sz="2400" b="1" dirty="0" smtClean="0">
                           <a:solidFill>
                             <a:srgbClr val="FFFFFF"/>
                           </a:solidFill>
@@ -11656,7 +12407,7 @@
                         </a:rPr>
                         <a:t>réplicas (ReplicaSet)</a:t>
                       </a:r>
-                      <a:endParaRPr lang="fr-FR" sz="2000" b="1" dirty="0">
+                      <a:endParaRPr lang="fr-FR" sz="2400" b="1" dirty="0">
                         <a:solidFill>
                           <a:srgbClr val="FFFFFF"/>
                         </a:solidFill>
@@ -11712,7 +12463,7 @@
                   </a:ext>
                 </a:extLst>
               </a:tr>
-              <a:tr h="1270013">
+              <a:tr h="1410295">
                 <a:tc>
                   <a:txBody>
                     <a:bodyPr/>
@@ -11720,24 +12471,24 @@
                     <a:p>
                       <a:pPr algn="l"/>
                       <a:r>
-                        <a:rPr lang="fr-FR" sz="1400" b="1" dirty="0">
+                        <a:rPr lang="fr-FR" sz="1600" b="1" dirty="0">
                           <a:effectLst/>
                         </a:rPr>
                         <a:t>Abstractions </a:t>
                       </a:r>
                       <a:r>
-                        <a:rPr lang="fr-FR" sz="1400" b="1" dirty="0" smtClean="0">
+                        <a:rPr lang="fr-FR" sz="1600" b="1" dirty="0" smtClean="0">
                           <a:effectLst/>
                         </a:rPr>
                         <a:t>haut </a:t>
                       </a:r>
                       <a:r>
-                        <a:rPr lang="fr-FR" sz="1400" b="1" dirty="0">
+                        <a:rPr lang="fr-FR" sz="1600" b="1" dirty="0">
                           <a:effectLst/>
                         </a:rPr>
                         <a:t>niveau qui gèrent les jeux de réplicas.</a:t>
                       </a:r>
-                      <a:endParaRPr lang="fr-FR" sz="1400" dirty="0">
+                      <a:endParaRPr lang="fr-FR" sz="1600" dirty="0">
                         <a:solidFill>
                           <a:srgbClr val="000000"/>
                         </a:solidFill>
@@ -11747,7 +12498,7 @@
                     <a:p>
                       <a:pPr algn="l"/>
                       <a:r>
-                        <a:rPr lang="fr-FR" sz="1400" dirty="0">
+                        <a:rPr lang="fr-FR" sz="1600" dirty="0">
                           <a:solidFill>
                             <a:srgbClr val="000000"/>
                           </a:solidFill>
@@ -11756,7 +12507,7 @@
                         <a:t>Il fournit des fonctionnalités supplémentaires telles que des mises à jour progressives, </a:t>
                       </a:r>
                       <a:r>
-                        <a:rPr lang="fr-FR" sz="1400" dirty="0" smtClean="0">
+                        <a:rPr lang="fr-FR" sz="1600" dirty="0" smtClean="0">
                           <a:solidFill>
                             <a:srgbClr val="000000"/>
                           </a:solidFill>
@@ -11765,7 +12516,7 @@
                         <a:t>la restauration et</a:t>
                       </a:r>
                       <a:r>
-                        <a:rPr lang="fr-FR" sz="1400" baseline="0" dirty="0" smtClean="0">
+                        <a:rPr lang="fr-FR" sz="1600" baseline="0" dirty="0" smtClean="0">
                           <a:solidFill>
                             <a:srgbClr val="000000"/>
                           </a:solidFill>
@@ -11774,7 +12525,7 @@
                         <a:t> la </a:t>
                       </a:r>
                       <a:r>
-                        <a:rPr lang="fr-FR" sz="1400" dirty="0" smtClean="0">
+                        <a:rPr lang="fr-FR" sz="1600" dirty="0" smtClean="0">
                           <a:solidFill>
                             <a:srgbClr val="000000"/>
                           </a:solidFill>
@@ -11783,7 +12534,7 @@
                         <a:t>gestion </a:t>
                       </a:r>
                       <a:r>
-                        <a:rPr lang="fr-FR" sz="1400" dirty="0">
+                        <a:rPr lang="fr-FR" sz="1600" dirty="0">
                           <a:solidFill>
                             <a:srgbClr val="000000"/>
                           </a:solidFill>
@@ -11842,48 +12593,48 @@
                     <a:p>
                       <a:pPr algn="l"/>
                       <a:r>
-                        <a:rPr lang="fr-FR" sz="1400" b="1" dirty="0">
+                        <a:rPr lang="fr-FR" sz="1600" b="1" dirty="0">
                           <a:effectLst/>
                         </a:rPr>
                         <a:t>Une abstraction </a:t>
                       </a:r>
                       <a:r>
-                        <a:rPr lang="fr-FR" sz="1400" b="1" dirty="0" smtClean="0">
+                        <a:rPr lang="fr-FR" sz="1600" b="1" dirty="0" smtClean="0">
                           <a:effectLst/>
                         </a:rPr>
                         <a:t>bas </a:t>
                       </a:r>
                       <a:r>
-                        <a:rPr lang="fr-FR" sz="1400" b="1" dirty="0">
+                        <a:rPr lang="fr-FR" sz="1600" b="1" dirty="0">
                           <a:effectLst/>
                         </a:rPr>
                         <a:t>niveau </a:t>
                       </a:r>
                       <a:r>
-                        <a:rPr lang="fr-FR" sz="1400" b="1" dirty="0" smtClean="0">
+                        <a:rPr lang="fr-FR" sz="1600" b="1" dirty="0" smtClean="0">
                           <a:effectLst/>
                         </a:rPr>
                         <a:t>qui </a:t>
                       </a:r>
                       <a:r>
-                        <a:rPr lang="fr-FR" sz="1400" b="1" dirty="0">
+                        <a:rPr lang="fr-FR" sz="1600" b="1" dirty="0">
                           <a:effectLst/>
                         </a:rPr>
                         <a:t>gère le nombre souhaité de répliques d'un </a:t>
                       </a:r>
                       <a:r>
-                        <a:rPr lang="fr-FR" sz="1400" b="1" dirty="0" err="1">
+                        <a:rPr lang="fr-FR" sz="1600" b="1" dirty="0" err="1">
                           <a:effectLst/>
                         </a:rPr>
                         <a:t>pod</a:t>
                       </a:r>
                       <a:r>
-                        <a:rPr lang="fr-FR" sz="1400" dirty="0">
+                        <a:rPr lang="fr-FR" sz="1600" dirty="0">
                           <a:effectLst/>
                         </a:rPr>
                         <a:t>.</a:t>
                       </a:r>
-                      <a:endParaRPr lang="fr-FR" sz="1400" dirty="0">
+                      <a:endParaRPr lang="fr-FR" sz="1600" dirty="0">
                         <a:solidFill>
                           <a:srgbClr val="000000"/>
                         </a:solidFill>
@@ -11893,7 +12644,7 @@
                     <a:p>
                       <a:pPr algn="l"/>
                       <a:r>
-                        <a:rPr lang="fr-FR" sz="1400" dirty="0" smtClean="0">
+                        <a:rPr lang="fr-FR" sz="1600" dirty="0" smtClean="0">
                           <a:solidFill>
                             <a:srgbClr val="000000"/>
                           </a:solidFill>
@@ -11902,7 +12653,7 @@
                         <a:t>Il </a:t>
                       </a:r>
                       <a:r>
-                        <a:rPr lang="fr-FR" sz="1400" dirty="0">
+                        <a:rPr lang="fr-FR" sz="1600" dirty="0">
                           <a:solidFill>
                             <a:srgbClr val="000000"/>
                           </a:solidFill>
@@ -11911,7 +12662,7 @@
                         <a:t>fournit des mécanismes de mise à l’échelle et </a:t>
                       </a:r>
                       <a:r>
-                        <a:rPr lang="fr-FR" sz="1400" dirty="0" smtClean="0">
+                        <a:rPr lang="fr-FR" sz="1600" dirty="0" smtClean="0">
                           <a:solidFill>
                             <a:srgbClr val="000000"/>
                           </a:solidFill>
@@ -11920,7 +12671,7 @@
                         <a:t>d’auto</a:t>
                       </a:r>
                       <a:r>
-                        <a:rPr lang="fr-FR" sz="1400" baseline="0" dirty="0" smtClean="0">
+                        <a:rPr lang="fr-FR" sz="1600" baseline="0" dirty="0" smtClean="0">
                           <a:solidFill>
                             <a:srgbClr val="000000"/>
                           </a:solidFill>
@@ -11929,7 +12680,7 @@
                         <a:t> </a:t>
                       </a:r>
                       <a:r>
-                        <a:rPr lang="fr-FR" sz="1400" dirty="0" smtClean="0">
+                        <a:rPr lang="fr-FR" sz="1600" dirty="0" smtClean="0">
                           <a:solidFill>
                             <a:srgbClr val="000000"/>
                           </a:solidFill>
@@ -11938,7 +12689,7 @@
                         <a:t>réparation </a:t>
                       </a:r>
                       <a:r>
-                        <a:rPr lang="fr-FR" sz="1400" dirty="0">
+                        <a:rPr lang="fr-FR" sz="1600" dirty="0">
                           <a:solidFill>
                             <a:srgbClr val="000000"/>
                           </a:solidFill>
@@ -11996,7 +12747,7 @@
                   </a:ext>
                 </a:extLst>
               </a:tr>
-              <a:tr h="817708">
+              <a:tr h="908030">
                 <a:tc>
                   <a:txBody>
                     <a:bodyPr/>
@@ -12004,43 +12755,43 @@
                     <a:p>
                       <a:pPr algn="l"/>
                       <a:r>
-                        <a:rPr lang="fr-FR" sz="1400" i="0" dirty="0" smtClean="0">
+                        <a:rPr lang="fr-FR" sz="1600" i="0" dirty="0" smtClean="0">
                           <a:effectLst/>
                         </a:rPr>
                         <a:t>Le Déploiement</a:t>
                       </a:r>
                       <a:r>
-                        <a:rPr lang="fr-FR" sz="1400" dirty="0">
+                        <a:rPr lang="fr-FR" sz="1600" dirty="0">
                           <a:effectLst/>
                         </a:rPr>
                         <a:t> </a:t>
                       </a:r>
                       <a:r>
-                        <a:rPr lang="fr-FR" sz="1400" b="1" dirty="0">
+                        <a:rPr lang="fr-FR" sz="1600" b="1" dirty="0">
                           <a:effectLst/>
                         </a:rPr>
                         <a:t>gère ​​un modèle de </a:t>
                       </a:r>
                       <a:r>
-                        <a:rPr lang="fr-FR" sz="1400" b="1" dirty="0" err="1">
+                        <a:rPr lang="fr-FR" sz="1600" b="1" dirty="0" err="1">
                           <a:effectLst/>
                         </a:rPr>
                         <a:t>pods</a:t>
                       </a:r>
                       <a:r>
-                        <a:rPr lang="fr-FR" sz="1400" dirty="0">
+                        <a:rPr lang="fr-FR" sz="1600" dirty="0">
                           <a:effectLst/>
                         </a:rPr>
                         <a:t> et utilise des jeux de réplicas pour garantir que le nombre spécifié de réplicas du </a:t>
                       </a:r>
                       <a:r>
-                        <a:rPr lang="fr-FR" sz="1400" dirty="0" err="1">
+                        <a:rPr lang="fr-FR" sz="1600" dirty="0" err="1">
                           <a:effectLst/>
                         </a:rPr>
                         <a:t>pod</a:t>
                       </a:r>
                       <a:r>
-                        <a:rPr lang="fr-FR" sz="1400" dirty="0">
+                        <a:rPr lang="fr-FR" sz="1600" dirty="0">
                           <a:effectLst/>
                         </a:rPr>
                         <a:t> est en cours d'exécution.</a:t>
@@ -12096,31 +12847,31 @@
                     <a:p>
                       <a:pPr algn="l"/>
                       <a:r>
-                        <a:rPr lang="fr-FR" sz="1400" i="1" dirty="0">
+                        <a:rPr lang="fr-FR" sz="1600" i="1" dirty="0">
                           <a:effectLst/>
                         </a:rPr>
                         <a:t>ReplicaSet</a:t>
                       </a:r>
                       <a:r>
-                        <a:rPr lang="fr-FR" sz="1400" dirty="0">
+                        <a:rPr lang="fr-FR" sz="1600" dirty="0">
                           <a:effectLst/>
                         </a:rPr>
                         <a:t> uniquement </a:t>
                       </a:r>
                       <a:r>
-                        <a:rPr lang="fr-FR" sz="1400" b="1" dirty="0">
+                        <a:rPr lang="fr-FR" sz="1600" b="1" dirty="0">
                           <a:effectLst/>
                         </a:rPr>
                         <a:t>gère ​​le nombre souhaité de répliques d'un </a:t>
                       </a:r>
                       <a:r>
-                        <a:rPr lang="fr-FR" sz="1400" b="1" dirty="0" err="1">
+                        <a:rPr lang="fr-FR" sz="1600" b="1" dirty="0" err="1">
                           <a:effectLst/>
                         </a:rPr>
                         <a:t>pod</a:t>
                       </a:r>
                       <a:r>
-                        <a:rPr lang="fr-FR" sz="1400" dirty="0">
+                        <a:rPr lang="fr-FR" sz="1600" dirty="0">
                           <a:effectLst/>
                         </a:rPr>
                         <a:t>.</a:t>
@@ -12175,7 +12926,7 @@
                   </a:ext>
                 </a:extLst>
               </a:tr>
-              <a:tr h="1043860">
+              <a:tr h="1159162">
                 <a:tc>
                   <a:txBody>
                     <a:bodyPr/>
@@ -12183,19 +12934,19 @@
                     <a:p>
                       <a:pPr algn="l"/>
                       <a:r>
-                        <a:rPr lang="fr-FR" sz="1400" b="1" i="1" dirty="0">
+                        <a:rPr lang="fr-FR" sz="1600" b="1" i="1" dirty="0">
                           <a:effectLst/>
                         </a:rPr>
                         <a:t>Le Déploiement</a:t>
                       </a:r>
                       <a:r>
-                        <a:rPr lang="fr-FR" sz="1400" b="1" dirty="0">
+                        <a:rPr lang="fr-FR" sz="1600" b="1" dirty="0">
                           <a:effectLst/>
                         </a:rPr>
                         <a:t> fournit un mécanisme de déploiement des mises à jour et des restaurations de l'application</a:t>
                       </a:r>
                       <a:r>
-                        <a:rPr lang="fr-FR" sz="1400" dirty="0">
+                        <a:rPr lang="fr-FR" sz="1600" dirty="0">
                           <a:effectLst/>
                         </a:rPr>
                         <a:t>, permettant des mises à jour transparentes et réduisant les temps d'arrêt.</a:t>
@@ -12251,13 +13002,13 @@
                     <a:p>
                       <a:pPr algn="l"/>
                       <a:r>
-                        <a:rPr lang="fr-FR" sz="1400" b="1" dirty="0">
+                        <a:rPr lang="fr-FR" sz="1600" b="1" dirty="0">
                           <a:effectLst/>
                         </a:rPr>
                         <a:t>Les applications doivent être mises à jour </a:t>
                       </a:r>
                       <a:r>
-                        <a:rPr lang="fr-FR" sz="1400" b="1" dirty="0" smtClean="0">
+                        <a:rPr lang="fr-FR" sz="1600" b="1" dirty="0" smtClean="0">
                           <a:effectLst/>
                         </a:rPr>
                         <a:t>au départ</a:t>
@@ -12265,7 +13016,7 @@
                     </a:p>
                     <a:p>
                       <a:pPr algn="l"/>
-                      <a:endParaRPr lang="fr-FR" sz="1400" dirty="0">
+                      <a:endParaRPr lang="fr-FR" sz="1600" dirty="0">
                         <a:effectLst/>
                       </a:endParaRPr>
                     </a:p>
@@ -12318,7 +13069,7 @@
                   </a:ext>
                 </a:extLst>
               </a:tr>
-              <a:tr h="1043860">
+              <a:tr h="1159162">
                 <a:tc>
                   <a:txBody>
                     <a:bodyPr/>
@@ -12326,37 +13077,37 @@
                     <a:p>
                       <a:pPr algn="l"/>
                       <a:r>
-                        <a:rPr lang="fr-FR" sz="1400" b="1" dirty="0">
+                        <a:rPr lang="fr-FR" sz="1600" b="1" dirty="0">
                           <a:effectLst/>
                         </a:rPr>
                         <a:t>Il fournit un </a:t>
                       </a:r>
                       <a:r>
-                        <a:rPr lang="fr-FR" sz="1400" b="1" dirty="0" err="1">
+                        <a:rPr lang="fr-FR" sz="1600" b="1" dirty="0" err="1">
                           <a:effectLst/>
                         </a:rPr>
                         <a:t>versioning</a:t>
                       </a:r>
                       <a:r>
-                        <a:rPr lang="fr-FR" sz="1400" b="1" dirty="0">
+                        <a:rPr lang="fr-FR" sz="1600" b="1" dirty="0">
                           <a:effectLst/>
                         </a:rPr>
                         <a:t> de l'application, </a:t>
                       </a:r>
                       <a:r>
-                        <a:rPr lang="fr-FR" sz="1400" b="1" dirty="0" smtClean="0">
+                        <a:rPr lang="fr-FR" sz="1600" b="1" dirty="0" smtClean="0">
                           <a:effectLst/>
                         </a:rPr>
                         <a:t>permettant </a:t>
                       </a:r>
                       <a:r>
-                        <a:rPr lang="fr-FR" sz="1400" b="1" dirty="0">
+                        <a:rPr lang="fr-FR" sz="1600" b="1" dirty="0">
                           <a:effectLst/>
                         </a:rPr>
                         <a:t>de gérer plusieurs versions de la même application</a:t>
                       </a:r>
                       <a:r>
-                        <a:rPr lang="fr-FR" sz="1400" dirty="0">
+                        <a:rPr lang="fr-FR" sz="1600" dirty="0">
                           <a:effectLst/>
                         </a:rPr>
                         <a:t>. Cela permet également de revenir facilement à une version précédente si nécessaire.</a:t>
@@ -12412,13 +13163,13 @@
                     <a:p>
                       <a:pPr algn="l"/>
                       <a:r>
-                        <a:rPr lang="fr-FR" sz="1400" i="1" dirty="0" err="1">
+                        <a:rPr lang="fr-FR" sz="1600" i="1" dirty="0" err="1">
                           <a:effectLst/>
                         </a:rPr>
                         <a:t>ReplicaSet</a:t>
                       </a:r>
                       <a:r>
-                        <a:rPr lang="fr-FR" sz="1400" dirty="0">
+                        <a:rPr lang="fr-FR" sz="1600" dirty="0">
                           <a:effectLst/>
                         </a:rPr>
                         <a:t> ne fournit pas cette fonctionnalité.</a:t>
@@ -12527,7 +13278,7 @@
         <p:spPr>
           <a:xfrm>
             <a:off x="210672" y="650305"/>
-            <a:ext cx="2736304" cy="4218855"/>
+            <a:ext cx="3713256" cy="4218855"/>
           </a:xfrm>
         </p:spPr>
         <p:txBody>
@@ -12540,55 +13291,55 @@
               <a:buNone/>
             </a:pPr>
             <a:r>
-              <a:rPr lang="fr-FR" sz="1200" b="1" dirty="0" smtClean="0">
+              <a:rPr lang="fr-FR" sz="1400" b="1" dirty="0" smtClean="0">
                 <a:latin typeface="+mj-lt"/>
               </a:rPr>
               <a:t>StatefulSet: </a:t>
             </a:r>
             <a:r>
-              <a:rPr lang="fr-FR" sz="1200" dirty="0">
+              <a:rPr lang="fr-FR" sz="1400" dirty="0">
                 <a:latin typeface="+mj-lt"/>
               </a:rPr>
               <a:t>C’est un élément qui représente un </a:t>
             </a:r>
             <a:r>
-              <a:rPr lang="fr-FR" sz="1200" dirty="0" smtClean="0">
+              <a:rPr lang="fr-FR" sz="1400" dirty="0" smtClean="0">
                 <a:latin typeface="+mj-lt"/>
               </a:rPr>
               <a:t>réplica </a:t>
             </a:r>
             <a:r>
-              <a:rPr lang="fr-FR" sz="1200" dirty="0">
+              <a:rPr lang="fr-FR" sz="1400" dirty="0">
                 <a:latin typeface="+mj-lt"/>
               </a:rPr>
               <a:t>de </a:t>
             </a:r>
             <a:r>
-              <a:rPr lang="fr-FR" sz="1200" dirty="0" err="1">
+              <a:rPr lang="fr-FR" sz="1400" dirty="0" err="1">
                 <a:latin typeface="+mj-lt"/>
               </a:rPr>
               <a:t>Pods</a:t>
             </a:r>
             <a:r>
-              <a:rPr lang="fr-FR" sz="1200" dirty="0">
+              <a:rPr lang="fr-FR" sz="1400" dirty="0">
                 <a:latin typeface="+mj-lt"/>
               </a:rPr>
               <a:t> qui représentent des applications </a:t>
             </a:r>
             <a:r>
-              <a:rPr lang="fr-FR" sz="1200" u="sng" dirty="0" smtClean="0">
+              <a:rPr lang="fr-FR" sz="1400" u="sng" dirty="0" smtClean="0">
                 <a:latin typeface="+mj-lt"/>
               </a:rPr>
               <a:t>avec </a:t>
             </a:r>
             <a:r>
-              <a:rPr lang="fr-FR" sz="1200" u="sng" dirty="0">
+              <a:rPr lang="fr-FR" sz="1400" u="sng" dirty="0">
                 <a:latin typeface="+mj-lt"/>
               </a:rPr>
               <a:t>état </a:t>
             </a:r>
             <a:r>
-              <a:rPr lang="fr-FR" sz="1200" dirty="0" smtClean="0">
+              <a:rPr lang="fr-FR" sz="1400" dirty="0" smtClean="0">
                 <a:latin typeface="+mj-lt"/>
               </a:rPr>
               <a:t>comme les bases de données </a:t>
@@ -12598,7 +13349,7 @@
             <a:pPr marL="0" indent="0">
               <a:buNone/>
             </a:pPr>
-            <a:endParaRPr lang="fr-FR" sz="1800" b="1" dirty="0" smtClean="0">
+            <a:endParaRPr lang="fr-FR" sz="2000" b="1" dirty="0" smtClean="0">
               <a:latin typeface="Candara" panose="020E0502030303020204" pitchFamily="34" charset="0"/>
             </a:endParaRPr>
           </a:p>
@@ -12607,22 +13358,22 @@
               <a:buNone/>
             </a:pPr>
             <a:r>
-              <a:rPr lang="fr-FR" sz="1200" dirty="0"/>
+              <a:rPr lang="fr-FR" sz="1400" dirty="0"/>
               <a:t>StatefulSets n</a:t>
             </a:r>
             <a:r>
-              <a:rPr lang="fr-FR" sz="1200" u="sng" dirty="0"/>
+              <a:rPr lang="fr-FR" sz="1400" u="sng" dirty="0"/>
               <a:t>écessite actuellement </a:t>
             </a:r>
             <a:r>
-              <a:rPr lang="fr-FR" sz="1200" u="sng" dirty="0" smtClean="0"/>
+              <a:rPr lang="fr-FR" sz="1400" u="sng" dirty="0" smtClean="0"/>
               <a:t>un service Headless responsable </a:t>
             </a:r>
             <a:r>
-              <a:rPr lang="fr-FR" sz="1200" dirty="0" smtClean="0"/>
+              <a:rPr lang="fr-FR" sz="1400" dirty="0" smtClean="0"/>
               <a:t>des identités des Pod </a:t>
             </a:r>
-            <a:endParaRPr lang="fr-FR" sz="1200" b="1" dirty="0" smtClean="0">
+            <a:endParaRPr lang="fr-FR" sz="1400" b="1" dirty="0" smtClean="0">
               <a:latin typeface="Candara" panose="020E0502030303020204" pitchFamily="34" charset="0"/>
             </a:endParaRPr>
           </a:p>
@@ -12630,7 +13381,7 @@
             <a:pPr marL="0" indent="0">
               <a:buNone/>
             </a:pPr>
-            <a:endParaRPr lang="fr-FR" sz="1800" b="1" dirty="0" smtClean="0">
+            <a:endParaRPr lang="fr-FR" sz="2000" b="1" dirty="0" smtClean="0">
               <a:latin typeface="Candara" panose="020E0502030303020204" pitchFamily="34" charset="0"/>
             </a:endParaRPr>
           </a:p>
@@ -12639,23 +13390,23 @@
               <a:buNone/>
             </a:pPr>
             <a:r>
-              <a:rPr lang="fr-FR" sz="1200" dirty="0" smtClean="0"/>
+              <a:rPr lang="fr-FR" sz="1400" dirty="0" smtClean="0"/>
               <a:t>Le Pod </a:t>
             </a:r>
             <a:r>
-              <a:rPr lang="fr-FR" sz="1200" dirty="0"/>
+              <a:rPr lang="fr-FR" sz="1400" dirty="0"/>
               <a:t>StatefulSet </a:t>
             </a:r>
             <a:r>
-              <a:rPr lang="fr-FR" sz="1200" dirty="0" smtClean="0"/>
+              <a:rPr lang="fr-FR" sz="1400" dirty="0" smtClean="0"/>
               <a:t>a une </a:t>
             </a:r>
             <a:r>
-              <a:rPr lang="fr-FR" sz="1200" dirty="0"/>
+              <a:rPr lang="fr-FR" sz="1400" dirty="0"/>
               <a:t>identité unique qui consiste en un ordinal, un identité réseau stable et stockage </a:t>
             </a:r>
             <a:r>
-              <a:rPr lang="fr-FR" sz="1200" dirty="0" smtClean="0"/>
+              <a:rPr lang="fr-FR" sz="1400" dirty="0" smtClean="0"/>
               <a:t>stable non modifiable. </a:t>
             </a:r>
           </a:p>
@@ -12670,7 +13421,7 @@
         <p:spPr>
           <a:xfrm>
             <a:off x="179512" y="188640"/>
-            <a:ext cx="1950662" cy="461665"/>
+            <a:ext cx="1657698" cy="400110"/>
           </a:xfrm>
           <a:prstGeom prst="rect">
             <a:avLst/>
@@ -12683,770 +13434,10 @@
           <a:lstStyle/>
           <a:p>
             <a:r>
-              <a:rPr lang="fr-FR" sz="2400" b="1" i="1" dirty="0" smtClean="0"/>
+              <a:rPr lang="fr-FR" sz="2000" b="1" i="1" dirty="0" smtClean="0"/>
               <a:t>Les objets K8s</a:t>
             </a:r>
-            <a:endParaRPr lang="en-US" sz="2400" b="1" dirty="0"/>
-          </a:p>
-        </p:txBody>
-      </p:sp>
-      <p:sp>
-        <p:nvSpPr>
-          <p:cNvPr id="4" name="Rectangle 3"/>
-          <p:cNvSpPr/>
-          <p:nvPr/>
-        </p:nvSpPr>
-        <p:spPr>
-          <a:xfrm>
-            <a:off x="2984472" y="620688"/>
-            <a:ext cx="1552192" cy="1892826"/>
-          </a:xfrm>
-          <a:prstGeom prst="rect">
-            <a:avLst/>
-          </a:prstGeom>
-        </p:spPr>
-        <p:txBody>
-          <a:bodyPr wrap="square">
-            <a:spAutoFit/>
-          </a:bodyPr>
-          <a:lstStyle/>
-          <a:p>
-            <a:r>
-              <a:rPr lang="fr-FR" sz="900" dirty="0" err="1"/>
-              <a:t>apiVersion</a:t>
-            </a:r>
-            <a:r>
-              <a:rPr lang="fr-FR" sz="900" dirty="0"/>
-              <a:t>: v1</a:t>
-            </a:r>
-          </a:p>
-          <a:p>
-            <a:r>
-              <a:rPr lang="fr-FR" sz="900" dirty="0" err="1"/>
-              <a:t>kind</a:t>
-            </a:r>
-            <a:r>
-              <a:rPr lang="fr-FR" sz="900" dirty="0"/>
-              <a:t>: Service</a:t>
-            </a:r>
-          </a:p>
-          <a:p>
-            <a:r>
-              <a:rPr lang="fr-FR" sz="900" dirty="0" err="1"/>
-              <a:t>metadata</a:t>
-            </a:r>
-            <a:r>
-              <a:rPr lang="fr-FR" sz="900" dirty="0"/>
-              <a:t>:</a:t>
-            </a:r>
-          </a:p>
-          <a:p>
-            <a:r>
-              <a:rPr lang="fr-FR" sz="900" dirty="0"/>
-              <a:t>  </a:t>
-            </a:r>
-            <a:r>
-              <a:rPr lang="fr-FR" sz="900" dirty="0" err="1"/>
-              <a:t>name</a:t>
-            </a:r>
-            <a:r>
-              <a:rPr lang="fr-FR" sz="900" dirty="0"/>
-              <a:t>: </a:t>
-            </a:r>
-            <a:r>
-              <a:rPr lang="fr-FR" sz="900" dirty="0" err="1"/>
-              <a:t>nginx</a:t>
-            </a:r>
-            <a:endParaRPr lang="fr-FR" sz="900" dirty="0"/>
-          </a:p>
-          <a:p>
-            <a:r>
-              <a:rPr lang="fr-FR" sz="900" dirty="0"/>
-              <a:t>  labels:</a:t>
-            </a:r>
-          </a:p>
-          <a:p>
-            <a:r>
-              <a:rPr lang="fr-FR" sz="900" dirty="0"/>
-              <a:t>    </a:t>
-            </a:r>
-            <a:r>
-              <a:rPr lang="fr-FR" sz="900" dirty="0" err="1"/>
-              <a:t>app</a:t>
-            </a:r>
-            <a:r>
-              <a:rPr lang="fr-FR" sz="900" dirty="0"/>
-              <a:t>: </a:t>
-            </a:r>
-            <a:r>
-              <a:rPr lang="fr-FR" sz="900" dirty="0" err="1"/>
-              <a:t>nginx</a:t>
-            </a:r>
-            <a:endParaRPr lang="fr-FR" sz="900" dirty="0"/>
-          </a:p>
-          <a:p>
-            <a:r>
-              <a:rPr lang="fr-FR" sz="900" dirty="0" err="1"/>
-              <a:t>spec</a:t>
-            </a:r>
-            <a:r>
-              <a:rPr lang="fr-FR" sz="900" dirty="0"/>
-              <a:t>:</a:t>
-            </a:r>
-          </a:p>
-          <a:p>
-            <a:r>
-              <a:rPr lang="fr-FR" sz="900" dirty="0"/>
-              <a:t>  ports:</a:t>
-            </a:r>
-          </a:p>
-          <a:p>
-            <a:r>
-              <a:rPr lang="fr-FR" sz="900" dirty="0"/>
-              <a:t>  - port: 80</a:t>
-            </a:r>
-          </a:p>
-          <a:p>
-            <a:r>
-              <a:rPr lang="fr-FR" sz="900" dirty="0"/>
-              <a:t>    </a:t>
-            </a:r>
-            <a:r>
-              <a:rPr lang="fr-FR" sz="900" dirty="0" err="1"/>
-              <a:t>name</a:t>
-            </a:r>
-            <a:r>
-              <a:rPr lang="fr-FR" sz="900" dirty="0"/>
-              <a:t>: web</a:t>
-            </a:r>
-          </a:p>
-          <a:p>
-            <a:r>
-              <a:rPr lang="fr-FR" sz="900" dirty="0"/>
-              <a:t>  </a:t>
-            </a:r>
-            <a:r>
-              <a:rPr lang="fr-FR" sz="900" dirty="0" err="1"/>
-              <a:t>clusterIP</a:t>
-            </a:r>
-            <a:r>
-              <a:rPr lang="fr-FR" sz="900" dirty="0"/>
-              <a:t>: None</a:t>
-            </a:r>
-          </a:p>
-          <a:p>
-            <a:r>
-              <a:rPr lang="fr-FR" sz="900" dirty="0"/>
-              <a:t>  </a:t>
-            </a:r>
-            <a:r>
-              <a:rPr lang="fr-FR" sz="900" dirty="0" err="1"/>
-              <a:t>selector</a:t>
-            </a:r>
-            <a:r>
-              <a:rPr lang="fr-FR" sz="900" dirty="0"/>
-              <a:t>:</a:t>
-            </a:r>
-          </a:p>
-          <a:p>
-            <a:r>
-              <a:rPr lang="fr-FR" sz="900" dirty="0"/>
-              <a:t>    </a:t>
-            </a:r>
-            <a:r>
-              <a:rPr lang="fr-FR" sz="900" dirty="0" err="1"/>
-              <a:t>app</a:t>
-            </a:r>
-            <a:r>
-              <a:rPr lang="fr-FR" sz="900" dirty="0"/>
-              <a:t>: </a:t>
-            </a:r>
-            <a:r>
-              <a:rPr lang="fr-FR" sz="900" dirty="0" err="1"/>
-              <a:t>nginx</a:t>
-            </a:r>
-            <a:endParaRPr lang="fr-FR" sz="900" dirty="0"/>
-          </a:p>
-        </p:txBody>
-      </p:sp>
-      <p:sp>
-        <p:nvSpPr>
-          <p:cNvPr id="6" name="Rectangle 5"/>
-          <p:cNvSpPr/>
-          <p:nvPr/>
-        </p:nvSpPr>
-        <p:spPr>
-          <a:xfrm>
-            <a:off x="4427984" y="548680"/>
-            <a:ext cx="4572000" cy="4524315"/>
-          </a:xfrm>
-          <a:prstGeom prst="rect">
-            <a:avLst/>
-          </a:prstGeom>
-        </p:spPr>
-        <p:txBody>
-          <a:bodyPr>
-            <a:spAutoFit/>
-          </a:bodyPr>
-          <a:lstStyle/>
-          <a:p>
-            <a:r>
-              <a:rPr lang="fr-FR" sz="800" dirty="0"/>
-              <a:t>---</a:t>
-            </a:r>
-          </a:p>
-          <a:p>
-            <a:r>
-              <a:rPr lang="fr-FR" sz="800" dirty="0" err="1"/>
-              <a:t>apiVersion</a:t>
-            </a:r>
-            <a:r>
-              <a:rPr lang="fr-FR" sz="800" dirty="0"/>
-              <a:t>: </a:t>
-            </a:r>
-            <a:r>
-              <a:rPr lang="fr-FR" sz="800" dirty="0" err="1"/>
-              <a:t>apps</a:t>
-            </a:r>
-            <a:r>
-              <a:rPr lang="fr-FR" sz="800" dirty="0"/>
-              <a:t>/v1</a:t>
-            </a:r>
-          </a:p>
-          <a:p>
-            <a:r>
-              <a:rPr lang="fr-FR" sz="800" dirty="0" err="1"/>
-              <a:t>kind</a:t>
-            </a:r>
-            <a:r>
-              <a:rPr lang="fr-FR" sz="800" dirty="0"/>
-              <a:t>: StatefulSet</a:t>
-            </a:r>
-          </a:p>
-          <a:p>
-            <a:r>
-              <a:rPr lang="fr-FR" sz="800" dirty="0" err="1"/>
-              <a:t>metadata</a:t>
-            </a:r>
-            <a:r>
-              <a:rPr lang="fr-FR" sz="800" dirty="0"/>
-              <a:t>:</a:t>
-            </a:r>
-          </a:p>
-          <a:p>
-            <a:r>
-              <a:rPr lang="fr-FR" sz="800" dirty="0"/>
-              <a:t>  </a:t>
-            </a:r>
-            <a:r>
-              <a:rPr lang="fr-FR" sz="800" dirty="0" err="1"/>
-              <a:t>name</a:t>
-            </a:r>
-            <a:r>
-              <a:rPr lang="fr-FR" sz="800" dirty="0"/>
-              <a:t>: web</a:t>
-            </a:r>
-          </a:p>
-          <a:p>
-            <a:r>
-              <a:rPr lang="fr-FR" sz="800" dirty="0" err="1"/>
-              <a:t>spec</a:t>
-            </a:r>
-            <a:r>
-              <a:rPr lang="fr-FR" sz="800" dirty="0"/>
-              <a:t>:</a:t>
-            </a:r>
-          </a:p>
-          <a:p>
-            <a:r>
-              <a:rPr lang="fr-FR" sz="800" dirty="0"/>
-              <a:t>  </a:t>
-            </a:r>
-            <a:r>
-              <a:rPr lang="fr-FR" sz="800" dirty="0" err="1"/>
-              <a:t>selector</a:t>
-            </a:r>
-            <a:r>
-              <a:rPr lang="fr-FR" sz="800" dirty="0"/>
-              <a:t>:</a:t>
-            </a:r>
-          </a:p>
-          <a:p>
-            <a:r>
-              <a:rPr lang="fr-FR" sz="800" dirty="0"/>
-              <a:t>    </a:t>
-            </a:r>
-            <a:r>
-              <a:rPr lang="fr-FR" sz="800" dirty="0" err="1"/>
-              <a:t>matchLabels</a:t>
-            </a:r>
-            <a:r>
-              <a:rPr lang="fr-FR" sz="800" dirty="0"/>
-              <a:t>:</a:t>
-            </a:r>
-          </a:p>
-          <a:p>
-            <a:r>
-              <a:rPr lang="fr-FR" sz="800" dirty="0"/>
-              <a:t>      </a:t>
-            </a:r>
-            <a:r>
-              <a:rPr lang="fr-FR" sz="800" dirty="0" err="1"/>
-              <a:t>app</a:t>
-            </a:r>
-            <a:r>
-              <a:rPr lang="fr-FR" sz="800" dirty="0"/>
-              <a:t>: </a:t>
-            </a:r>
-            <a:r>
-              <a:rPr lang="fr-FR" sz="800" dirty="0" err="1"/>
-              <a:t>nginx</a:t>
-            </a:r>
-            <a:r>
-              <a:rPr lang="fr-FR" sz="800" dirty="0"/>
-              <a:t> # has to match .</a:t>
-            </a:r>
-            <a:r>
-              <a:rPr lang="fr-FR" sz="800" dirty="0" err="1"/>
-              <a:t>spec.template.metadata.labels</a:t>
-            </a:r>
-            <a:endParaRPr lang="fr-FR" sz="800" dirty="0"/>
-          </a:p>
-          <a:p>
-            <a:r>
-              <a:rPr lang="fr-FR" sz="800" dirty="0"/>
-              <a:t>  </a:t>
-            </a:r>
-            <a:r>
-              <a:rPr lang="fr-FR" sz="800" dirty="0" err="1"/>
-              <a:t>serviceName</a:t>
-            </a:r>
-            <a:r>
-              <a:rPr lang="fr-FR" sz="800" dirty="0"/>
-              <a:t>: "</a:t>
-            </a:r>
-            <a:r>
-              <a:rPr lang="fr-FR" sz="800" dirty="0" err="1"/>
-              <a:t>nginx</a:t>
-            </a:r>
-            <a:r>
-              <a:rPr lang="fr-FR" sz="800" dirty="0"/>
-              <a:t>"</a:t>
-            </a:r>
-          </a:p>
-          <a:p>
-            <a:r>
-              <a:rPr lang="fr-FR" sz="800" dirty="0"/>
-              <a:t>  </a:t>
-            </a:r>
-            <a:r>
-              <a:rPr lang="fr-FR" sz="800" dirty="0" err="1"/>
-              <a:t>replicas</a:t>
-            </a:r>
-            <a:r>
-              <a:rPr lang="fr-FR" sz="800" dirty="0"/>
-              <a:t>: 3 # by default </a:t>
-            </a:r>
-            <a:r>
-              <a:rPr lang="fr-FR" sz="800" dirty="0" err="1"/>
-              <a:t>is</a:t>
-            </a:r>
-            <a:r>
-              <a:rPr lang="fr-FR" sz="800" dirty="0"/>
-              <a:t> 1</a:t>
-            </a:r>
-          </a:p>
-          <a:p>
-            <a:r>
-              <a:rPr lang="fr-FR" sz="800" dirty="0"/>
-              <a:t>  </a:t>
-            </a:r>
-            <a:r>
-              <a:rPr lang="fr-FR" sz="800" dirty="0" err="1"/>
-              <a:t>minReadySeconds</a:t>
-            </a:r>
-            <a:r>
-              <a:rPr lang="fr-FR" sz="800" dirty="0"/>
-              <a:t>: 10 # by default </a:t>
-            </a:r>
-            <a:r>
-              <a:rPr lang="fr-FR" sz="800" dirty="0" err="1"/>
-              <a:t>is</a:t>
-            </a:r>
-            <a:r>
-              <a:rPr lang="fr-FR" sz="800" dirty="0"/>
-              <a:t> 0</a:t>
-            </a:r>
-          </a:p>
-          <a:p>
-            <a:r>
-              <a:rPr lang="fr-FR" sz="800" dirty="0"/>
-              <a:t>  </a:t>
-            </a:r>
-            <a:r>
-              <a:rPr lang="fr-FR" sz="800" dirty="0" err="1"/>
-              <a:t>template</a:t>
-            </a:r>
-            <a:r>
-              <a:rPr lang="fr-FR" sz="800" dirty="0"/>
-              <a:t>:</a:t>
-            </a:r>
-          </a:p>
-          <a:p>
-            <a:r>
-              <a:rPr lang="fr-FR" sz="800" dirty="0"/>
-              <a:t>    </a:t>
-            </a:r>
-            <a:r>
-              <a:rPr lang="fr-FR" sz="800" dirty="0" err="1"/>
-              <a:t>metadata</a:t>
-            </a:r>
-            <a:r>
-              <a:rPr lang="fr-FR" sz="800" dirty="0"/>
-              <a:t>:</a:t>
-            </a:r>
-          </a:p>
-          <a:p>
-            <a:r>
-              <a:rPr lang="fr-FR" sz="800" dirty="0"/>
-              <a:t>      labels:</a:t>
-            </a:r>
-          </a:p>
-          <a:p>
-            <a:r>
-              <a:rPr lang="fr-FR" sz="800" dirty="0"/>
-              <a:t>        </a:t>
-            </a:r>
-            <a:r>
-              <a:rPr lang="fr-FR" sz="800" dirty="0" err="1"/>
-              <a:t>app</a:t>
-            </a:r>
-            <a:r>
-              <a:rPr lang="fr-FR" sz="800" dirty="0"/>
-              <a:t>: </a:t>
-            </a:r>
-            <a:r>
-              <a:rPr lang="fr-FR" sz="800" dirty="0" err="1"/>
-              <a:t>nginx</a:t>
-            </a:r>
-            <a:r>
-              <a:rPr lang="fr-FR" sz="800" dirty="0"/>
-              <a:t> # has to match .</a:t>
-            </a:r>
-            <a:r>
-              <a:rPr lang="fr-FR" sz="800" dirty="0" err="1"/>
-              <a:t>spec.selector.matchLabels</a:t>
-            </a:r>
-            <a:endParaRPr lang="fr-FR" sz="800" dirty="0"/>
-          </a:p>
-          <a:p>
-            <a:r>
-              <a:rPr lang="fr-FR" sz="800" dirty="0"/>
-              <a:t>    </a:t>
-            </a:r>
-            <a:r>
-              <a:rPr lang="fr-FR" sz="800" dirty="0" err="1"/>
-              <a:t>spec</a:t>
-            </a:r>
-            <a:r>
-              <a:rPr lang="fr-FR" sz="800" dirty="0"/>
-              <a:t>:</a:t>
-            </a:r>
-          </a:p>
-          <a:p>
-            <a:r>
-              <a:rPr lang="fr-FR" sz="800" dirty="0"/>
-              <a:t>      </a:t>
-            </a:r>
-            <a:r>
-              <a:rPr lang="fr-FR" sz="800" dirty="0" err="1"/>
-              <a:t>terminationGracePeriodSeconds</a:t>
-            </a:r>
-            <a:r>
-              <a:rPr lang="fr-FR" sz="800" dirty="0"/>
-              <a:t>: 10</a:t>
-            </a:r>
-          </a:p>
-          <a:p>
-            <a:r>
-              <a:rPr lang="fr-FR" sz="800" dirty="0"/>
-              <a:t>      containers:</a:t>
-            </a:r>
-          </a:p>
-          <a:p>
-            <a:r>
-              <a:rPr lang="fr-FR" sz="800" dirty="0"/>
-              <a:t>      - </a:t>
-            </a:r>
-            <a:r>
-              <a:rPr lang="fr-FR" sz="800" dirty="0" err="1"/>
-              <a:t>name</a:t>
-            </a:r>
-            <a:r>
-              <a:rPr lang="fr-FR" sz="800" dirty="0"/>
-              <a:t>: </a:t>
-            </a:r>
-            <a:r>
-              <a:rPr lang="fr-FR" sz="800" dirty="0" err="1"/>
-              <a:t>nginx</a:t>
-            </a:r>
-            <a:endParaRPr lang="fr-FR" sz="800" dirty="0"/>
-          </a:p>
-          <a:p>
-            <a:r>
-              <a:rPr lang="fr-FR" sz="800" dirty="0"/>
-              <a:t>        image: registry.k8s.io/nginx-slim:0.8</a:t>
-            </a:r>
-          </a:p>
-          <a:p>
-            <a:r>
-              <a:rPr lang="fr-FR" sz="800" dirty="0"/>
-              <a:t>        ports:</a:t>
-            </a:r>
-          </a:p>
-          <a:p>
-            <a:r>
-              <a:rPr lang="fr-FR" sz="800" dirty="0"/>
-              <a:t>        - </a:t>
-            </a:r>
-            <a:r>
-              <a:rPr lang="fr-FR" sz="800" dirty="0" err="1"/>
-              <a:t>containerPort</a:t>
-            </a:r>
-            <a:r>
-              <a:rPr lang="fr-FR" sz="800" dirty="0"/>
-              <a:t>: 80</a:t>
-            </a:r>
-          </a:p>
-          <a:p>
-            <a:r>
-              <a:rPr lang="fr-FR" sz="800" dirty="0"/>
-              <a:t>          </a:t>
-            </a:r>
-            <a:r>
-              <a:rPr lang="fr-FR" sz="800" dirty="0" err="1"/>
-              <a:t>name</a:t>
-            </a:r>
-            <a:r>
-              <a:rPr lang="fr-FR" sz="800" dirty="0"/>
-              <a:t>: web</a:t>
-            </a:r>
-          </a:p>
-          <a:p>
-            <a:r>
-              <a:rPr lang="fr-FR" sz="800" dirty="0"/>
-              <a:t>        </a:t>
-            </a:r>
-            <a:r>
-              <a:rPr lang="fr-FR" sz="800" dirty="0" err="1"/>
-              <a:t>volumeMounts</a:t>
-            </a:r>
-            <a:r>
-              <a:rPr lang="fr-FR" sz="800" dirty="0"/>
-              <a:t>:</a:t>
-            </a:r>
-          </a:p>
-          <a:p>
-            <a:r>
-              <a:rPr lang="fr-FR" sz="800" dirty="0"/>
-              <a:t>        - </a:t>
-            </a:r>
-            <a:r>
-              <a:rPr lang="fr-FR" sz="800" dirty="0" err="1"/>
-              <a:t>name</a:t>
-            </a:r>
-            <a:r>
-              <a:rPr lang="fr-FR" sz="800" dirty="0"/>
-              <a:t>: www</a:t>
-            </a:r>
-          </a:p>
-          <a:p>
-            <a:r>
-              <a:rPr lang="fr-FR" sz="800" dirty="0"/>
-              <a:t>          </a:t>
-            </a:r>
-            <a:r>
-              <a:rPr lang="fr-FR" sz="800" dirty="0" err="1"/>
-              <a:t>mountPath</a:t>
-            </a:r>
-            <a:r>
-              <a:rPr lang="fr-FR" sz="800" dirty="0"/>
-              <a:t>: /</a:t>
-            </a:r>
-            <a:r>
-              <a:rPr lang="fr-FR" sz="800" dirty="0" err="1"/>
-              <a:t>usr</a:t>
-            </a:r>
-            <a:r>
-              <a:rPr lang="fr-FR" sz="800" dirty="0"/>
-              <a:t>/</a:t>
-            </a:r>
-            <a:r>
-              <a:rPr lang="fr-FR" sz="800" dirty="0" err="1"/>
-              <a:t>share</a:t>
-            </a:r>
-            <a:r>
-              <a:rPr lang="fr-FR" sz="800" dirty="0"/>
-              <a:t>/</a:t>
-            </a:r>
-            <a:r>
-              <a:rPr lang="fr-FR" sz="800" dirty="0" err="1"/>
-              <a:t>nginx</a:t>
-            </a:r>
-            <a:r>
-              <a:rPr lang="fr-FR" sz="800" dirty="0"/>
-              <a:t>/html</a:t>
-            </a:r>
-          </a:p>
-          <a:p>
-            <a:r>
-              <a:rPr lang="fr-FR" sz="800" dirty="0"/>
-              <a:t>  </a:t>
-            </a:r>
-            <a:r>
-              <a:rPr lang="fr-FR" sz="800" dirty="0" err="1"/>
-              <a:t>volumeClaimTemplates</a:t>
-            </a:r>
-            <a:r>
-              <a:rPr lang="fr-FR" sz="800" dirty="0"/>
-              <a:t>:</a:t>
-            </a:r>
-          </a:p>
-          <a:p>
-            <a:r>
-              <a:rPr lang="fr-FR" sz="800" dirty="0"/>
-              <a:t>  - </a:t>
-            </a:r>
-            <a:r>
-              <a:rPr lang="fr-FR" sz="800" dirty="0" err="1"/>
-              <a:t>metadata</a:t>
-            </a:r>
-            <a:r>
-              <a:rPr lang="fr-FR" sz="800" dirty="0"/>
-              <a:t>:</a:t>
-            </a:r>
-          </a:p>
-          <a:p>
-            <a:r>
-              <a:rPr lang="fr-FR" sz="800" dirty="0"/>
-              <a:t>      </a:t>
-            </a:r>
-            <a:r>
-              <a:rPr lang="fr-FR" sz="800" dirty="0" err="1"/>
-              <a:t>name</a:t>
-            </a:r>
-            <a:r>
-              <a:rPr lang="fr-FR" sz="800" dirty="0"/>
-              <a:t>: www</a:t>
-            </a:r>
-          </a:p>
-          <a:p>
-            <a:r>
-              <a:rPr lang="fr-FR" sz="800" dirty="0"/>
-              <a:t>    </a:t>
-            </a:r>
-            <a:r>
-              <a:rPr lang="fr-FR" sz="800" dirty="0" err="1"/>
-              <a:t>spec</a:t>
-            </a:r>
-            <a:r>
-              <a:rPr lang="fr-FR" sz="800" dirty="0"/>
-              <a:t>:</a:t>
-            </a:r>
-          </a:p>
-          <a:p>
-            <a:r>
-              <a:rPr lang="fr-FR" sz="800" dirty="0"/>
-              <a:t>      </a:t>
-            </a:r>
-            <a:r>
-              <a:rPr lang="fr-FR" sz="800" dirty="0" err="1"/>
-              <a:t>accessModes</a:t>
-            </a:r>
-            <a:r>
-              <a:rPr lang="fr-FR" sz="800" dirty="0"/>
-              <a:t>: [ "</a:t>
-            </a:r>
-            <a:r>
-              <a:rPr lang="fr-FR" sz="800" dirty="0" err="1"/>
-              <a:t>ReadWriteOnce</a:t>
-            </a:r>
-            <a:r>
-              <a:rPr lang="fr-FR" sz="800" dirty="0"/>
-              <a:t>" ]</a:t>
-            </a:r>
-          </a:p>
-          <a:p>
-            <a:r>
-              <a:rPr lang="fr-FR" sz="800" dirty="0"/>
-              <a:t>      </a:t>
-            </a:r>
-            <a:r>
-              <a:rPr lang="fr-FR" sz="800" dirty="0" err="1"/>
-              <a:t>storageClassName</a:t>
-            </a:r>
-            <a:r>
-              <a:rPr lang="fr-FR" sz="800" dirty="0"/>
-              <a:t>: "</a:t>
-            </a:r>
-            <a:r>
-              <a:rPr lang="fr-FR" sz="800" dirty="0" err="1"/>
-              <a:t>my</a:t>
-            </a:r>
-            <a:r>
-              <a:rPr lang="fr-FR" sz="800" dirty="0"/>
-              <a:t>-</a:t>
-            </a:r>
-            <a:r>
-              <a:rPr lang="fr-FR" sz="800" dirty="0" err="1"/>
-              <a:t>storage</a:t>
-            </a:r>
-            <a:r>
-              <a:rPr lang="fr-FR" sz="800" dirty="0"/>
-              <a:t>-class"</a:t>
-            </a:r>
-          </a:p>
-          <a:p>
-            <a:r>
-              <a:rPr lang="fr-FR" sz="800" dirty="0"/>
-              <a:t>      </a:t>
-            </a:r>
-            <a:r>
-              <a:rPr lang="fr-FR" sz="800" dirty="0" err="1"/>
-              <a:t>resources</a:t>
-            </a:r>
-            <a:r>
-              <a:rPr lang="fr-FR" sz="800" dirty="0"/>
-              <a:t>:</a:t>
-            </a:r>
-          </a:p>
-          <a:p>
-            <a:r>
-              <a:rPr lang="fr-FR" sz="800" dirty="0"/>
-              <a:t>        </a:t>
-            </a:r>
-            <a:r>
-              <a:rPr lang="fr-FR" sz="800" dirty="0" err="1"/>
-              <a:t>requests</a:t>
-            </a:r>
-            <a:r>
-              <a:rPr lang="fr-FR" sz="800" dirty="0"/>
-              <a:t>:</a:t>
-            </a:r>
-          </a:p>
-          <a:p>
-            <a:r>
-              <a:rPr lang="fr-FR" sz="800" dirty="0"/>
-              <a:t>          </a:t>
-            </a:r>
-            <a:r>
-              <a:rPr lang="fr-FR" sz="800" dirty="0" err="1"/>
-              <a:t>storage</a:t>
-            </a:r>
-            <a:r>
-              <a:rPr lang="fr-FR" sz="800" dirty="0"/>
-              <a:t>: 1Gi</a:t>
-            </a:r>
+            <a:endParaRPr lang="en-US" sz="2000" b="1" dirty="0"/>
           </a:p>
         </p:txBody>
       </p:sp>
@@ -13909,8 +13900,8 @@
         </p:nvSpPr>
         <p:spPr>
           <a:xfrm>
-            <a:off x="395536" y="764704"/>
-            <a:ext cx="3456384" cy="288032"/>
+            <a:off x="395536" y="764703"/>
+            <a:ext cx="5472608" cy="368549"/>
           </a:xfrm>
         </p:spPr>
         <p:txBody>
@@ -13926,7 +13917,25 @@
               <a:rPr lang="fr-FR" sz="1400" b="1" dirty="0" smtClean="0">
                 <a:latin typeface="+mj-lt"/>
               </a:rPr>
-              <a:t>Exemple avec Cluster IP:</a:t>
+              <a:t>Exemple </a:t>
+            </a:r>
+            <a:r>
+              <a:rPr lang="fr-FR" sz="1400" b="1" dirty="0" smtClean="0">
+                <a:latin typeface="+mj-lt"/>
+              </a:rPr>
+              <a:t>d’exposition avec un service</a:t>
+            </a:r>
+            <a:r>
+              <a:rPr lang="fr-FR" sz="1400" b="1" dirty="0" smtClean="0">
+                <a:latin typeface="+mj-lt"/>
+              </a:rPr>
+              <a:t> </a:t>
+            </a:r>
+            <a:r>
+              <a:rPr lang="fr-FR" sz="1400" b="1" dirty="0" smtClean="0">
+                <a:latin typeface="+mj-lt"/>
+              </a:rPr>
+              <a:t>Cluster IP:</a:t>
             </a:r>
           </a:p>
         </p:txBody>
@@ -15759,7 +15768,7 @@
         <p:spPr>
           <a:xfrm>
             <a:off x="395536" y="764704"/>
-            <a:ext cx="3456384" cy="288032"/>
+            <a:ext cx="4608512" cy="288032"/>
           </a:xfrm>
         </p:spPr>
         <p:txBody>
@@ -15772,10 +15781,20 @@
               <a:buNone/>
             </a:pPr>
             <a:r>
+              <a:rPr lang="fr-FR" sz="1400" b="1" dirty="0"/>
+              <a:t>Exemple d’exposition avec un service</a:t>
+            </a:r>
+            <a:r>
               <a:rPr lang="fr-FR" sz="1400" b="1" dirty="0" smtClean="0">
                 <a:latin typeface="+mj-lt"/>
               </a:rPr>
-              <a:t>Exemple avec </a:t>
+              <a:t> </a:t>
+            </a:r>
+            <a:r>
+              <a:rPr lang="fr-FR" sz="1400" b="1" dirty="0" smtClean="0">
+                <a:latin typeface="+mj-lt"/>
+              </a:rPr>
+              <a:t>avec </a:t>
             </a:r>
             <a:r>
               <a:rPr lang="fr-FR" sz="1400" b="1" dirty="0" err="1" smtClean="0">
